--- a/Documents/Presentation.pptx
+++ b/Documents/Presentation.pptx
@@ -5046,13 +5046,8 @@
           <a:p>
             <a:r>
               <a:rPr lang="en-US" dirty="0" smtClean="0"/>
-              <a:t>Kevin Kuo</a:t>
-            </a:r>
-            <a:r>
-              <a:rPr lang="en-US" dirty="0" smtClean="0"/>
-              <a:t>, Raj Patel, and Mary Snyder</a:t>
-            </a:r>
-            <a:endParaRPr lang="en-US" dirty="0" smtClean="0"/>
+              <a:t>Kevin Kuo, Raj Patel, and Mary Snyder</a:t>
+            </a:r>
           </a:p>
         </p:txBody>
       </p:sp>
@@ -6613,7 +6608,6 @@
               <a:rPr lang="en-US" dirty="0" smtClean="0"/>
               <a:t>Objective</a:t>
             </a:r>
-            <a:endParaRPr lang="en-US" dirty="0" smtClean="0"/>
           </a:p>
         </p:txBody>
       </p:sp>
@@ -6815,96 +6809,23 @@
         <p:spPr/>
         <p:txBody>
           <a:bodyPr>
-            <a:normAutofit fontScale="92500" lnSpcReduction="10000"/>
+            <a:normAutofit/>
           </a:bodyPr>
           <a:lstStyle/>
           <a:p>
+            <a:endParaRPr lang="en-US" sz="2400" dirty="0" smtClean="0"/>
+          </a:p>
+          <a:p>
             <a:r>
               <a:rPr lang="en-US" sz="2400" dirty="0" smtClean="0"/>
-              <a:t>Each presentation should explicitly contain:</a:t>
-            </a:r>
-          </a:p>
-          <a:p>
-            <a:pPr lvl="1"/>
-            <a:r>
-              <a:rPr lang="en-US" sz="2000" dirty="0" smtClean="0"/>
-              <a:t>Aim of project</a:t>
-            </a:r>
-          </a:p>
-          <a:p>
-            <a:pPr lvl="1"/>
-            <a:r>
-              <a:rPr lang="en-US" sz="2000" dirty="0" smtClean="0"/>
-              <a:t>Motivation - Why is it an interesting problem? Why did you bother? Why should we care?</a:t>
-            </a:r>
-          </a:p>
-          <a:p>
-            <a:pPr lvl="1"/>
-            <a:r>
-              <a:rPr lang="en-US" sz="2000" dirty="0" smtClean="0"/>
-              <a:t>Main stories for the project</a:t>
-            </a:r>
-          </a:p>
-          <a:p>
-            <a:pPr lvl="1"/>
-            <a:r>
-              <a:rPr lang="en-US" sz="2000" dirty="0" smtClean="0"/>
-              <a:t>Software process – How did you breakup work? Who did what? How was management done? </a:t>
-            </a:r>
-          </a:p>
-          <a:p>
-            <a:pPr lvl="1"/>
-            <a:r>
-              <a:rPr lang="en-US" sz="2000" dirty="0" smtClean="0"/>
-              <a:t>Lead to the solution through your user stories/Use Cases</a:t>
-            </a:r>
-          </a:p>
-          <a:p>
-            <a:pPr lvl="1"/>
-            <a:r>
-              <a:rPr lang="en-US" sz="2000" dirty="0" smtClean="0"/>
-              <a:t>Data models</a:t>
-            </a:r>
-          </a:p>
-          <a:p>
-            <a:pPr lvl="1"/>
-            <a:r>
-              <a:rPr lang="en-US" sz="2000" dirty="0" smtClean="0"/>
-              <a:t>Show us any external resources used – web services, external servers, databases, APIs, Gems, etc.</a:t>
-            </a:r>
-          </a:p>
-          <a:p>
-            <a:pPr lvl="1"/>
-            <a:r>
-              <a:rPr lang="en-US" sz="2000" dirty="0" smtClean="0"/>
-              <a:t>Show working demos</a:t>
-            </a:r>
-          </a:p>
-          <a:p>
-            <a:pPr lvl="1"/>
-            <a:r>
-              <a:rPr lang="en-US" sz="2000" dirty="0" smtClean="0"/>
-              <a:t>Mention the lessons learned from the project</a:t>
-            </a:r>
-          </a:p>
-          <a:p>
-            <a:pPr lvl="1"/>
-            <a:r>
-              <a:rPr lang="en-US" sz="2000" b="1" dirty="0" smtClean="0"/>
-              <a:t>What did you not complete from the original stories?</a:t>
-            </a:r>
-          </a:p>
-          <a:p>
-            <a:pPr lvl="1"/>
-            <a:r>
-              <a:rPr lang="en-US" sz="2000" b="1" dirty="0" smtClean="0"/>
-              <a:t>How many new stories did you add?</a:t>
-            </a:r>
-            <a:endParaRPr lang="en-US" sz="1700" b="1" dirty="0" smtClean="0"/>
-          </a:p>
-          <a:p>
-            <a:pPr lvl="1"/>
-            <a:endParaRPr lang="en-US" sz="2000" dirty="0" smtClean="0"/>
+              <a:t> Build an interactive course scheduling web application that would serve as an interface between a institution's and students</a:t>
+            </a:r>
+          </a:p>
+          <a:p>
+            <a:pPr marL="0" indent="0">
+              <a:buNone/>
+            </a:pPr>
+            <a:endParaRPr lang="en-US" dirty="0" smtClean="0"/>
           </a:p>
         </p:txBody>
       </p:sp>
@@ -6965,7 +6886,6 @@
               <a:rPr lang="en-US" dirty="0" smtClean="0"/>
               <a:t>Main Stories</a:t>
             </a:r>
-            <a:endParaRPr lang="en-US" dirty="0" smtClean="0"/>
           </a:p>
         </p:txBody>
       </p:sp>
@@ -7317,7 +7237,6 @@
               <a:rPr lang="en-US" dirty="0" smtClean="0"/>
               <a:t>Software Process</a:t>
             </a:r>
-            <a:endParaRPr lang="en-US" dirty="0" smtClean="0"/>
           </a:p>
         </p:txBody>
       </p:sp>
@@ -7669,7 +7588,6 @@
               <a:rPr lang="en-US" dirty="0" smtClean="0"/>
               <a:t>Data Models</a:t>
             </a:r>
-            <a:endParaRPr lang="en-US" dirty="0" smtClean="0"/>
           </a:p>
         </p:txBody>
       </p:sp>
@@ -8021,7 +7939,6 @@
               <a:rPr lang="en-US" dirty="0" smtClean="0"/>
               <a:t>Use Cases</a:t>
             </a:r>
-            <a:endParaRPr lang="en-US" dirty="0" smtClean="0"/>
           </a:p>
         </p:txBody>
       </p:sp>
@@ -8373,7 +8290,6 @@
               <a:rPr lang="en-US" dirty="0" smtClean="0"/>
               <a:t>External Resources Used</a:t>
             </a:r>
-            <a:endParaRPr lang="en-US" dirty="0" smtClean="0"/>
           </a:p>
         </p:txBody>
       </p:sp>
@@ -8725,7 +8641,6 @@
               <a:rPr lang="en-US" dirty="0" smtClean="0"/>
               <a:t>Demo</a:t>
             </a:r>
-            <a:endParaRPr lang="en-US" dirty="0" smtClean="0"/>
           </a:p>
         </p:txBody>
       </p:sp>
@@ -9077,7 +8992,6 @@
               <a:rPr lang="en-US" dirty="0" smtClean="0"/>
               <a:t>Lessons Learned</a:t>
             </a:r>
-            <a:endParaRPr lang="en-US" dirty="0" smtClean="0"/>
           </a:p>
         </p:txBody>
       </p:sp>

--- a/Documents/Presentation.pptx
+++ b/Documents/Presentation.pptx
@@ -5,23 +5,24 @@
     <p:sldMasterId id="2147483672" r:id="rId1"/>
   </p:sldMasterIdLst>
   <p:notesMasterIdLst>
-    <p:notesMasterId r:id="rId16"/>
+    <p:notesMasterId r:id="rId17"/>
   </p:notesMasterIdLst>
   <p:sldIdLst>
     <p:sldId id="276" r:id="rId2"/>
     <p:sldId id="281" r:id="rId3"/>
     <p:sldId id="282" r:id="rId4"/>
     <p:sldId id="283" r:id="rId5"/>
-    <p:sldId id="285" r:id="rId6"/>
+    <p:sldId id="289" r:id="rId6"/>
     <p:sldId id="284" r:id="rId7"/>
-    <p:sldId id="286" r:id="rId8"/>
-    <p:sldId id="287" r:id="rId9"/>
-    <p:sldId id="288" r:id="rId10"/>
-    <p:sldId id="277" r:id="rId11"/>
-    <p:sldId id="278" r:id="rId12"/>
-    <p:sldId id="279" r:id="rId13"/>
-    <p:sldId id="273" r:id="rId14"/>
-    <p:sldId id="280" r:id="rId15"/>
+    <p:sldId id="285" r:id="rId8"/>
+    <p:sldId id="286" r:id="rId9"/>
+    <p:sldId id="287" r:id="rId10"/>
+    <p:sldId id="288" r:id="rId11"/>
+    <p:sldId id="277" r:id="rId12"/>
+    <p:sldId id="278" r:id="rId13"/>
+    <p:sldId id="279" r:id="rId14"/>
+    <p:sldId id="273" r:id="rId15"/>
+    <p:sldId id="280" r:id="rId16"/>
   </p:sldIdLst>
   <p:sldSz cx="9144000" cy="6858000" type="screen4x3"/>
   <p:notesSz cx="6858000" cy="9144000"/>
@@ -120,6 +121,22 @@
       </a:defRPr>
     </a:lvl9pPr>
   </p:defaultTextStyle>
+  <p:extLst>
+    <p:ext uri="{EFAFB233-063F-42B5-8137-9DF3F51BA10A}">
+      <p15:sldGuideLst xmlns:p15="http://schemas.microsoft.com/office/powerpoint/2012/main">
+        <p15:guide id="1" orient="horz" pos="2160">
+          <p15:clr>
+            <a:srgbClr val="A4A3A4"/>
+          </p15:clr>
+        </p15:guide>
+        <p15:guide id="2" pos="2880">
+          <p15:clr>
+            <a:srgbClr val="A4A3A4"/>
+          </p15:clr>
+        </p15:guide>
+      </p15:sldGuideLst>
+    </p:ext>
+  </p:extLst>
 </p:presentation>
 </file>
 
@@ -716,13 +733,18 @@
             <a:fld id="{4BDB13B5-7026-4A61-BA25-FD46DB759292}" type="slidenum">
               <a:rPr lang="en-US"/>
               <a:pPr eaLnBrk="1" hangingPunct="1"/>
-              <a:t>10</a:t>
+              <a:t>11</a:t>
             </a:fld>
             <a:endParaRPr lang="en-US"/>
           </a:p>
         </p:txBody>
       </p:sp>
     </p:spTree>
+    <p:extLst>
+      <p:ext uri="{BB962C8B-B14F-4D97-AF65-F5344CB8AC3E}">
+        <p14:creationId xmlns:p14="http://schemas.microsoft.com/office/powerpoint/2010/main" val="3932396335"/>
+      </p:ext>
+    </p:extLst>
   </p:cSld>
   <p:clrMapOvr>
     <a:masterClrMapping/>
@@ -973,13 +995,18 @@
             <a:fld id="{D2902981-5E2B-490C-A6EF-2ADAAA2385D6}" type="slidenum">
               <a:rPr lang="en-US"/>
               <a:pPr eaLnBrk="1" hangingPunct="1"/>
-              <a:t>12</a:t>
+              <a:t>13</a:t>
             </a:fld>
             <a:endParaRPr lang="en-US"/>
           </a:p>
         </p:txBody>
       </p:sp>
     </p:spTree>
+    <p:extLst>
+      <p:ext uri="{BB962C8B-B14F-4D97-AF65-F5344CB8AC3E}">
+        <p14:creationId xmlns:p14="http://schemas.microsoft.com/office/powerpoint/2010/main" val="3624790646"/>
+      </p:ext>
+    </p:extLst>
   </p:cSld>
   <p:clrMapOvr>
     <a:masterClrMapping/>
@@ -1055,13 +1082,18 @@
             <a:fld id="{44A4B035-350E-4DCC-9598-370D2EC009C8}" type="slidenum">
               <a:rPr lang="en-US" smtClean="0"/>
               <a:pPr/>
-              <a:t>13</a:t>
+              <a:t>14</a:t>
             </a:fld>
             <a:endParaRPr lang="en-US"/>
           </a:p>
         </p:txBody>
       </p:sp>
     </p:spTree>
+    <p:extLst>
+      <p:ext uri="{BB962C8B-B14F-4D97-AF65-F5344CB8AC3E}">
+        <p14:creationId xmlns:p14="http://schemas.microsoft.com/office/powerpoint/2010/main" val="2234094164"/>
+      </p:ext>
+    </p:extLst>
   </p:cSld>
   <p:clrMapOvr>
     <a:masterClrMapping/>
@@ -1312,13 +1344,18 @@
             <a:fld id="{FA326E2F-55F0-422C-913E-C28BCD70E13A}" type="slidenum">
               <a:rPr lang="en-US"/>
               <a:pPr eaLnBrk="1" hangingPunct="1"/>
-              <a:t>14</a:t>
+              <a:t>15</a:t>
             </a:fld>
             <a:endParaRPr lang="en-US"/>
           </a:p>
         </p:txBody>
       </p:sp>
     </p:spTree>
+    <p:extLst>
+      <p:ext uri="{BB962C8B-B14F-4D97-AF65-F5344CB8AC3E}">
+        <p14:creationId xmlns:p14="http://schemas.microsoft.com/office/powerpoint/2010/main" val="3051733236"/>
+      </p:ext>
+    </p:extLst>
   </p:cSld>
   <p:clrMapOvr>
     <a:masterClrMapping/>
@@ -5083,6 +5120,357 @@
       </p:grpSpPr>
       <p:sp>
         <p:nvSpPr>
+          <p:cNvPr id="4098" name="Title 1"/>
+          <p:cNvSpPr>
+            <a:spLocks noGrp="1"/>
+          </p:cNvSpPr>
+          <p:nvPr>
+            <p:ph type="title"/>
+          </p:nvPr>
+        </p:nvSpPr>
+        <p:spPr/>
+        <p:txBody>
+          <a:bodyPr/>
+          <a:lstStyle/>
+          <a:p>
+            <a:r>
+              <a:rPr lang="en-US" dirty="0" smtClean="0"/>
+              <a:t>Lessons Learned</a:t>
+            </a:r>
+          </a:p>
+        </p:txBody>
+      </p:sp>
+      <p:sp>
+        <p:nvSpPr>
+          <p:cNvPr id="4100" name="Slide Number Placeholder 3"/>
+          <p:cNvSpPr>
+            <a:spLocks noGrp="1"/>
+          </p:cNvSpPr>
+          <p:nvPr>
+            <p:ph type="sldNum" sz="quarter" idx="12"/>
+          </p:nvPr>
+        </p:nvSpPr>
+        <p:spPr>
+          <a:noFill/>
+          <a:ln w="9525"/>
+          <a:extLst>
+            <a:ext uri="{909E8E84-426E-40DD-AFC4-6F175D3DCCD1}">
+              <a14:hiddenFill xmlns:a14="http://schemas.microsoft.com/office/drawing/2010/main">
+                <a:solidFill>
+                  <a:srgbClr val="FFFFFF"/>
+                </a:solidFill>
+              </a14:hiddenFill>
+            </a:ext>
+            <a:ext uri="{91240B29-F687-4F45-9708-019B960494DF}">
+              <a14:hiddenLine xmlns:a14="http://schemas.microsoft.com/office/drawing/2010/main" w="12700">
+                <a:solidFill>
+                  <a:srgbClr val="000000"/>
+                </a:solidFill>
+                <a:miter lim="800000"/>
+                <a:headEnd/>
+                <a:tailEnd/>
+              </a14:hiddenLine>
+            </a:ext>
+          </a:extLst>
+        </p:spPr>
+        <p:txBody>
+          <a:bodyPr/>
+          <a:lstStyle>
+            <a:lvl1pPr eaLnBrk="0" hangingPunct="0">
+              <a:defRPr>
+                <a:solidFill>
+                  <a:srgbClr val="000000"/>
+                </a:solidFill>
+                <a:latin typeface="Arial Bold" charset="0"/>
+                <a:ea typeface="ヒラギノ角ゴ ProN W6" charset="0"/>
+                <a:cs typeface="ヒラギノ角ゴ ProN W6" charset="0"/>
+                <a:sym typeface="Arial Bold" charset="0"/>
+              </a:defRPr>
+            </a:lvl1pPr>
+            <a:lvl2pPr marL="742950" indent="-285750" eaLnBrk="0" hangingPunct="0">
+              <a:defRPr>
+                <a:solidFill>
+                  <a:srgbClr val="000000"/>
+                </a:solidFill>
+                <a:latin typeface="Arial Bold" charset="0"/>
+                <a:ea typeface="ヒラギノ角ゴ ProN W6" charset="0"/>
+                <a:cs typeface="ヒラギノ角ゴ ProN W6" charset="0"/>
+                <a:sym typeface="Arial Bold" charset="0"/>
+              </a:defRPr>
+            </a:lvl2pPr>
+            <a:lvl3pPr marL="1143000" indent="-228600" eaLnBrk="0" hangingPunct="0">
+              <a:defRPr>
+                <a:solidFill>
+                  <a:srgbClr val="000000"/>
+                </a:solidFill>
+                <a:latin typeface="Arial Bold" charset="0"/>
+                <a:ea typeface="ヒラギノ角ゴ ProN W6" charset="0"/>
+                <a:cs typeface="ヒラギノ角ゴ ProN W6" charset="0"/>
+                <a:sym typeface="Arial Bold" charset="0"/>
+              </a:defRPr>
+            </a:lvl3pPr>
+            <a:lvl4pPr marL="1600200" indent="-228600" eaLnBrk="0" hangingPunct="0">
+              <a:defRPr>
+                <a:solidFill>
+                  <a:srgbClr val="000000"/>
+                </a:solidFill>
+                <a:latin typeface="Arial Bold" charset="0"/>
+                <a:ea typeface="ヒラギノ角ゴ ProN W6" charset="0"/>
+                <a:cs typeface="ヒラギノ角ゴ ProN W6" charset="0"/>
+                <a:sym typeface="Arial Bold" charset="0"/>
+              </a:defRPr>
+            </a:lvl4pPr>
+            <a:lvl5pPr marL="2057400" indent="-228600" eaLnBrk="0" hangingPunct="0">
+              <a:defRPr>
+                <a:solidFill>
+                  <a:srgbClr val="000000"/>
+                </a:solidFill>
+                <a:latin typeface="Arial Bold" charset="0"/>
+                <a:ea typeface="ヒラギノ角ゴ ProN W6" charset="0"/>
+                <a:cs typeface="ヒラギノ角ゴ ProN W6" charset="0"/>
+                <a:sym typeface="Arial Bold" charset="0"/>
+              </a:defRPr>
+            </a:lvl5pPr>
+            <a:lvl6pPr marL="2514600" indent="-228600" eaLnBrk="0" fontAlgn="base" hangingPunct="0">
+              <a:spcBef>
+                <a:spcPct val="0"/>
+              </a:spcBef>
+              <a:spcAft>
+                <a:spcPct val="0"/>
+              </a:spcAft>
+              <a:defRPr>
+                <a:solidFill>
+                  <a:srgbClr val="000000"/>
+                </a:solidFill>
+                <a:latin typeface="Arial Bold" charset="0"/>
+                <a:ea typeface="ヒラギノ角ゴ ProN W6" charset="0"/>
+                <a:cs typeface="ヒラギノ角ゴ ProN W6" charset="0"/>
+                <a:sym typeface="Arial Bold" charset="0"/>
+              </a:defRPr>
+            </a:lvl6pPr>
+            <a:lvl7pPr marL="2971800" indent="-228600" eaLnBrk="0" fontAlgn="base" hangingPunct="0">
+              <a:spcBef>
+                <a:spcPct val="0"/>
+              </a:spcBef>
+              <a:spcAft>
+                <a:spcPct val="0"/>
+              </a:spcAft>
+              <a:defRPr>
+                <a:solidFill>
+                  <a:srgbClr val="000000"/>
+                </a:solidFill>
+                <a:latin typeface="Arial Bold" charset="0"/>
+                <a:ea typeface="ヒラギノ角ゴ ProN W6" charset="0"/>
+                <a:cs typeface="ヒラギノ角ゴ ProN W6" charset="0"/>
+                <a:sym typeface="Arial Bold" charset="0"/>
+              </a:defRPr>
+            </a:lvl7pPr>
+            <a:lvl8pPr marL="3429000" indent="-228600" eaLnBrk="0" fontAlgn="base" hangingPunct="0">
+              <a:spcBef>
+                <a:spcPct val="0"/>
+              </a:spcBef>
+              <a:spcAft>
+                <a:spcPct val="0"/>
+              </a:spcAft>
+              <a:defRPr>
+                <a:solidFill>
+                  <a:srgbClr val="000000"/>
+                </a:solidFill>
+                <a:latin typeface="Arial Bold" charset="0"/>
+                <a:ea typeface="ヒラギノ角ゴ ProN W6" charset="0"/>
+                <a:cs typeface="ヒラギノ角ゴ ProN W6" charset="0"/>
+                <a:sym typeface="Arial Bold" charset="0"/>
+              </a:defRPr>
+            </a:lvl8pPr>
+            <a:lvl9pPr marL="3886200" indent="-228600" eaLnBrk="0" fontAlgn="base" hangingPunct="0">
+              <a:spcBef>
+                <a:spcPct val="0"/>
+              </a:spcBef>
+              <a:spcAft>
+                <a:spcPct val="0"/>
+              </a:spcAft>
+              <a:defRPr>
+                <a:solidFill>
+                  <a:srgbClr val="000000"/>
+                </a:solidFill>
+                <a:latin typeface="Arial Bold" charset="0"/>
+                <a:ea typeface="ヒラギノ角ゴ ProN W6" charset="0"/>
+                <a:cs typeface="ヒラギノ角ゴ ProN W6" charset="0"/>
+                <a:sym typeface="Arial Bold" charset="0"/>
+              </a:defRPr>
+            </a:lvl9pPr>
+          </a:lstStyle>
+          <a:p>
+            <a:pPr eaLnBrk="1" hangingPunct="1"/>
+            <a:fld id="{7C98DC58-9F5F-402E-9C16-C5F69AC09F0C}" type="slidenum">
+              <a:rPr lang="en-US" smtClean="0">
+                <a:solidFill>
+                  <a:schemeClr val="tx1"/>
+                </a:solidFill>
+                <a:latin typeface="Arial" charset="0"/>
+                <a:cs typeface="Arial" charset="0"/>
+                <a:sym typeface="Arial" charset="0"/>
+              </a:rPr>
+              <a:pPr eaLnBrk="1" hangingPunct="1"/>
+              <a:t>10</a:t>
+            </a:fld>
+            <a:endParaRPr lang="en-US" smtClean="0">
+              <a:solidFill>
+                <a:schemeClr val="tx1"/>
+              </a:solidFill>
+              <a:latin typeface="Arial" charset="0"/>
+              <a:cs typeface="Arial" charset="0"/>
+              <a:sym typeface="Arial" charset="0"/>
+            </a:endParaRPr>
+          </a:p>
+        </p:txBody>
+      </p:sp>
+      <p:sp>
+        <p:nvSpPr>
+          <p:cNvPr id="4099" name="Content Placeholder 2"/>
+          <p:cNvSpPr>
+            <a:spLocks noGrp="1"/>
+          </p:cNvSpPr>
+          <p:nvPr>
+            <p:ph sz="quarter" idx="1"/>
+          </p:nvPr>
+        </p:nvSpPr>
+        <p:spPr/>
+        <p:txBody>
+          <a:bodyPr>
+            <a:normAutofit fontScale="92500" lnSpcReduction="10000"/>
+          </a:bodyPr>
+          <a:lstStyle/>
+          <a:p>
+            <a:r>
+              <a:rPr lang="en-US" sz="2400" dirty="0" smtClean="0"/>
+              <a:t>Each presentation should explicitly contain:</a:t>
+            </a:r>
+          </a:p>
+          <a:p>
+            <a:pPr lvl="1"/>
+            <a:r>
+              <a:rPr lang="en-US" sz="2000" dirty="0" smtClean="0"/>
+              <a:t>Aim of project</a:t>
+            </a:r>
+          </a:p>
+          <a:p>
+            <a:pPr lvl="1"/>
+            <a:r>
+              <a:rPr lang="en-US" sz="2000" dirty="0" smtClean="0"/>
+              <a:t>Motivation - Why is it an interesting problem? Why did you bother? Why should we care?</a:t>
+            </a:r>
+          </a:p>
+          <a:p>
+            <a:pPr lvl="1"/>
+            <a:r>
+              <a:rPr lang="en-US" sz="2000" dirty="0" smtClean="0"/>
+              <a:t>Main stories for the project</a:t>
+            </a:r>
+          </a:p>
+          <a:p>
+            <a:pPr lvl="1"/>
+            <a:r>
+              <a:rPr lang="en-US" sz="2000" dirty="0" smtClean="0"/>
+              <a:t>Software process – How did you breakup work? Who did what? How was management done? </a:t>
+            </a:r>
+          </a:p>
+          <a:p>
+            <a:pPr lvl="1"/>
+            <a:r>
+              <a:rPr lang="en-US" sz="2000" dirty="0" smtClean="0"/>
+              <a:t>Lead to the solution through your user stories/Use Cases</a:t>
+            </a:r>
+          </a:p>
+          <a:p>
+            <a:pPr lvl="1"/>
+            <a:r>
+              <a:rPr lang="en-US" sz="2000" dirty="0" smtClean="0"/>
+              <a:t>Data models</a:t>
+            </a:r>
+          </a:p>
+          <a:p>
+            <a:pPr lvl="1"/>
+            <a:r>
+              <a:rPr lang="en-US" sz="2000" dirty="0" smtClean="0"/>
+              <a:t>Show us any external resources used – web services, external servers, databases, APIs, Gems, etc.</a:t>
+            </a:r>
+          </a:p>
+          <a:p>
+            <a:pPr lvl="1"/>
+            <a:r>
+              <a:rPr lang="en-US" sz="2000" dirty="0" smtClean="0"/>
+              <a:t>Show working demos</a:t>
+            </a:r>
+          </a:p>
+          <a:p>
+            <a:pPr lvl="1"/>
+            <a:r>
+              <a:rPr lang="en-US" sz="2000" dirty="0" smtClean="0"/>
+              <a:t>Mention the lessons learned from the project</a:t>
+            </a:r>
+          </a:p>
+          <a:p>
+            <a:pPr lvl="1"/>
+            <a:r>
+              <a:rPr lang="en-US" sz="2000" b="1" dirty="0" smtClean="0"/>
+              <a:t>What did you not complete from the original stories?</a:t>
+            </a:r>
+          </a:p>
+          <a:p>
+            <a:pPr lvl="1"/>
+            <a:r>
+              <a:rPr lang="en-US" sz="2000" b="1" dirty="0" smtClean="0"/>
+              <a:t>How many new stories did you add?</a:t>
+            </a:r>
+            <a:endParaRPr lang="en-US" sz="1700" b="1" dirty="0" smtClean="0"/>
+          </a:p>
+          <a:p>
+            <a:pPr lvl="1"/>
+            <a:endParaRPr lang="en-US" sz="2000" dirty="0" smtClean="0"/>
+          </a:p>
+        </p:txBody>
+      </p:sp>
+    </p:spTree>
+    <p:extLst>
+      <p:ext uri="{BB962C8B-B14F-4D97-AF65-F5344CB8AC3E}">
+        <p14:creationId xmlns:p14="http://schemas.microsoft.com/office/powerpoint/2010/main" val="1210299799"/>
+      </p:ext>
+    </p:extLst>
+  </p:cSld>
+  <p:clrMapOvr>
+    <a:masterClrMapping/>
+  </p:clrMapOvr>
+  <mc:AlternateContent xmlns:mc="http://schemas.openxmlformats.org/markup-compatibility/2006" xmlns:p14="http://schemas.microsoft.com/office/powerpoint/2010/main">
+    <mc:Choice Requires="p14">
+      <p:transition spd="slow" p14:dur="2000"/>
+    </mc:Choice>
+    <mc:Fallback xmlns="">
+      <p:transition spd="slow"/>
+    </mc:Fallback>
+  </mc:AlternateContent>
+</p:sld>
+</file>
+
+<file path=ppt/slides/slide11.xml><?xml version="1.0" encoding="utf-8"?>
+<p:sld xmlns:a="http://schemas.openxmlformats.org/drawingml/2006/main" xmlns:r="http://schemas.openxmlformats.org/officeDocument/2006/relationships" xmlns:p="http://schemas.openxmlformats.org/presentationml/2006/main">
+  <p:cSld>
+    <p:spTree>
+      <p:nvGrpSpPr>
+        <p:cNvPr id="1" name=""/>
+        <p:cNvGrpSpPr/>
+        <p:nvPr/>
+      </p:nvGrpSpPr>
+      <p:grpSpPr>
+        <a:xfrm>
+          <a:off x="0" y="0"/>
+          <a:ext cx="0" cy="0"/>
+          <a:chOff x="0" y="0"/>
+          <a:chExt cx="0" cy="0"/>
+        </a:xfrm>
+      </p:grpSpPr>
+      <p:sp>
+        <p:nvSpPr>
           <p:cNvPr id="3074" name="Title 1"/>
           <p:cNvSpPr>
             <a:spLocks noGrp="1"/>
@@ -5279,7 +5667,7 @@
                 <a:sym typeface="Arial" charset="0"/>
               </a:rPr>
               <a:pPr eaLnBrk="1" hangingPunct="1"/>
-              <a:t>10</a:t>
+              <a:t>11</a:t>
             </a:fld>
             <a:endParaRPr lang="en-US" smtClean="0">
               <a:solidFill>
@@ -5403,7 +5791,7 @@
 </p:sld>
 </file>
 
-<file path=ppt/slides/slide11.xml><?xml version="1.0" encoding="utf-8"?>
+<file path=ppt/slides/slide12.xml><?xml version="1.0" encoding="utf-8"?>
 <p:sld xmlns:a="http://schemas.openxmlformats.org/drawingml/2006/main" xmlns:r="http://schemas.openxmlformats.org/officeDocument/2006/relationships" xmlns:p="http://schemas.openxmlformats.org/presentationml/2006/main">
   <p:cSld>
     <p:spTree>
@@ -5614,7 +6002,7 @@
                 <a:sym typeface="Arial" charset="0"/>
               </a:rPr>
               <a:pPr eaLnBrk="1" hangingPunct="1"/>
-              <a:t>11</a:t>
+              <a:t>12</a:t>
             </a:fld>
             <a:endParaRPr lang="en-US" smtClean="0">
               <a:solidFill>
@@ -5758,7 +6146,7 @@
 </p:sld>
 </file>
 
-<file path=ppt/slides/slide12.xml><?xml version="1.0" encoding="utf-8"?>
+<file path=ppt/slides/slide13.xml><?xml version="1.0" encoding="utf-8"?>
 <p:sld xmlns:a="http://schemas.openxmlformats.org/drawingml/2006/main" xmlns:r="http://schemas.openxmlformats.org/officeDocument/2006/relationships" xmlns:p="http://schemas.openxmlformats.org/presentationml/2006/main">
   <p:cSld>
     <p:spTree>
@@ -5973,7 +6361,7 @@
                 <a:sym typeface="Arial" charset="0"/>
               </a:rPr>
               <a:pPr eaLnBrk="1" hangingPunct="1"/>
-              <a:t>12</a:t>
+              <a:t>13</a:t>
             </a:fld>
             <a:endParaRPr lang="en-US" smtClean="0">
               <a:solidFill>
@@ -5999,7 +6387,7 @@
         <p:spPr/>
         <p:txBody>
           <a:bodyPr>
-            <a:normAutofit fontScale="92500" lnSpcReduction="20000"/>
+            <a:normAutofit fontScale="92500" lnSpcReduction="10000"/>
           </a:bodyPr>
           <a:lstStyle/>
           <a:p>
@@ -6138,7 +6526,7 @@
 </p:sld>
 </file>
 
-<file path=ppt/slides/slide13.xml><?xml version="1.0" encoding="utf-8"?>
+<file path=ppt/slides/slide14.xml><?xml version="1.0" encoding="utf-8"?>
 <p:sld xmlns:a="http://schemas.openxmlformats.org/drawingml/2006/main" xmlns:r="http://schemas.openxmlformats.org/officeDocument/2006/relationships" xmlns:p="http://schemas.openxmlformats.org/presentationml/2006/main">
   <p:cSld>
     <p:spTree>
@@ -6198,7 +6586,7 @@
             <a:fld id="{4AC3FDBB-A0DD-4E03-9C6C-F05383EA2CAC}" type="slidenum">
               <a:rPr lang="en-US" smtClean="0"/>
               <a:pPr/>
-              <a:t>13</a:t>
+              <a:t>14</a:t>
             </a:fld>
             <a:endParaRPr lang="en-US"/>
           </a:p>
@@ -6294,7 +6682,7 @@
 </p:sld>
 </file>
 
-<file path=ppt/slides/slide14.xml><?xml version="1.0" encoding="utf-8"?>
+<file path=ppt/slides/slide15.xml><?xml version="1.0" encoding="utf-8"?>
 <p:sld xmlns:a="http://schemas.openxmlformats.org/drawingml/2006/main" xmlns:r="http://schemas.openxmlformats.org/officeDocument/2006/relationships" xmlns:p="http://schemas.openxmlformats.org/presentationml/2006/main">
   <p:cSld>
     <p:spTree>
@@ -6509,7 +6897,7 @@
                 <a:sym typeface="Arial" charset="0"/>
               </a:rPr>
               <a:pPr eaLnBrk="1" hangingPunct="1"/>
-              <a:t>14</a:t>
+              <a:t>15</a:t>
             </a:fld>
             <a:endParaRPr lang="en-US" smtClean="0">
               <a:solidFill>
@@ -6818,7 +7206,23 @@
           <a:p>
             <a:r>
               <a:rPr lang="en-US" sz="2400" dirty="0" smtClean="0"/>
-              <a:t> Build an interactive course scheduling web application that would serve as an interface between a institution's and students</a:t>
+              <a:t>Build </a:t>
+            </a:r>
+            <a:r>
+              <a:rPr lang="en-US" sz="2400" dirty="0" smtClean="0"/>
+              <a:t>an interactive course scheduling web application that would serve as an interface between a institution's </a:t>
+            </a:r>
+            <a:r>
+              <a:rPr lang="en-US" sz="2400" dirty="0" err="1" smtClean="0"/>
+              <a:t>registar</a:t>
+            </a:r>
+            <a:r>
+              <a:rPr lang="en-US" sz="2400" dirty="0" smtClean="0"/>
+              <a:t> and </a:t>
+            </a:r>
+            <a:r>
+              <a:rPr lang="en-US" sz="2400" dirty="0" smtClean="0"/>
+              <a:t>students</a:t>
             </a:r>
           </a:p>
           <a:p>
@@ -7087,92 +7491,71 @@
         <p:spPr/>
         <p:txBody>
           <a:bodyPr>
-            <a:normAutofit fontScale="92500" lnSpcReduction="10000"/>
+            <a:normAutofit/>
           </a:bodyPr>
           <a:lstStyle/>
           <a:p>
+            <a:endParaRPr lang="en-US" sz="2400" dirty="0" smtClean="0"/>
+          </a:p>
+          <a:p>
             <a:r>
               <a:rPr lang="en-US" sz="2400" dirty="0" smtClean="0"/>
-              <a:t>Each presentation should explicitly contain:</a:t>
-            </a:r>
-          </a:p>
-          <a:p>
-            <a:pPr lvl="1"/>
-            <a:r>
-              <a:rPr lang="en-US" sz="2000" dirty="0" smtClean="0"/>
-              <a:t>Aim of project</a:t>
-            </a:r>
-          </a:p>
-          <a:p>
-            <a:pPr lvl="1"/>
-            <a:r>
-              <a:rPr lang="en-US" sz="2000" dirty="0" smtClean="0"/>
-              <a:t>Motivation - Why is it an interesting problem? Why did you bother? Why should we care?</a:t>
-            </a:r>
-          </a:p>
-          <a:p>
-            <a:pPr lvl="1"/>
-            <a:r>
-              <a:rPr lang="en-US" sz="2000" dirty="0" smtClean="0"/>
-              <a:t>Main stories for the project</a:t>
-            </a:r>
-          </a:p>
-          <a:p>
-            <a:pPr lvl="1"/>
-            <a:r>
-              <a:rPr lang="en-US" sz="2000" dirty="0" smtClean="0"/>
-              <a:t>Software process – How did you breakup work? Who did what? How was management done? </a:t>
-            </a:r>
-          </a:p>
-          <a:p>
-            <a:pPr lvl="1"/>
-            <a:r>
-              <a:rPr lang="en-US" sz="2000" dirty="0" smtClean="0"/>
-              <a:t>Lead to the solution through your user stories/Use Cases</a:t>
-            </a:r>
-          </a:p>
-          <a:p>
-            <a:pPr lvl="1"/>
-            <a:r>
-              <a:rPr lang="en-US" sz="2000" dirty="0" smtClean="0"/>
-              <a:t>Data models</a:t>
-            </a:r>
-          </a:p>
-          <a:p>
-            <a:pPr lvl="1"/>
-            <a:r>
-              <a:rPr lang="en-US" sz="2000" dirty="0" smtClean="0"/>
-              <a:t>Show us any external resources used – web services, external servers, databases, APIs, Gems, etc.</a:t>
-            </a:r>
-          </a:p>
-          <a:p>
-            <a:pPr lvl="1"/>
-            <a:r>
-              <a:rPr lang="en-US" sz="2000" dirty="0" smtClean="0"/>
-              <a:t>Show working demos</a:t>
-            </a:r>
-          </a:p>
-          <a:p>
-            <a:pPr lvl="1"/>
-            <a:r>
-              <a:rPr lang="en-US" sz="2000" dirty="0" smtClean="0"/>
-              <a:t>Mention the lessons learned from the project</a:t>
-            </a:r>
-          </a:p>
-          <a:p>
-            <a:pPr lvl="1"/>
-            <a:r>
-              <a:rPr lang="en-US" sz="2000" b="1" dirty="0" smtClean="0"/>
-              <a:t>What did you not complete from the original stories?</a:t>
-            </a:r>
-          </a:p>
-          <a:p>
-            <a:pPr lvl="1"/>
-            <a:r>
-              <a:rPr lang="en-US" sz="2000" b="1" dirty="0" smtClean="0"/>
-              <a:t>How many new stories did you add?</a:t>
-            </a:r>
-            <a:endParaRPr lang="en-US" sz="1700" b="1" dirty="0" smtClean="0"/>
+              <a:t>Login</a:t>
+            </a:r>
+          </a:p>
+          <a:p>
+            <a:pPr marL="0" indent="0">
+              <a:buNone/>
+            </a:pPr>
+            <a:endParaRPr lang="en-US" sz="2400" dirty="0" smtClean="0"/>
+          </a:p>
+          <a:p>
+            <a:r>
+              <a:rPr lang="en-US" sz="2400" dirty="0" smtClean="0"/>
+              <a:t>Student </a:t>
+            </a:r>
+            <a:r>
+              <a:rPr lang="en-US" sz="2400" dirty="0" smtClean="0">
+                <a:sym typeface="Wingdings" panose="05000000000000000000" pitchFamily="2" charset="2"/>
+              </a:rPr>
+              <a:t> </a:t>
+            </a:r>
+            <a:r>
+              <a:rPr lang="en-US" sz="2400" dirty="0" smtClean="0"/>
+              <a:t>Add/Delete Course from Schedule</a:t>
+            </a:r>
+          </a:p>
+          <a:p>
+            <a:endParaRPr lang="en-US" sz="2400" dirty="0"/>
+          </a:p>
+          <a:p>
+            <a:r>
+              <a:rPr lang="en-US" sz="2400" dirty="0" smtClean="0"/>
+              <a:t>Instructor </a:t>
+            </a:r>
+            <a:r>
+              <a:rPr lang="en-US" sz="2400" dirty="0" smtClean="0">
+                <a:sym typeface="Wingdings" panose="05000000000000000000" pitchFamily="2" charset="2"/>
+              </a:rPr>
+              <a:t> Edit Course Info</a:t>
+            </a:r>
+          </a:p>
+          <a:p>
+            <a:pPr marL="0" indent="0">
+              <a:buNone/>
+            </a:pPr>
+            <a:endParaRPr lang="en-US" sz="2400" dirty="0" smtClean="0">
+              <a:sym typeface="Wingdings" panose="05000000000000000000" pitchFamily="2" charset="2"/>
+            </a:endParaRPr>
+          </a:p>
+          <a:p>
+            <a:r>
+              <a:rPr lang="en-US" sz="2400" dirty="0" smtClean="0">
+                <a:sym typeface="Wingdings" panose="05000000000000000000" pitchFamily="2" charset="2"/>
+              </a:rPr>
+              <a:t>Administrator  Add/Edit/Delete Course from System</a:t>
+            </a:r>
+            <a:endParaRPr lang="en-US" sz="1700" dirty="0" smtClean="0"/>
           </a:p>
           <a:p>
             <a:pPr lvl="1"/>
@@ -7235,8 +7618,9 @@
           <a:p>
             <a:r>
               <a:rPr lang="en-US" dirty="0" smtClean="0"/>
-              <a:t>Software Process</a:t>
-            </a:r>
+              <a:t>Stories/Software Process</a:t>
+            </a:r>
+            <a:endParaRPr lang="en-US" dirty="0" smtClean="0"/>
           </a:p>
         </p:txBody>
       </p:sp>
@@ -7425,112 +7809,32 @@
           </a:p>
         </p:txBody>
       </p:sp>
-      <p:sp>
-        <p:nvSpPr>
-          <p:cNvPr id="4099" name="Content Placeholder 2"/>
-          <p:cNvSpPr>
-            <a:spLocks noGrp="1"/>
-          </p:cNvSpPr>
+      <p:pic>
+        <p:nvPicPr>
+          <p:cNvPr id="4" name="Content Placeholder 3"/>
+          <p:cNvPicPr>
+            <a:picLocks noGrp="1" noChangeAspect="1"/>
+          </p:cNvPicPr>
           <p:nvPr>
             <p:ph sz="quarter" idx="1"/>
           </p:nvPr>
-        </p:nvSpPr>
-        <p:spPr/>
-        <p:txBody>
-          <a:bodyPr>
-            <a:normAutofit fontScale="92500" lnSpcReduction="10000"/>
-          </a:bodyPr>
-          <a:lstStyle/>
-          <a:p>
-            <a:r>
-              <a:rPr lang="en-US" sz="2400" dirty="0" smtClean="0"/>
-              <a:t>Each presentation should explicitly contain:</a:t>
-            </a:r>
-          </a:p>
-          <a:p>
-            <a:pPr lvl="1"/>
-            <a:r>
-              <a:rPr lang="en-US" sz="2000" dirty="0" smtClean="0"/>
-              <a:t>Aim of project</a:t>
-            </a:r>
-          </a:p>
-          <a:p>
-            <a:pPr lvl="1"/>
-            <a:r>
-              <a:rPr lang="en-US" sz="2000" dirty="0" smtClean="0"/>
-              <a:t>Motivation - Why is it an interesting problem? Why did you bother? Why should we care?</a:t>
-            </a:r>
-          </a:p>
-          <a:p>
-            <a:pPr lvl="1"/>
-            <a:r>
-              <a:rPr lang="en-US" sz="2000" dirty="0" smtClean="0"/>
-              <a:t>Main stories for the project</a:t>
-            </a:r>
-          </a:p>
-          <a:p>
-            <a:pPr lvl="1"/>
-            <a:r>
-              <a:rPr lang="en-US" sz="2000" dirty="0" smtClean="0"/>
-              <a:t>Software process – How did you breakup work? Who did what? How was management done? </a:t>
-            </a:r>
-          </a:p>
-          <a:p>
-            <a:pPr lvl="1"/>
-            <a:r>
-              <a:rPr lang="en-US" sz="2000" dirty="0" smtClean="0"/>
-              <a:t>Lead to the solution through your user stories/Use Cases</a:t>
-            </a:r>
-          </a:p>
-          <a:p>
-            <a:pPr lvl="1"/>
-            <a:r>
-              <a:rPr lang="en-US" sz="2000" dirty="0" smtClean="0"/>
-              <a:t>Data models</a:t>
-            </a:r>
-          </a:p>
-          <a:p>
-            <a:pPr lvl="1"/>
-            <a:r>
-              <a:rPr lang="en-US" sz="2000" dirty="0" smtClean="0"/>
-              <a:t>Show us any external resources used – web services, external servers, databases, APIs, Gems, etc.</a:t>
-            </a:r>
-          </a:p>
-          <a:p>
-            <a:pPr lvl="1"/>
-            <a:r>
-              <a:rPr lang="en-US" sz="2000" dirty="0" smtClean="0"/>
-              <a:t>Show working demos</a:t>
-            </a:r>
-          </a:p>
-          <a:p>
-            <a:pPr lvl="1"/>
-            <a:r>
-              <a:rPr lang="en-US" sz="2000" dirty="0" smtClean="0"/>
-              <a:t>Mention the lessons learned from the project</a:t>
-            </a:r>
-          </a:p>
-          <a:p>
-            <a:pPr lvl="1"/>
-            <a:r>
-              <a:rPr lang="en-US" sz="2000" b="1" dirty="0" smtClean="0"/>
-              <a:t>What did you not complete from the original stories?</a:t>
-            </a:r>
-          </a:p>
-          <a:p>
-            <a:pPr lvl="1"/>
-            <a:r>
-              <a:rPr lang="en-US" sz="2000" b="1" dirty="0" smtClean="0"/>
-              <a:t>How many new stories did you add?</a:t>
-            </a:r>
-            <a:endParaRPr lang="en-US" sz="1700" b="1" dirty="0" smtClean="0"/>
-          </a:p>
-          <a:p>
-            <a:pPr lvl="1"/>
-            <a:endParaRPr lang="en-US" sz="2000" dirty="0" smtClean="0"/>
-          </a:p>
-        </p:txBody>
-      </p:sp>
+        </p:nvPicPr>
+        <p:blipFill>
+          <a:blip r:embed="rId2"/>
+          <a:stretch>
+            <a:fillRect/>
+          </a:stretch>
+        </p:blipFill>
+        <p:spPr>
+          <a:xfrm>
+            <a:off x="648779" y="1219200"/>
+            <a:ext cx="7846442" cy="4937125"/>
+          </a:xfrm>
+          <a:prstGeom prst="rect">
+            <a:avLst/>
+          </a:prstGeom>
+        </p:spPr>
+      </p:pic>
     </p:spTree>
     <p:extLst>
       <p:ext uri="{BB962C8B-B14F-4D97-AF65-F5344CB8AC3E}">
@@ -7586,7 +7890,7 @@
           <a:p>
             <a:r>
               <a:rPr lang="en-US" dirty="0" smtClean="0"/>
-              <a:t>Data Models</a:t>
+              <a:t>Software Process</a:t>
             </a:r>
           </a:p>
         </p:txBody>
@@ -7778,114 +8082,598 @@
       </p:sp>
       <p:sp>
         <p:nvSpPr>
-          <p:cNvPr id="4099" name="Content Placeholder 2"/>
-          <p:cNvSpPr>
-            <a:spLocks noGrp="1"/>
-          </p:cNvSpPr>
-          <p:nvPr>
-            <p:ph sz="quarter" idx="1"/>
-          </p:nvPr>
-        </p:nvSpPr>
-        <p:spPr/>
-        <p:txBody>
-          <a:bodyPr>
-            <a:normAutofit fontScale="92500" lnSpcReduction="10000"/>
+          <p:cNvPr id="4" name="Right Arrow 3"/>
+          <p:cNvSpPr/>
+          <p:nvPr/>
+        </p:nvSpPr>
+        <p:spPr>
+          <a:xfrm>
+            <a:off x="1442923" y="1893887"/>
+            <a:ext cx="990600" cy="152400"/>
+          </a:xfrm>
+          <a:prstGeom prst="rightArrow">
+            <a:avLst/>
+          </a:prstGeom>
+        </p:spPr>
+        <p:style>
+          <a:lnRef idx="2">
+            <a:schemeClr val="accent1">
+              <a:shade val="50000"/>
+            </a:schemeClr>
+          </a:lnRef>
+          <a:fillRef idx="1">
+            <a:schemeClr val="accent1"/>
+          </a:fillRef>
+          <a:effectRef idx="0">
+            <a:schemeClr val="accent1"/>
+          </a:effectRef>
+          <a:fontRef idx="minor">
+            <a:schemeClr val="lt1"/>
+          </a:fontRef>
+        </p:style>
+        <p:txBody>
+          <a:bodyPr rtlCol="0" anchor="ctr"/>
+          <a:lstStyle/>
+          <a:p>
+            <a:pPr algn="ctr"/>
+            <a:endParaRPr lang="en-US"/>
+          </a:p>
+        </p:txBody>
+      </p:sp>
+      <p:sp>
+        <p:nvSpPr>
+          <p:cNvPr id="8" name="Right Arrow 7"/>
+          <p:cNvSpPr/>
+          <p:nvPr/>
+        </p:nvSpPr>
+        <p:spPr>
+          <a:xfrm>
+            <a:off x="1442923" y="3674517"/>
+            <a:ext cx="990600" cy="152400"/>
+          </a:xfrm>
+          <a:prstGeom prst="rightArrow">
+            <a:avLst/>
+          </a:prstGeom>
+        </p:spPr>
+        <p:style>
+          <a:lnRef idx="2">
+            <a:schemeClr val="accent1">
+              <a:shade val="50000"/>
+            </a:schemeClr>
+          </a:lnRef>
+          <a:fillRef idx="1">
+            <a:schemeClr val="accent1"/>
+          </a:fillRef>
+          <a:effectRef idx="0">
+            <a:schemeClr val="accent1"/>
+          </a:effectRef>
+          <a:fontRef idx="minor">
+            <a:schemeClr val="lt1"/>
+          </a:fontRef>
+        </p:style>
+        <p:txBody>
+          <a:bodyPr rtlCol="0" anchor="ctr"/>
+          <a:lstStyle/>
+          <a:p>
+            <a:pPr algn="ctr"/>
+            <a:endParaRPr lang="en-US"/>
+          </a:p>
+        </p:txBody>
+      </p:sp>
+      <p:sp>
+        <p:nvSpPr>
+          <p:cNvPr id="9" name="Right Arrow 8"/>
+          <p:cNvSpPr/>
+          <p:nvPr/>
+        </p:nvSpPr>
+        <p:spPr>
+          <a:xfrm>
+            <a:off x="1442923" y="5376863"/>
+            <a:ext cx="990600" cy="152400"/>
+          </a:xfrm>
+          <a:prstGeom prst="rightArrow">
+            <a:avLst/>
+          </a:prstGeom>
+        </p:spPr>
+        <p:style>
+          <a:lnRef idx="2">
+            <a:schemeClr val="accent1">
+              <a:shade val="50000"/>
+            </a:schemeClr>
+          </a:lnRef>
+          <a:fillRef idx="1">
+            <a:schemeClr val="accent1"/>
+          </a:fillRef>
+          <a:effectRef idx="0">
+            <a:schemeClr val="accent1"/>
+          </a:effectRef>
+          <a:fontRef idx="minor">
+            <a:schemeClr val="lt1"/>
+          </a:fontRef>
+        </p:style>
+        <p:txBody>
+          <a:bodyPr rtlCol="0" anchor="ctr"/>
+          <a:lstStyle/>
+          <a:p>
+            <a:pPr algn="ctr"/>
+            <a:endParaRPr lang="en-US"/>
+          </a:p>
+        </p:txBody>
+      </p:sp>
+      <p:sp>
+        <p:nvSpPr>
+          <p:cNvPr id="5" name="TextBox 4"/>
+          <p:cNvSpPr txBox="1"/>
+          <p:nvPr/>
+        </p:nvSpPr>
+        <p:spPr>
+          <a:xfrm>
+            <a:off x="1442922" y="1447800"/>
+            <a:ext cx="1833677" cy="369332"/>
+          </a:xfrm>
+          <a:prstGeom prst="rect">
+            <a:avLst/>
+          </a:prstGeom>
+          <a:noFill/>
+        </p:spPr>
+        <p:txBody>
+          <a:bodyPr wrap="square" rtlCol="0">
+            <a:spAutoFit/>
           </a:bodyPr>
           <a:lstStyle/>
           <a:p>
             <a:r>
-              <a:rPr lang="en-US" sz="2400" dirty="0" smtClean="0"/>
-              <a:t>Each presentation should explicitly contain:</a:t>
-            </a:r>
-          </a:p>
-          <a:p>
-            <a:pPr lvl="1"/>
-            <a:r>
-              <a:rPr lang="en-US" sz="2000" dirty="0" smtClean="0"/>
-              <a:t>Aim of project</a:t>
-            </a:r>
-          </a:p>
-          <a:p>
-            <a:pPr lvl="1"/>
-            <a:r>
-              <a:rPr lang="en-US" sz="2000" dirty="0" smtClean="0"/>
-              <a:t>Motivation - Why is it an interesting problem? Why did you bother? Why should we care?</a:t>
-            </a:r>
-          </a:p>
-          <a:p>
-            <a:pPr lvl="1"/>
-            <a:r>
-              <a:rPr lang="en-US" sz="2000" dirty="0" smtClean="0"/>
-              <a:t>Main stories for the project</a:t>
-            </a:r>
-          </a:p>
-          <a:p>
-            <a:pPr lvl="1"/>
-            <a:r>
-              <a:rPr lang="en-US" sz="2000" dirty="0" smtClean="0"/>
-              <a:t>Software process – How did you breakup work? Who did what? How was management done? </a:t>
-            </a:r>
-          </a:p>
-          <a:p>
-            <a:pPr lvl="1"/>
-            <a:r>
-              <a:rPr lang="en-US" sz="2000" dirty="0" smtClean="0"/>
-              <a:t>Lead to the solution through your user stories/Use Cases</a:t>
-            </a:r>
-          </a:p>
-          <a:p>
-            <a:pPr lvl="1"/>
-            <a:r>
-              <a:rPr lang="en-US" sz="2000" dirty="0" smtClean="0"/>
-              <a:t>Data models</a:t>
-            </a:r>
-          </a:p>
-          <a:p>
-            <a:pPr lvl="1"/>
-            <a:r>
-              <a:rPr lang="en-US" sz="2000" dirty="0" smtClean="0"/>
-              <a:t>Show us any external resources used – web services, external servers, databases, APIs, Gems, etc.</a:t>
-            </a:r>
-          </a:p>
-          <a:p>
-            <a:pPr lvl="1"/>
-            <a:r>
-              <a:rPr lang="en-US" sz="2000" dirty="0" smtClean="0"/>
-              <a:t>Show working demos</a:t>
-            </a:r>
-          </a:p>
-          <a:p>
-            <a:pPr lvl="1"/>
-            <a:r>
-              <a:rPr lang="en-US" sz="2000" dirty="0" smtClean="0"/>
-              <a:t>Mention the lessons learned from the project</a:t>
-            </a:r>
-          </a:p>
-          <a:p>
-            <a:pPr lvl="1"/>
-            <a:r>
-              <a:rPr lang="en-US" sz="2000" b="1" dirty="0" smtClean="0"/>
-              <a:t>What did you not complete from the original stories?</a:t>
-            </a:r>
-          </a:p>
-          <a:p>
-            <a:pPr lvl="1"/>
-            <a:r>
-              <a:rPr lang="en-US" sz="2000" b="1" dirty="0" smtClean="0"/>
-              <a:t>How many new stories did you add?</a:t>
-            </a:r>
-            <a:endParaRPr lang="en-US" sz="1700" b="1" dirty="0" smtClean="0"/>
-          </a:p>
-          <a:p>
-            <a:pPr lvl="1"/>
-            <a:endParaRPr lang="en-US" sz="2000" dirty="0" smtClean="0"/>
+              <a:rPr lang="en-US" dirty="0" smtClean="0"/>
+              <a:t>Gems</a:t>
+            </a:r>
+            <a:endParaRPr lang="en-US" dirty="0"/>
+          </a:p>
+        </p:txBody>
+      </p:sp>
+      <p:sp>
+        <p:nvSpPr>
+          <p:cNvPr id="11" name="TextBox 10"/>
+          <p:cNvSpPr txBox="1"/>
+          <p:nvPr/>
+        </p:nvSpPr>
+        <p:spPr>
+          <a:xfrm>
+            <a:off x="1442923" y="3182412"/>
+            <a:ext cx="990600" cy="369332"/>
+          </a:xfrm>
+          <a:prstGeom prst="rect">
+            <a:avLst/>
+          </a:prstGeom>
+          <a:noFill/>
+        </p:spPr>
+        <p:txBody>
+          <a:bodyPr wrap="square" rtlCol="0">
+            <a:spAutoFit/>
+          </a:bodyPr>
+          <a:lstStyle/>
+          <a:p>
+            <a:r>
+              <a:rPr lang="en-US" dirty="0" smtClean="0"/>
+              <a:t>Backend</a:t>
+            </a:r>
+            <a:endParaRPr lang="en-US" dirty="0"/>
+          </a:p>
+        </p:txBody>
+      </p:sp>
+      <p:sp>
+        <p:nvSpPr>
+          <p:cNvPr id="12" name="TextBox 11"/>
+          <p:cNvSpPr txBox="1"/>
+          <p:nvPr/>
+        </p:nvSpPr>
+        <p:spPr>
+          <a:xfrm>
+            <a:off x="1442922" y="4906968"/>
+            <a:ext cx="1452678" cy="369332"/>
+          </a:xfrm>
+          <a:prstGeom prst="rect">
+            <a:avLst/>
+          </a:prstGeom>
+          <a:noFill/>
+        </p:spPr>
+        <p:txBody>
+          <a:bodyPr wrap="square" rtlCol="0">
+            <a:spAutoFit/>
+          </a:bodyPr>
+          <a:lstStyle/>
+          <a:p>
+            <a:r>
+              <a:rPr lang="en-US" dirty="0" err="1" smtClean="0"/>
+              <a:t>Git</a:t>
+            </a:r>
+            <a:endParaRPr lang="en-US" dirty="0"/>
+          </a:p>
+        </p:txBody>
+      </p:sp>
+      <p:sp>
+        <p:nvSpPr>
+          <p:cNvPr id="13" name="Right Arrow 12"/>
+          <p:cNvSpPr/>
+          <p:nvPr/>
+        </p:nvSpPr>
+        <p:spPr>
+          <a:xfrm rot="1645522">
+            <a:off x="2875031" y="3889614"/>
+            <a:ext cx="990600" cy="152400"/>
+          </a:xfrm>
+          <a:prstGeom prst="rightArrow">
+            <a:avLst/>
+          </a:prstGeom>
+        </p:spPr>
+        <p:style>
+          <a:lnRef idx="2">
+            <a:schemeClr val="accent1">
+              <a:shade val="50000"/>
+            </a:schemeClr>
+          </a:lnRef>
+          <a:fillRef idx="1">
+            <a:schemeClr val="accent1"/>
+          </a:fillRef>
+          <a:effectRef idx="0">
+            <a:schemeClr val="accent1"/>
+          </a:effectRef>
+          <a:fontRef idx="minor">
+            <a:schemeClr val="lt1"/>
+          </a:fontRef>
+        </p:style>
+        <p:txBody>
+          <a:bodyPr rtlCol="0" anchor="ctr"/>
+          <a:lstStyle/>
+          <a:p>
+            <a:pPr algn="ctr"/>
+            <a:endParaRPr lang="en-US"/>
+          </a:p>
+        </p:txBody>
+      </p:sp>
+      <p:sp>
+        <p:nvSpPr>
+          <p:cNvPr id="14" name="Right Arrow 13"/>
+          <p:cNvSpPr/>
+          <p:nvPr/>
+        </p:nvSpPr>
+        <p:spPr>
+          <a:xfrm rot="19260074">
+            <a:off x="2916882" y="5082149"/>
+            <a:ext cx="990600" cy="152400"/>
+          </a:xfrm>
+          <a:prstGeom prst="rightArrow">
+            <a:avLst/>
+          </a:prstGeom>
+        </p:spPr>
+        <p:style>
+          <a:lnRef idx="2">
+            <a:schemeClr val="accent1">
+              <a:shade val="50000"/>
+            </a:schemeClr>
+          </a:lnRef>
+          <a:fillRef idx="1">
+            <a:schemeClr val="accent1"/>
+          </a:fillRef>
+          <a:effectRef idx="0">
+            <a:schemeClr val="accent1"/>
+          </a:effectRef>
+          <a:fontRef idx="minor">
+            <a:schemeClr val="lt1"/>
+          </a:fontRef>
+        </p:style>
+        <p:txBody>
+          <a:bodyPr rtlCol="0" anchor="ctr"/>
+          <a:lstStyle/>
+          <a:p>
+            <a:pPr algn="ctr"/>
+            <a:endParaRPr lang="en-US"/>
+          </a:p>
+        </p:txBody>
+      </p:sp>
+      <p:sp>
+        <p:nvSpPr>
+          <p:cNvPr id="6" name="Right Arrow 5"/>
+          <p:cNvSpPr/>
+          <p:nvPr/>
+        </p:nvSpPr>
+        <p:spPr>
+          <a:xfrm>
+            <a:off x="4343400" y="4343400"/>
+            <a:ext cx="1524000" cy="386618"/>
+          </a:xfrm>
+          <a:prstGeom prst="rightArrow">
+            <a:avLst/>
+          </a:prstGeom>
+        </p:spPr>
+        <p:style>
+          <a:lnRef idx="2">
+            <a:schemeClr val="accent1">
+              <a:shade val="50000"/>
+            </a:schemeClr>
+          </a:lnRef>
+          <a:fillRef idx="1">
+            <a:schemeClr val="accent1"/>
+          </a:fillRef>
+          <a:effectRef idx="0">
+            <a:schemeClr val="accent1"/>
+          </a:effectRef>
+          <a:fontRef idx="minor">
+            <a:schemeClr val="lt1"/>
+          </a:fontRef>
+        </p:style>
+        <p:txBody>
+          <a:bodyPr rtlCol="0" anchor="ctr"/>
+          <a:lstStyle/>
+          <a:p>
+            <a:pPr algn="ctr"/>
+            <a:endParaRPr lang="en-US"/>
+          </a:p>
+        </p:txBody>
+      </p:sp>
+      <p:sp>
+        <p:nvSpPr>
+          <p:cNvPr id="16" name="TextBox 15"/>
+          <p:cNvSpPr txBox="1"/>
+          <p:nvPr/>
+        </p:nvSpPr>
+        <p:spPr>
+          <a:xfrm>
+            <a:off x="6457918" y="3900187"/>
+            <a:ext cx="1452678" cy="369332"/>
+          </a:xfrm>
+          <a:prstGeom prst="rect">
+            <a:avLst/>
+          </a:prstGeom>
+          <a:noFill/>
+        </p:spPr>
+        <p:txBody>
+          <a:bodyPr wrap="square" rtlCol="0">
+            <a:spAutoFit/>
+          </a:bodyPr>
+          <a:lstStyle/>
+          <a:p>
+            <a:r>
+              <a:rPr lang="en-US" dirty="0" smtClean="0"/>
+              <a:t>Backend</a:t>
+            </a:r>
+            <a:endParaRPr lang="en-US" dirty="0"/>
+          </a:p>
+        </p:txBody>
+      </p:sp>
+      <p:sp>
+        <p:nvSpPr>
+          <p:cNvPr id="7" name="Right Arrow 6"/>
+          <p:cNvSpPr/>
+          <p:nvPr/>
+        </p:nvSpPr>
+        <p:spPr>
+          <a:xfrm rot="2121883">
+            <a:off x="2883620" y="2748212"/>
+            <a:ext cx="3124201" cy="264312"/>
+          </a:xfrm>
+          <a:prstGeom prst="rightArrow">
+            <a:avLst/>
+          </a:prstGeom>
+        </p:spPr>
+        <p:style>
+          <a:lnRef idx="2">
+            <a:schemeClr val="accent1">
+              <a:shade val="50000"/>
+            </a:schemeClr>
+          </a:lnRef>
+          <a:fillRef idx="1">
+            <a:schemeClr val="accent1"/>
+          </a:fillRef>
+          <a:effectRef idx="0">
+            <a:schemeClr val="accent1"/>
+          </a:effectRef>
+          <a:fontRef idx="minor">
+            <a:schemeClr val="lt1"/>
+          </a:fontRef>
+        </p:style>
+        <p:txBody>
+          <a:bodyPr rtlCol="0" anchor="ctr"/>
+          <a:lstStyle/>
+          <a:p>
+            <a:pPr algn="ctr"/>
+            <a:endParaRPr lang="en-US"/>
+          </a:p>
+        </p:txBody>
+      </p:sp>
+      <p:sp>
+        <p:nvSpPr>
+          <p:cNvPr id="18" name="TextBox 17"/>
+          <p:cNvSpPr txBox="1"/>
+          <p:nvPr/>
+        </p:nvSpPr>
+        <p:spPr>
+          <a:xfrm>
+            <a:off x="4343400" y="4761628"/>
+            <a:ext cx="1676400" cy="369332"/>
+          </a:xfrm>
+          <a:prstGeom prst="rect">
+            <a:avLst/>
+          </a:prstGeom>
+          <a:noFill/>
+        </p:spPr>
+        <p:txBody>
+          <a:bodyPr wrap="square" rtlCol="0">
+            <a:spAutoFit/>
+          </a:bodyPr>
+          <a:lstStyle/>
+          <a:p>
+            <a:r>
+              <a:rPr lang="en-US" dirty="0" smtClean="0"/>
+              <a:t>DB/Seed Data</a:t>
+            </a:r>
+            <a:endParaRPr lang="en-US" dirty="0"/>
+          </a:p>
+        </p:txBody>
+      </p:sp>
+      <p:sp>
+        <p:nvSpPr>
+          <p:cNvPr id="19" name="TextBox 18"/>
+          <p:cNvSpPr txBox="1"/>
+          <p:nvPr/>
+        </p:nvSpPr>
+        <p:spPr>
+          <a:xfrm>
+            <a:off x="4445720" y="2398316"/>
+            <a:ext cx="1452678" cy="369332"/>
+          </a:xfrm>
+          <a:prstGeom prst="rect">
+            <a:avLst/>
+          </a:prstGeom>
+          <a:noFill/>
+        </p:spPr>
+        <p:txBody>
+          <a:bodyPr wrap="square" rtlCol="0">
+            <a:spAutoFit/>
+          </a:bodyPr>
+          <a:lstStyle/>
+          <a:p>
+            <a:r>
+              <a:rPr lang="en-US" dirty="0" smtClean="0"/>
+              <a:t>Login</a:t>
+            </a:r>
+            <a:endParaRPr lang="en-US" dirty="0"/>
+          </a:p>
+        </p:txBody>
+      </p:sp>
+      <p:sp>
+        <p:nvSpPr>
+          <p:cNvPr id="20" name="Right Arrow 19"/>
+          <p:cNvSpPr/>
+          <p:nvPr/>
+        </p:nvSpPr>
+        <p:spPr>
+          <a:xfrm>
+            <a:off x="6400800" y="4343400"/>
+            <a:ext cx="2133600" cy="386618"/>
+          </a:xfrm>
+          <a:prstGeom prst="rightArrow">
+            <a:avLst/>
+          </a:prstGeom>
+        </p:spPr>
+        <p:style>
+          <a:lnRef idx="2">
+            <a:schemeClr val="accent1">
+              <a:shade val="50000"/>
+            </a:schemeClr>
+          </a:lnRef>
+          <a:fillRef idx="1">
+            <a:schemeClr val="accent1"/>
+          </a:fillRef>
+          <a:effectRef idx="0">
+            <a:schemeClr val="accent1"/>
+          </a:effectRef>
+          <a:fontRef idx="minor">
+            <a:schemeClr val="lt1"/>
+          </a:fontRef>
+        </p:style>
+        <p:txBody>
+          <a:bodyPr rtlCol="0" anchor="ctr"/>
+          <a:lstStyle/>
+          <a:p>
+            <a:pPr algn="ctr"/>
+            <a:endParaRPr lang="en-US"/>
+          </a:p>
+        </p:txBody>
+      </p:sp>
+      <p:sp>
+        <p:nvSpPr>
+          <p:cNvPr id="21" name="TextBox 20"/>
+          <p:cNvSpPr txBox="1"/>
+          <p:nvPr/>
+        </p:nvSpPr>
+        <p:spPr>
+          <a:xfrm>
+            <a:off x="6457918" y="3397235"/>
+            <a:ext cx="2076482" cy="369332"/>
+          </a:xfrm>
+          <a:prstGeom prst="rect">
+            <a:avLst/>
+          </a:prstGeom>
+          <a:noFill/>
+        </p:spPr>
+        <p:txBody>
+          <a:bodyPr wrap="square" rtlCol="0">
+            <a:spAutoFit/>
+          </a:bodyPr>
+          <a:lstStyle/>
+          <a:p>
+            <a:r>
+              <a:rPr lang="en-US" dirty="0" smtClean="0"/>
+              <a:t>User Permissions</a:t>
+            </a:r>
+            <a:endParaRPr lang="en-US" dirty="0"/>
+          </a:p>
+        </p:txBody>
+      </p:sp>
+      <p:sp>
+        <p:nvSpPr>
+          <p:cNvPr id="22" name="TextBox 21"/>
+          <p:cNvSpPr txBox="1"/>
+          <p:nvPr/>
+        </p:nvSpPr>
+        <p:spPr>
+          <a:xfrm>
+            <a:off x="4495800" y="4044650"/>
+            <a:ext cx="1452678" cy="369332"/>
+          </a:xfrm>
+          <a:prstGeom prst="rect">
+            <a:avLst/>
+          </a:prstGeom>
+          <a:noFill/>
+        </p:spPr>
+        <p:txBody>
+          <a:bodyPr wrap="square" rtlCol="0">
+            <a:spAutoFit/>
+          </a:bodyPr>
+          <a:lstStyle/>
+          <a:p>
+            <a:r>
+              <a:rPr lang="en-US" dirty="0" smtClean="0"/>
+              <a:t>Backend</a:t>
+            </a:r>
+            <a:endParaRPr lang="en-US" dirty="0"/>
+          </a:p>
+        </p:txBody>
+      </p:sp>
+      <p:sp>
+        <p:nvSpPr>
+          <p:cNvPr id="23" name="TextBox 22"/>
+          <p:cNvSpPr txBox="1"/>
+          <p:nvPr/>
+        </p:nvSpPr>
+        <p:spPr>
+          <a:xfrm>
+            <a:off x="6457918" y="4770617"/>
+            <a:ext cx="1676400" cy="369332"/>
+          </a:xfrm>
+          <a:prstGeom prst="rect">
+            <a:avLst/>
+          </a:prstGeom>
+          <a:noFill/>
+        </p:spPr>
+        <p:txBody>
+          <a:bodyPr wrap="square" rtlCol="0">
+            <a:spAutoFit/>
+          </a:bodyPr>
+          <a:lstStyle/>
+          <a:p>
+            <a:r>
+              <a:rPr lang="en-US" dirty="0" smtClean="0"/>
+              <a:t>Testing</a:t>
+            </a:r>
+            <a:endParaRPr lang="en-US" dirty="0"/>
           </a:p>
         </p:txBody>
       </p:sp>
     </p:spTree>
     <p:extLst>
       <p:ext uri="{BB962C8B-B14F-4D97-AF65-F5344CB8AC3E}">
-        <p14:creationId xmlns:p14="http://schemas.microsoft.com/office/powerpoint/2010/main" val="4160903435"/>
+        <p14:creationId xmlns:p14="http://schemas.microsoft.com/office/powerpoint/2010/main" val="2901582727"/>
       </p:ext>
     </p:extLst>
   </p:cSld>
@@ -8288,7 +9076,7 @@
           <a:p>
             <a:r>
               <a:rPr lang="en-US" dirty="0" smtClean="0"/>
-              <a:t>External Resources Used</a:t>
+              <a:t>Data Models</a:t>
             </a:r>
           </a:p>
         </p:txBody>
@@ -8491,95 +9279,24 @@
         <p:spPr/>
         <p:txBody>
           <a:bodyPr>
-            <a:normAutofit fontScale="92500" lnSpcReduction="10000"/>
+            <a:normAutofit/>
           </a:bodyPr>
           <a:lstStyle/>
           <a:p>
-            <a:r>
-              <a:rPr lang="en-US" sz="2400" dirty="0" smtClean="0"/>
-              <a:t>Each presentation should explicitly contain:</a:t>
-            </a:r>
-          </a:p>
-          <a:p>
             <a:pPr lvl="1"/>
             <a:r>
               <a:rPr lang="en-US" sz="2000" dirty="0" smtClean="0"/>
-              <a:t>Aim of project</a:t>
-            </a:r>
-          </a:p>
-          <a:p>
-            <a:pPr lvl="1"/>
+              <a:t>Data </a:t>
+            </a:r>
             <a:r>
               <a:rPr lang="en-US" sz="2000" dirty="0" smtClean="0"/>
-              <a:t>Motivation - Why is it an interesting problem? Why did you bother? Why should we care?</a:t>
-            </a:r>
-          </a:p>
-          <a:p>
-            <a:pPr lvl="1"/>
-            <a:r>
-              <a:rPr lang="en-US" sz="2000" dirty="0" smtClean="0"/>
-              <a:t>Main stories for the project</a:t>
-            </a:r>
-          </a:p>
-          <a:p>
-            <a:pPr lvl="1"/>
-            <a:r>
-              <a:rPr lang="en-US" sz="2000" dirty="0" smtClean="0"/>
-              <a:t>Software process – How did you breakup work? Who did what? How was management done? </a:t>
-            </a:r>
-          </a:p>
-          <a:p>
-            <a:pPr lvl="1"/>
-            <a:r>
-              <a:rPr lang="en-US" sz="2000" dirty="0" smtClean="0"/>
-              <a:t>Lead to the solution through your user stories/Use Cases</a:t>
-            </a:r>
-          </a:p>
-          <a:p>
-            <a:pPr lvl="1"/>
-            <a:r>
-              <a:rPr lang="en-US" sz="2000" dirty="0" smtClean="0"/>
-              <a:t>Data models</a:t>
-            </a:r>
-          </a:p>
-          <a:p>
-            <a:pPr lvl="1"/>
-            <a:r>
-              <a:rPr lang="en-US" sz="2000" dirty="0" smtClean="0"/>
-              <a:t>Show us any external resources used – web services, external servers, databases, APIs, Gems, etc.</a:t>
-            </a:r>
-          </a:p>
-          <a:p>
-            <a:pPr lvl="1"/>
-            <a:r>
-              <a:rPr lang="en-US" sz="2000" dirty="0" smtClean="0"/>
-              <a:t>Show working demos</a:t>
-            </a:r>
-          </a:p>
-          <a:p>
-            <a:pPr lvl="1"/>
-            <a:r>
-              <a:rPr lang="en-US" sz="2000" dirty="0" smtClean="0"/>
-              <a:t>Mention the lessons learned from the project</a:t>
-            </a:r>
-          </a:p>
-          <a:p>
-            <a:pPr lvl="1"/>
-            <a:r>
-              <a:rPr lang="en-US" sz="2000" b="1" dirty="0" smtClean="0"/>
-              <a:t>What did you not complete from the original stories?</a:t>
-            </a:r>
-          </a:p>
-          <a:p>
-            <a:pPr lvl="1"/>
-            <a:r>
-              <a:rPr lang="en-US" sz="2000" b="1" dirty="0" smtClean="0"/>
-              <a:t>How many new stories did you add?</a:t>
-            </a:r>
-            <a:endParaRPr lang="en-US" sz="1700" b="1" dirty="0" smtClean="0"/>
-          </a:p>
-          <a:p>
-            <a:pPr lvl="1"/>
+              <a:t>models</a:t>
+            </a:r>
+          </a:p>
+          <a:p>
+            <a:pPr marL="274320" lvl="1" indent="0">
+              <a:buNone/>
+            </a:pPr>
             <a:endParaRPr lang="en-US" sz="2000" dirty="0" smtClean="0"/>
           </a:p>
         </p:txBody>
@@ -8587,7 +9304,7 @@
     </p:spTree>
     <p:extLst>
       <p:ext uri="{BB962C8B-B14F-4D97-AF65-F5344CB8AC3E}">
-        <p14:creationId xmlns:p14="http://schemas.microsoft.com/office/powerpoint/2010/main" val="224262293"/>
+        <p14:creationId xmlns:p14="http://schemas.microsoft.com/office/powerpoint/2010/main" val="4160903435"/>
       </p:ext>
     </p:extLst>
   </p:cSld>
@@ -8639,7 +9356,7 @@
           <a:p>
             <a:r>
               <a:rPr lang="en-US" dirty="0" smtClean="0"/>
-              <a:t>Demo</a:t>
+              <a:t>External Resources Used</a:t>
             </a:r>
           </a:p>
         </p:txBody>
@@ -8938,7 +9655,7 @@
     </p:spTree>
     <p:extLst>
       <p:ext uri="{BB962C8B-B14F-4D97-AF65-F5344CB8AC3E}">
-        <p14:creationId xmlns:p14="http://schemas.microsoft.com/office/powerpoint/2010/main" val="2351425049"/>
+        <p14:creationId xmlns:p14="http://schemas.microsoft.com/office/powerpoint/2010/main" val="224262293"/>
       </p:ext>
     </p:extLst>
   </p:cSld>
@@ -8990,7 +9707,7 @@
           <a:p>
             <a:r>
               <a:rPr lang="en-US" dirty="0" smtClean="0"/>
-              <a:t>Lessons Learned</a:t>
+              <a:t>Demo</a:t>
             </a:r>
           </a:p>
         </p:txBody>
@@ -9289,7 +10006,7 @@
     </p:spTree>
     <p:extLst>
       <p:ext uri="{BB962C8B-B14F-4D97-AF65-F5344CB8AC3E}">
-        <p14:creationId xmlns:p14="http://schemas.microsoft.com/office/powerpoint/2010/main" val="1210299799"/>
+        <p14:creationId xmlns:p14="http://schemas.microsoft.com/office/powerpoint/2010/main" val="2351425049"/>
       </p:ext>
     </p:extLst>
   </p:cSld>

--- a/Documents/Presentation.pptx
+++ b/Documents/Presentation.pptx
@@ -5,7 +5,7 @@
     <p:sldMasterId id="2147483672" r:id="rId1"/>
   </p:sldMasterIdLst>
   <p:notesMasterIdLst>
-    <p:notesMasterId r:id="rId17"/>
+    <p:notesMasterId r:id="rId13"/>
   </p:notesMasterIdLst>
   <p:sldIdLst>
     <p:sldId id="276" r:id="rId2"/>
@@ -14,15 +14,11 @@
     <p:sldId id="283" r:id="rId5"/>
     <p:sldId id="289" r:id="rId6"/>
     <p:sldId id="284" r:id="rId7"/>
-    <p:sldId id="285" r:id="rId8"/>
-    <p:sldId id="286" r:id="rId9"/>
-    <p:sldId id="287" r:id="rId10"/>
-    <p:sldId id="288" r:id="rId11"/>
-    <p:sldId id="277" r:id="rId12"/>
-    <p:sldId id="278" r:id="rId13"/>
-    <p:sldId id="279" r:id="rId14"/>
-    <p:sldId id="273" r:id="rId15"/>
-    <p:sldId id="280" r:id="rId16"/>
+    <p:sldId id="290" r:id="rId8"/>
+    <p:sldId id="285" r:id="rId9"/>
+    <p:sldId id="286" r:id="rId10"/>
+    <p:sldId id="287" r:id="rId11"/>
+    <p:sldId id="288" r:id="rId12"/>
   </p:sldIdLst>
   <p:sldSz cx="9144000" cy="6858000" type="screen4x3"/>
   <p:notesSz cx="6858000" cy="9144000"/>
@@ -488,879 +484,6 @@
     </a:lvl9pPr>
   </p:notesStyle>
 </p:notesMaster>
-</file>
-
-<file path=ppt/notesSlides/notesSlide1.xml><?xml version="1.0" encoding="utf-8"?>
-<p:notes xmlns:a="http://schemas.openxmlformats.org/drawingml/2006/main" xmlns:r="http://schemas.openxmlformats.org/officeDocument/2006/relationships" xmlns:p="http://schemas.openxmlformats.org/presentationml/2006/main">
-  <p:cSld>
-    <p:spTree>
-      <p:nvGrpSpPr>
-        <p:cNvPr id="1" name=""/>
-        <p:cNvGrpSpPr/>
-        <p:nvPr/>
-      </p:nvGrpSpPr>
-      <p:grpSpPr>
-        <a:xfrm>
-          <a:off x="0" y="0"/>
-          <a:ext cx="0" cy="0"/>
-          <a:chOff x="0" y="0"/>
-          <a:chExt cx="0" cy="0"/>
-        </a:xfrm>
-      </p:grpSpPr>
-      <p:sp>
-        <p:nvSpPr>
-          <p:cNvPr id="8194" name="Slide Image Placeholder 1"/>
-          <p:cNvSpPr>
-            <a:spLocks noGrp="1" noRot="1" noChangeAspect="1" noTextEdit="1"/>
-          </p:cNvSpPr>
-          <p:nvPr>
-            <p:ph type="sldImg"/>
-          </p:nvPr>
-        </p:nvSpPr>
-        <p:spPr>
-          <a:ln/>
-        </p:spPr>
-      </p:sp>
-      <p:sp>
-        <p:nvSpPr>
-          <p:cNvPr id="8195" name="Notes Placeholder 2"/>
-          <p:cNvSpPr>
-            <a:spLocks noGrp="1"/>
-          </p:cNvSpPr>
-          <p:nvPr>
-            <p:ph type="body" idx="1"/>
-          </p:nvPr>
-        </p:nvSpPr>
-        <p:spPr>
-          <a:noFill/>
-          <a:ln/>
-          <a:extLst>
-            <a:ext uri="{909E8E84-426E-40DD-AFC4-6F175D3DCCD1}">
-              <a14:hiddenFill xmlns:a14="http://schemas.microsoft.com/office/drawing/2010/main">
-                <a:solidFill>
-                  <a:srgbClr val="FFFFFF"/>
-                </a:solidFill>
-              </a14:hiddenFill>
-            </a:ext>
-            <a:ext uri="{91240B29-F687-4F45-9708-019B960494DF}">
-              <a14:hiddenLine xmlns:a14="http://schemas.microsoft.com/office/drawing/2010/main" w="9525">
-                <a:solidFill>
-                  <a:srgbClr val="000000"/>
-                </a:solidFill>
-                <a:miter lim="800000"/>
-                <a:headEnd/>
-                <a:tailEnd/>
-              </a14:hiddenLine>
-            </a:ext>
-          </a:extLst>
-        </p:spPr>
-        <p:txBody>
-          <a:bodyPr/>
-          <a:lstStyle/>
-          <a:p>
-            <a:endParaRPr lang="en-US" smtClean="0"/>
-          </a:p>
-        </p:txBody>
-      </p:sp>
-      <p:sp>
-        <p:nvSpPr>
-          <p:cNvPr id="8196" name="Slide Number Placeholder 3"/>
-          <p:cNvSpPr>
-            <a:spLocks noGrp="1"/>
-          </p:cNvSpPr>
-          <p:nvPr>
-            <p:ph type="sldNum" sz="quarter" idx="4294967295"/>
-          </p:nvPr>
-        </p:nvSpPr>
-        <p:spPr bwMode="auto">
-          <a:xfrm>
-            <a:off x="3884613" y="8685213"/>
-            <a:ext cx="2971800" cy="457200"/>
-          </a:xfrm>
-          <a:prstGeom prst="rect">
-            <a:avLst/>
-          </a:prstGeom>
-          <a:noFill/>
-          <a:extLst>
-            <a:ext uri="{909E8E84-426E-40DD-AFC4-6F175D3DCCD1}">
-              <a14:hiddenFill xmlns:a14="http://schemas.microsoft.com/office/drawing/2010/main">
-                <a:solidFill>
-                  <a:srgbClr val="FFFFFF"/>
-                </a:solidFill>
-              </a14:hiddenFill>
-            </a:ext>
-            <a:ext uri="{91240B29-F687-4F45-9708-019B960494DF}">
-              <a14:hiddenLine xmlns:a14="http://schemas.microsoft.com/office/drawing/2010/main" w="9525">
-                <a:solidFill>
-                  <a:srgbClr val="000000"/>
-                </a:solidFill>
-                <a:miter lim="800000"/>
-                <a:headEnd/>
-                <a:tailEnd/>
-              </a14:hiddenLine>
-            </a:ext>
-          </a:extLst>
-        </p:spPr>
-        <p:txBody>
-          <a:bodyPr lIns="90443" tIns="45222" rIns="90443" bIns="45222"/>
-          <a:lstStyle>
-            <a:lvl1pPr eaLnBrk="0" hangingPunct="0">
-              <a:defRPr>
-                <a:solidFill>
-                  <a:srgbClr val="000000"/>
-                </a:solidFill>
-                <a:latin typeface="Arial Bold" charset="0"/>
-                <a:ea typeface="ヒラギノ角ゴ ProN W6" charset="0"/>
-                <a:cs typeface="ヒラギノ角ゴ ProN W6" charset="0"/>
-                <a:sym typeface="Arial Bold" charset="0"/>
-              </a:defRPr>
-            </a:lvl1pPr>
-            <a:lvl2pPr marL="742950" indent="-285750" eaLnBrk="0" hangingPunct="0">
-              <a:defRPr>
-                <a:solidFill>
-                  <a:srgbClr val="000000"/>
-                </a:solidFill>
-                <a:latin typeface="Arial Bold" charset="0"/>
-                <a:ea typeface="ヒラギノ角ゴ ProN W6" charset="0"/>
-                <a:cs typeface="ヒラギノ角ゴ ProN W6" charset="0"/>
-                <a:sym typeface="Arial Bold" charset="0"/>
-              </a:defRPr>
-            </a:lvl2pPr>
-            <a:lvl3pPr marL="1143000" indent="-228600" eaLnBrk="0" hangingPunct="0">
-              <a:defRPr>
-                <a:solidFill>
-                  <a:srgbClr val="000000"/>
-                </a:solidFill>
-                <a:latin typeface="Arial Bold" charset="0"/>
-                <a:ea typeface="ヒラギノ角ゴ ProN W6" charset="0"/>
-                <a:cs typeface="ヒラギノ角ゴ ProN W6" charset="0"/>
-                <a:sym typeface="Arial Bold" charset="0"/>
-              </a:defRPr>
-            </a:lvl3pPr>
-            <a:lvl4pPr marL="1600200" indent="-228600" eaLnBrk="0" hangingPunct="0">
-              <a:defRPr>
-                <a:solidFill>
-                  <a:srgbClr val="000000"/>
-                </a:solidFill>
-                <a:latin typeface="Arial Bold" charset="0"/>
-                <a:ea typeface="ヒラギノ角ゴ ProN W6" charset="0"/>
-                <a:cs typeface="ヒラギノ角ゴ ProN W6" charset="0"/>
-                <a:sym typeface="Arial Bold" charset="0"/>
-              </a:defRPr>
-            </a:lvl4pPr>
-            <a:lvl5pPr marL="2057400" indent="-228600" eaLnBrk="0" hangingPunct="0">
-              <a:defRPr>
-                <a:solidFill>
-                  <a:srgbClr val="000000"/>
-                </a:solidFill>
-                <a:latin typeface="Arial Bold" charset="0"/>
-                <a:ea typeface="ヒラギノ角ゴ ProN W6" charset="0"/>
-                <a:cs typeface="ヒラギノ角ゴ ProN W6" charset="0"/>
-                <a:sym typeface="Arial Bold" charset="0"/>
-              </a:defRPr>
-            </a:lvl5pPr>
-            <a:lvl6pPr marL="2514600" indent="-228600" eaLnBrk="0" fontAlgn="base" hangingPunct="0">
-              <a:spcBef>
-                <a:spcPct val="0"/>
-              </a:spcBef>
-              <a:spcAft>
-                <a:spcPct val="0"/>
-              </a:spcAft>
-              <a:defRPr>
-                <a:solidFill>
-                  <a:srgbClr val="000000"/>
-                </a:solidFill>
-                <a:latin typeface="Arial Bold" charset="0"/>
-                <a:ea typeface="ヒラギノ角ゴ ProN W6" charset="0"/>
-                <a:cs typeface="ヒラギノ角ゴ ProN W6" charset="0"/>
-                <a:sym typeface="Arial Bold" charset="0"/>
-              </a:defRPr>
-            </a:lvl6pPr>
-            <a:lvl7pPr marL="2971800" indent="-228600" eaLnBrk="0" fontAlgn="base" hangingPunct="0">
-              <a:spcBef>
-                <a:spcPct val="0"/>
-              </a:spcBef>
-              <a:spcAft>
-                <a:spcPct val="0"/>
-              </a:spcAft>
-              <a:defRPr>
-                <a:solidFill>
-                  <a:srgbClr val="000000"/>
-                </a:solidFill>
-                <a:latin typeface="Arial Bold" charset="0"/>
-                <a:ea typeface="ヒラギノ角ゴ ProN W6" charset="0"/>
-                <a:cs typeface="ヒラギノ角ゴ ProN W6" charset="0"/>
-                <a:sym typeface="Arial Bold" charset="0"/>
-              </a:defRPr>
-            </a:lvl7pPr>
-            <a:lvl8pPr marL="3429000" indent="-228600" eaLnBrk="0" fontAlgn="base" hangingPunct="0">
-              <a:spcBef>
-                <a:spcPct val="0"/>
-              </a:spcBef>
-              <a:spcAft>
-                <a:spcPct val="0"/>
-              </a:spcAft>
-              <a:defRPr>
-                <a:solidFill>
-                  <a:srgbClr val="000000"/>
-                </a:solidFill>
-                <a:latin typeface="Arial Bold" charset="0"/>
-                <a:ea typeface="ヒラギノ角ゴ ProN W6" charset="0"/>
-                <a:cs typeface="ヒラギノ角ゴ ProN W6" charset="0"/>
-                <a:sym typeface="Arial Bold" charset="0"/>
-              </a:defRPr>
-            </a:lvl8pPr>
-            <a:lvl9pPr marL="3886200" indent="-228600" eaLnBrk="0" fontAlgn="base" hangingPunct="0">
-              <a:spcBef>
-                <a:spcPct val="0"/>
-              </a:spcBef>
-              <a:spcAft>
-                <a:spcPct val="0"/>
-              </a:spcAft>
-              <a:defRPr>
-                <a:solidFill>
-                  <a:srgbClr val="000000"/>
-                </a:solidFill>
-                <a:latin typeface="Arial Bold" charset="0"/>
-                <a:ea typeface="ヒラギノ角ゴ ProN W6" charset="0"/>
-                <a:cs typeface="ヒラギノ角ゴ ProN W6" charset="0"/>
-                <a:sym typeface="Arial Bold" charset="0"/>
-              </a:defRPr>
-            </a:lvl9pPr>
-          </a:lstStyle>
-          <a:p>
-            <a:pPr eaLnBrk="1" hangingPunct="1"/>
-            <a:fld id="{4BDB13B5-7026-4A61-BA25-FD46DB759292}" type="slidenum">
-              <a:rPr lang="en-US"/>
-              <a:pPr eaLnBrk="1" hangingPunct="1"/>
-              <a:t>11</a:t>
-            </a:fld>
-            <a:endParaRPr lang="en-US"/>
-          </a:p>
-        </p:txBody>
-      </p:sp>
-    </p:spTree>
-    <p:extLst>
-      <p:ext uri="{BB962C8B-B14F-4D97-AF65-F5344CB8AC3E}">
-        <p14:creationId xmlns:p14="http://schemas.microsoft.com/office/powerpoint/2010/main" val="3932396335"/>
-      </p:ext>
-    </p:extLst>
-  </p:cSld>
-  <p:clrMapOvr>
-    <a:masterClrMapping/>
-  </p:clrMapOvr>
-</p:notes>
-</file>
-
-<file path=ppt/notesSlides/notesSlide2.xml><?xml version="1.0" encoding="utf-8"?>
-<p:notes xmlns:a="http://schemas.openxmlformats.org/drawingml/2006/main" xmlns:r="http://schemas.openxmlformats.org/officeDocument/2006/relationships" xmlns:p="http://schemas.openxmlformats.org/presentationml/2006/main">
-  <p:cSld>
-    <p:spTree>
-      <p:nvGrpSpPr>
-        <p:cNvPr id="1" name=""/>
-        <p:cNvGrpSpPr/>
-        <p:nvPr/>
-      </p:nvGrpSpPr>
-      <p:grpSpPr>
-        <a:xfrm>
-          <a:off x="0" y="0"/>
-          <a:ext cx="0" cy="0"/>
-          <a:chOff x="0" y="0"/>
-          <a:chExt cx="0" cy="0"/>
-        </a:xfrm>
-      </p:grpSpPr>
-      <p:sp>
-        <p:nvSpPr>
-          <p:cNvPr id="9218" name="Slide Image Placeholder 1"/>
-          <p:cNvSpPr>
-            <a:spLocks noGrp="1" noRot="1" noChangeAspect="1" noTextEdit="1"/>
-          </p:cNvSpPr>
-          <p:nvPr>
-            <p:ph type="sldImg"/>
-          </p:nvPr>
-        </p:nvSpPr>
-        <p:spPr>
-          <a:ln/>
-        </p:spPr>
-      </p:sp>
-      <p:sp>
-        <p:nvSpPr>
-          <p:cNvPr id="9219" name="Notes Placeholder 2"/>
-          <p:cNvSpPr>
-            <a:spLocks noGrp="1"/>
-          </p:cNvSpPr>
-          <p:nvPr>
-            <p:ph type="body" idx="1"/>
-          </p:nvPr>
-        </p:nvSpPr>
-        <p:spPr>
-          <a:noFill/>
-          <a:ln/>
-          <a:extLst>
-            <a:ext uri="{909E8E84-426E-40DD-AFC4-6F175D3DCCD1}">
-              <a14:hiddenFill xmlns:a14="http://schemas.microsoft.com/office/drawing/2010/main">
-                <a:solidFill>
-                  <a:srgbClr val="FFFFFF"/>
-                </a:solidFill>
-              </a14:hiddenFill>
-            </a:ext>
-            <a:ext uri="{91240B29-F687-4F45-9708-019B960494DF}">
-              <a14:hiddenLine xmlns:a14="http://schemas.microsoft.com/office/drawing/2010/main" w="9525">
-                <a:solidFill>
-                  <a:srgbClr val="000000"/>
-                </a:solidFill>
-                <a:miter lim="800000"/>
-                <a:headEnd/>
-                <a:tailEnd/>
-              </a14:hiddenLine>
-            </a:ext>
-          </a:extLst>
-        </p:spPr>
-        <p:txBody>
-          <a:bodyPr/>
-          <a:lstStyle/>
-          <a:p>
-            <a:endParaRPr lang="en-US" smtClean="0"/>
-          </a:p>
-        </p:txBody>
-      </p:sp>
-      <p:sp>
-        <p:nvSpPr>
-          <p:cNvPr id="9220" name="Slide Number Placeholder 3"/>
-          <p:cNvSpPr>
-            <a:spLocks noGrp="1"/>
-          </p:cNvSpPr>
-          <p:nvPr>
-            <p:ph type="sldNum" sz="quarter" idx="4294967295"/>
-          </p:nvPr>
-        </p:nvSpPr>
-        <p:spPr bwMode="auto">
-          <a:xfrm>
-            <a:off x="3884613" y="8685213"/>
-            <a:ext cx="2971800" cy="457200"/>
-          </a:xfrm>
-          <a:prstGeom prst="rect">
-            <a:avLst/>
-          </a:prstGeom>
-          <a:noFill/>
-          <a:extLst>
-            <a:ext uri="{909E8E84-426E-40DD-AFC4-6F175D3DCCD1}">
-              <a14:hiddenFill xmlns:a14="http://schemas.microsoft.com/office/drawing/2010/main">
-                <a:solidFill>
-                  <a:srgbClr val="FFFFFF"/>
-                </a:solidFill>
-              </a14:hiddenFill>
-            </a:ext>
-            <a:ext uri="{91240B29-F687-4F45-9708-019B960494DF}">
-              <a14:hiddenLine xmlns:a14="http://schemas.microsoft.com/office/drawing/2010/main" w="9525">
-                <a:solidFill>
-                  <a:srgbClr val="000000"/>
-                </a:solidFill>
-                <a:miter lim="800000"/>
-                <a:headEnd/>
-                <a:tailEnd/>
-              </a14:hiddenLine>
-            </a:ext>
-          </a:extLst>
-        </p:spPr>
-        <p:txBody>
-          <a:bodyPr lIns="90443" tIns="45222" rIns="90443" bIns="45222"/>
-          <a:lstStyle>
-            <a:lvl1pPr eaLnBrk="0" hangingPunct="0">
-              <a:defRPr>
-                <a:solidFill>
-                  <a:srgbClr val="000000"/>
-                </a:solidFill>
-                <a:latin typeface="Arial Bold" charset="0"/>
-                <a:ea typeface="ヒラギノ角ゴ ProN W6" charset="0"/>
-                <a:cs typeface="ヒラギノ角ゴ ProN W6" charset="0"/>
-                <a:sym typeface="Arial Bold" charset="0"/>
-              </a:defRPr>
-            </a:lvl1pPr>
-            <a:lvl2pPr marL="742950" indent="-285750" eaLnBrk="0" hangingPunct="0">
-              <a:defRPr>
-                <a:solidFill>
-                  <a:srgbClr val="000000"/>
-                </a:solidFill>
-                <a:latin typeface="Arial Bold" charset="0"/>
-                <a:ea typeface="ヒラギノ角ゴ ProN W6" charset="0"/>
-                <a:cs typeface="ヒラギノ角ゴ ProN W6" charset="0"/>
-                <a:sym typeface="Arial Bold" charset="0"/>
-              </a:defRPr>
-            </a:lvl2pPr>
-            <a:lvl3pPr marL="1143000" indent="-228600" eaLnBrk="0" hangingPunct="0">
-              <a:defRPr>
-                <a:solidFill>
-                  <a:srgbClr val="000000"/>
-                </a:solidFill>
-                <a:latin typeface="Arial Bold" charset="0"/>
-                <a:ea typeface="ヒラギノ角ゴ ProN W6" charset="0"/>
-                <a:cs typeface="ヒラギノ角ゴ ProN W6" charset="0"/>
-                <a:sym typeface="Arial Bold" charset="0"/>
-              </a:defRPr>
-            </a:lvl3pPr>
-            <a:lvl4pPr marL="1600200" indent="-228600" eaLnBrk="0" hangingPunct="0">
-              <a:defRPr>
-                <a:solidFill>
-                  <a:srgbClr val="000000"/>
-                </a:solidFill>
-                <a:latin typeface="Arial Bold" charset="0"/>
-                <a:ea typeface="ヒラギノ角ゴ ProN W6" charset="0"/>
-                <a:cs typeface="ヒラギノ角ゴ ProN W6" charset="0"/>
-                <a:sym typeface="Arial Bold" charset="0"/>
-              </a:defRPr>
-            </a:lvl4pPr>
-            <a:lvl5pPr marL="2057400" indent="-228600" eaLnBrk="0" hangingPunct="0">
-              <a:defRPr>
-                <a:solidFill>
-                  <a:srgbClr val="000000"/>
-                </a:solidFill>
-                <a:latin typeface="Arial Bold" charset="0"/>
-                <a:ea typeface="ヒラギノ角ゴ ProN W6" charset="0"/>
-                <a:cs typeface="ヒラギノ角ゴ ProN W6" charset="0"/>
-                <a:sym typeface="Arial Bold" charset="0"/>
-              </a:defRPr>
-            </a:lvl5pPr>
-            <a:lvl6pPr marL="2514600" indent="-228600" eaLnBrk="0" fontAlgn="base" hangingPunct="0">
-              <a:spcBef>
-                <a:spcPct val="0"/>
-              </a:spcBef>
-              <a:spcAft>
-                <a:spcPct val="0"/>
-              </a:spcAft>
-              <a:defRPr>
-                <a:solidFill>
-                  <a:srgbClr val="000000"/>
-                </a:solidFill>
-                <a:latin typeface="Arial Bold" charset="0"/>
-                <a:ea typeface="ヒラギノ角ゴ ProN W6" charset="0"/>
-                <a:cs typeface="ヒラギノ角ゴ ProN W6" charset="0"/>
-                <a:sym typeface="Arial Bold" charset="0"/>
-              </a:defRPr>
-            </a:lvl6pPr>
-            <a:lvl7pPr marL="2971800" indent="-228600" eaLnBrk="0" fontAlgn="base" hangingPunct="0">
-              <a:spcBef>
-                <a:spcPct val="0"/>
-              </a:spcBef>
-              <a:spcAft>
-                <a:spcPct val="0"/>
-              </a:spcAft>
-              <a:defRPr>
-                <a:solidFill>
-                  <a:srgbClr val="000000"/>
-                </a:solidFill>
-                <a:latin typeface="Arial Bold" charset="0"/>
-                <a:ea typeface="ヒラギノ角ゴ ProN W6" charset="0"/>
-                <a:cs typeface="ヒラギノ角ゴ ProN W6" charset="0"/>
-                <a:sym typeface="Arial Bold" charset="0"/>
-              </a:defRPr>
-            </a:lvl7pPr>
-            <a:lvl8pPr marL="3429000" indent="-228600" eaLnBrk="0" fontAlgn="base" hangingPunct="0">
-              <a:spcBef>
-                <a:spcPct val="0"/>
-              </a:spcBef>
-              <a:spcAft>
-                <a:spcPct val="0"/>
-              </a:spcAft>
-              <a:defRPr>
-                <a:solidFill>
-                  <a:srgbClr val="000000"/>
-                </a:solidFill>
-                <a:latin typeface="Arial Bold" charset="0"/>
-                <a:ea typeface="ヒラギノ角ゴ ProN W6" charset="0"/>
-                <a:cs typeface="ヒラギノ角ゴ ProN W6" charset="0"/>
-                <a:sym typeface="Arial Bold" charset="0"/>
-              </a:defRPr>
-            </a:lvl8pPr>
-            <a:lvl9pPr marL="3886200" indent="-228600" eaLnBrk="0" fontAlgn="base" hangingPunct="0">
-              <a:spcBef>
-                <a:spcPct val="0"/>
-              </a:spcBef>
-              <a:spcAft>
-                <a:spcPct val="0"/>
-              </a:spcAft>
-              <a:defRPr>
-                <a:solidFill>
-                  <a:srgbClr val="000000"/>
-                </a:solidFill>
-                <a:latin typeface="Arial Bold" charset="0"/>
-                <a:ea typeface="ヒラギノ角ゴ ProN W6" charset="0"/>
-                <a:cs typeface="ヒラギノ角ゴ ProN W6" charset="0"/>
-                <a:sym typeface="Arial Bold" charset="0"/>
-              </a:defRPr>
-            </a:lvl9pPr>
-          </a:lstStyle>
-          <a:p>
-            <a:pPr eaLnBrk="1" hangingPunct="1"/>
-            <a:fld id="{D2902981-5E2B-490C-A6EF-2ADAAA2385D6}" type="slidenum">
-              <a:rPr lang="en-US"/>
-              <a:pPr eaLnBrk="1" hangingPunct="1"/>
-              <a:t>13</a:t>
-            </a:fld>
-            <a:endParaRPr lang="en-US"/>
-          </a:p>
-        </p:txBody>
-      </p:sp>
-    </p:spTree>
-    <p:extLst>
-      <p:ext uri="{BB962C8B-B14F-4D97-AF65-F5344CB8AC3E}">
-        <p14:creationId xmlns:p14="http://schemas.microsoft.com/office/powerpoint/2010/main" val="3624790646"/>
-      </p:ext>
-    </p:extLst>
-  </p:cSld>
-  <p:clrMapOvr>
-    <a:masterClrMapping/>
-  </p:clrMapOvr>
-</p:notes>
-</file>
-
-<file path=ppt/notesSlides/notesSlide3.xml><?xml version="1.0" encoding="utf-8"?>
-<p:notes xmlns:a="http://schemas.openxmlformats.org/drawingml/2006/main" xmlns:r="http://schemas.openxmlformats.org/officeDocument/2006/relationships" xmlns:p="http://schemas.openxmlformats.org/presentationml/2006/main">
-  <p:cSld>
-    <p:spTree>
-      <p:nvGrpSpPr>
-        <p:cNvPr id="1" name=""/>
-        <p:cNvGrpSpPr/>
-        <p:nvPr/>
-      </p:nvGrpSpPr>
-      <p:grpSpPr>
-        <a:xfrm>
-          <a:off x="0" y="0"/>
-          <a:ext cx="0" cy="0"/>
-          <a:chOff x="0" y="0"/>
-          <a:chExt cx="0" cy="0"/>
-        </a:xfrm>
-      </p:grpSpPr>
-      <p:sp>
-        <p:nvSpPr>
-          <p:cNvPr id="2" name="Slide Image Placeholder 1"/>
-          <p:cNvSpPr>
-            <a:spLocks noGrp="1" noRot="1" noChangeAspect="1"/>
-          </p:cNvSpPr>
-          <p:nvPr>
-            <p:ph type="sldImg"/>
-          </p:nvPr>
-        </p:nvSpPr>
-        <p:spPr/>
-      </p:sp>
-      <p:sp>
-        <p:nvSpPr>
-          <p:cNvPr id="3" name="Notes Placeholder 2"/>
-          <p:cNvSpPr>
-            <a:spLocks noGrp="1"/>
-          </p:cNvSpPr>
-          <p:nvPr>
-            <p:ph type="body" idx="1"/>
-          </p:nvPr>
-        </p:nvSpPr>
-        <p:spPr/>
-        <p:txBody>
-          <a:bodyPr>
-            <a:normAutofit/>
-          </a:bodyPr>
-          <a:lstStyle/>
-          <a:p>
-            <a:endParaRPr lang="en-US"/>
-          </a:p>
-        </p:txBody>
-      </p:sp>
-      <p:sp>
-        <p:nvSpPr>
-          <p:cNvPr id="4" name="Slide Number Placeholder 3"/>
-          <p:cNvSpPr>
-            <a:spLocks noGrp="1"/>
-          </p:cNvSpPr>
-          <p:nvPr>
-            <p:ph type="sldNum" sz="quarter" idx="10"/>
-          </p:nvPr>
-        </p:nvSpPr>
-        <p:spPr/>
-        <p:txBody>
-          <a:bodyPr/>
-          <a:lstStyle/>
-          <a:p>
-            <a:fld id="{44A4B035-350E-4DCC-9598-370D2EC009C8}" type="slidenum">
-              <a:rPr lang="en-US" smtClean="0"/>
-              <a:pPr/>
-              <a:t>14</a:t>
-            </a:fld>
-            <a:endParaRPr lang="en-US"/>
-          </a:p>
-        </p:txBody>
-      </p:sp>
-    </p:spTree>
-    <p:extLst>
-      <p:ext uri="{BB962C8B-B14F-4D97-AF65-F5344CB8AC3E}">
-        <p14:creationId xmlns:p14="http://schemas.microsoft.com/office/powerpoint/2010/main" val="2234094164"/>
-      </p:ext>
-    </p:extLst>
-  </p:cSld>
-  <p:clrMapOvr>
-    <a:masterClrMapping/>
-  </p:clrMapOvr>
-</p:notes>
-</file>
-
-<file path=ppt/notesSlides/notesSlide4.xml><?xml version="1.0" encoding="utf-8"?>
-<p:notes xmlns:a="http://schemas.openxmlformats.org/drawingml/2006/main" xmlns:r="http://schemas.openxmlformats.org/officeDocument/2006/relationships" xmlns:p="http://schemas.openxmlformats.org/presentationml/2006/main">
-  <p:cSld>
-    <p:spTree>
-      <p:nvGrpSpPr>
-        <p:cNvPr id="1" name=""/>
-        <p:cNvGrpSpPr/>
-        <p:nvPr/>
-      </p:nvGrpSpPr>
-      <p:grpSpPr>
-        <a:xfrm>
-          <a:off x="0" y="0"/>
-          <a:ext cx="0" cy="0"/>
-          <a:chOff x="0" y="0"/>
-          <a:chExt cx="0" cy="0"/>
-        </a:xfrm>
-      </p:grpSpPr>
-      <p:sp>
-        <p:nvSpPr>
-          <p:cNvPr id="10242" name="Slide Image Placeholder 1"/>
-          <p:cNvSpPr>
-            <a:spLocks noGrp="1" noRot="1" noChangeAspect="1" noTextEdit="1"/>
-          </p:cNvSpPr>
-          <p:nvPr>
-            <p:ph type="sldImg"/>
-          </p:nvPr>
-        </p:nvSpPr>
-        <p:spPr>
-          <a:ln/>
-        </p:spPr>
-      </p:sp>
-      <p:sp>
-        <p:nvSpPr>
-          <p:cNvPr id="10243" name="Notes Placeholder 2"/>
-          <p:cNvSpPr>
-            <a:spLocks noGrp="1"/>
-          </p:cNvSpPr>
-          <p:nvPr>
-            <p:ph type="body" idx="1"/>
-          </p:nvPr>
-        </p:nvSpPr>
-        <p:spPr>
-          <a:noFill/>
-          <a:ln/>
-          <a:extLst>
-            <a:ext uri="{909E8E84-426E-40DD-AFC4-6F175D3DCCD1}">
-              <a14:hiddenFill xmlns:a14="http://schemas.microsoft.com/office/drawing/2010/main">
-                <a:solidFill>
-                  <a:srgbClr val="FFFFFF"/>
-                </a:solidFill>
-              </a14:hiddenFill>
-            </a:ext>
-            <a:ext uri="{91240B29-F687-4F45-9708-019B960494DF}">
-              <a14:hiddenLine xmlns:a14="http://schemas.microsoft.com/office/drawing/2010/main" w="9525">
-                <a:solidFill>
-                  <a:srgbClr val="000000"/>
-                </a:solidFill>
-                <a:miter lim="800000"/>
-                <a:headEnd/>
-                <a:tailEnd/>
-              </a14:hiddenLine>
-            </a:ext>
-          </a:extLst>
-        </p:spPr>
-        <p:txBody>
-          <a:bodyPr/>
-          <a:lstStyle/>
-          <a:p>
-            <a:endParaRPr lang="en-US" smtClean="0"/>
-          </a:p>
-        </p:txBody>
-      </p:sp>
-      <p:sp>
-        <p:nvSpPr>
-          <p:cNvPr id="10244" name="Slide Number Placeholder 3"/>
-          <p:cNvSpPr>
-            <a:spLocks noGrp="1"/>
-          </p:cNvSpPr>
-          <p:nvPr>
-            <p:ph type="sldNum" sz="quarter" idx="4294967295"/>
-          </p:nvPr>
-        </p:nvSpPr>
-        <p:spPr bwMode="auto">
-          <a:xfrm>
-            <a:off x="3884613" y="8685213"/>
-            <a:ext cx="2971800" cy="457200"/>
-          </a:xfrm>
-          <a:prstGeom prst="rect">
-            <a:avLst/>
-          </a:prstGeom>
-          <a:noFill/>
-          <a:extLst>
-            <a:ext uri="{909E8E84-426E-40DD-AFC4-6F175D3DCCD1}">
-              <a14:hiddenFill xmlns:a14="http://schemas.microsoft.com/office/drawing/2010/main">
-                <a:solidFill>
-                  <a:srgbClr val="FFFFFF"/>
-                </a:solidFill>
-              </a14:hiddenFill>
-            </a:ext>
-            <a:ext uri="{91240B29-F687-4F45-9708-019B960494DF}">
-              <a14:hiddenLine xmlns:a14="http://schemas.microsoft.com/office/drawing/2010/main" w="9525">
-                <a:solidFill>
-                  <a:srgbClr val="000000"/>
-                </a:solidFill>
-                <a:miter lim="800000"/>
-                <a:headEnd/>
-                <a:tailEnd/>
-              </a14:hiddenLine>
-            </a:ext>
-          </a:extLst>
-        </p:spPr>
-        <p:txBody>
-          <a:bodyPr lIns="90443" tIns="45222" rIns="90443" bIns="45222"/>
-          <a:lstStyle>
-            <a:lvl1pPr eaLnBrk="0" hangingPunct="0">
-              <a:defRPr>
-                <a:solidFill>
-                  <a:srgbClr val="000000"/>
-                </a:solidFill>
-                <a:latin typeface="Arial Bold" charset="0"/>
-                <a:ea typeface="ヒラギノ角ゴ ProN W6" charset="0"/>
-                <a:cs typeface="ヒラギノ角ゴ ProN W6" charset="0"/>
-                <a:sym typeface="Arial Bold" charset="0"/>
-              </a:defRPr>
-            </a:lvl1pPr>
-            <a:lvl2pPr marL="742950" indent="-285750" eaLnBrk="0" hangingPunct="0">
-              <a:defRPr>
-                <a:solidFill>
-                  <a:srgbClr val="000000"/>
-                </a:solidFill>
-                <a:latin typeface="Arial Bold" charset="0"/>
-                <a:ea typeface="ヒラギノ角ゴ ProN W6" charset="0"/>
-                <a:cs typeface="ヒラギノ角ゴ ProN W6" charset="0"/>
-                <a:sym typeface="Arial Bold" charset="0"/>
-              </a:defRPr>
-            </a:lvl2pPr>
-            <a:lvl3pPr marL="1143000" indent="-228600" eaLnBrk="0" hangingPunct="0">
-              <a:defRPr>
-                <a:solidFill>
-                  <a:srgbClr val="000000"/>
-                </a:solidFill>
-                <a:latin typeface="Arial Bold" charset="0"/>
-                <a:ea typeface="ヒラギノ角ゴ ProN W6" charset="0"/>
-                <a:cs typeface="ヒラギノ角ゴ ProN W6" charset="0"/>
-                <a:sym typeface="Arial Bold" charset="0"/>
-              </a:defRPr>
-            </a:lvl3pPr>
-            <a:lvl4pPr marL="1600200" indent="-228600" eaLnBrk="0" hangingPunct="0">
-              <a:defRPr>
-                <a:solidFill>
-                  <a:srgbClr val="000000"/>
-                </a:solidFill>
-                <a:latin typeface="Arial Bold" charset="0"/>
-                <a:ea typeface="ヒラギノ角ゴ ProN W6" charset="0"/>
-                <a:cs typeface="ヒラギノ角ゴ ProN W6" charset="0"/>
-                <a:sym typeface="Arial Bold" charset="0"/>
-              </a:defRPr>
-            </a:lvl4pPr>
-            <a:lvl5pPr marL="2057400" indent="-228600" eaLnBrk="0" hangingPunct="0">
-              <a:defRPr>
-                <a:solidFill>
-                  <a:srgbClr val="000000"/>
-                </a:solidFill>
-                <a:latin typeface="Arial Bold" charset="0"/>
-                <a:ea typeface="ヒラギノ角ゴ ProN W6" charset="0"/>
-                <a:cs typeface="ヒラギノ角ゴ ProN W6" charset="0"/>
-                <a:sym typeface="Arial Bold" charset="0"/>
-              </a:defRPr>
-            </a:lvl5pPr>
-            <a:lvl6pPr marL="2514600" indent="-228600" eaLnBrk="0" fontAlgn="base" hangingPunct="0">
-              <a:spcBef>
-                <a:spcPct val="0"/>
-              </a:spcBef>
-              <a:spcAft>
-                <a:spcPct val="0"/>
-              </a:spcAft>
-              <a:defRPr>
-                <a:solidFill>
-                  <a:srgbClr val="000000"/>
-                </a:solidFill>
-                <a:latin typeface="Arial Bold" charset="0"/>
-                <a:ea typeface="ヒラギノ角ゴ ProN W6" charset="0"/>
-                <a:cs typeface="ヒラギノ角ゴ ProN W6" charset="0"/>
-                <a:sym typeface="Arial Bold" charset="0"/>
-              </a:defRPr>
-            </a:lvl6pPr>
-            <a:lvl7pPr marL="2971800" indent="-228600" eaLnBrk="0" fontAlgn="base" hangingPunct="0">
-              <a:spcBef>
-                <a:spcPct val="0"/>
-              </a:spcBef>
-              <a:spcAft>
-                <a:spcPct val="0"/>
-              </a:spcAft>
-              <a:defRPr>
-                <a:solidFill>
-                  <a:srgbClr val="000000"/>
-                </a:solidFill>
-                <a:latin typeface="Arial Bold" charset="0"/>
-                <a:ea typeface="ヒラギノ角ゴ ProN W6" charset="0"/>
-                <a:cs typeface="ヒラギノ角ゴ ProN W6" charset="0"/>
-                <a:sym typeface="Arial Bold" charset="0"/>
-              </a:defRPr>
-            </a:lvl7pPr>
-            <a:lvl8pPr marL="3429000" indent="-228600" eaLnBrk="0" fontAlgn="base" hangingPunct="0">
-              <a:spcBef>
-                <a:spcPct val="0"/>
-              </a:spcBef>
-              <a:spcAft>
-                <a:spcPct val="0"/>
-              </a:spcAft>
-              <a:defRPr>
-                <a:solidFill>
-                  <a:srgbClr val="000000"/>
-                </a:solidFill>
-                <a:latin typeface="Arial Bold" charset="0"/>
-                <a:ea typeface="ヒラギノ角ゴ ProN W6" charset="0"/>
-                <a:cs typeface="ヒラギノ角ゴ ProN W6" charset="0"/>
-                <a:sym typeface="Arial Bold" charset="0"/>
-              </a:defRPr>
-            </a:lvl8pPr>
-            <a:lvl9pPr marL="3886200" indent="-228600" eaLnBrk="0" fontAlgn="base" hangingPunct="0">
-              <a:spcBef>
-                <a:spcPct val="0"/>
-              </a:spcBef>
-              <a:spcAft>
-                <a:spcPct val="0"/>
-              </a:spcAft>
-              <a:defRPr>
-                <a:solidFill>
-                  <a:srgbClr val="000000"/>
-                </a:solidFill>
-                <a:latin typeface="Arial Bold" charset="0"/>
-                <a:ea typeface="ヒラギノ角ゴ ProN W6" charset="0"/>
-                <a:cs typeface="ヒラギノ角ゴ ProN W6" charset="0"/>
-                <a:sym typeface="Arial Bold" charset="0"/>
-              </a:defRPr>
-            </a:lvl9pPr>
-          </a:lstStyle>
-          <a:p>
-            <a:pPr eaLnBrk="1" hangingPunct="1"/>
-            <a:fld id="{FA326E2F-55F0-422C-913E-C28BCD70E13A}" type="slidenum">
-              <a:rPr lang="en-US"/>
-              <a:pPr eaLnBrk="1" hangingPunct="1"/>
-              <a:t>15</a:t>
-            </a:fld>
-            <a:endParaRPr lang="en-US"/>
-          </a:p>
-        </p:txBody>
-      </p:sp>
-    </p:spTree>
-    <p:extLst>
-      <p:ext uri="{BB962C8B-B14F-4D97-AF65-F5344CB8AC3E}">
-        <p14:creationId xmlns:p14="http://schemas.microsoft.com/office/powerpoint/2010/main" val="3051733236"/>
-      </p:ext>
-    </p:extLst>
-  </p:cSld>
-  <p:clrMapOvr>
-    <a:masterClrMapping/>
-  </p:clrMapOvr>
-</p:notes>
 </file>
 
 <file path=ppt/slideLayouts/slideLayout1.xml><?xml version="1.0" encoding="utf-8"?>
@@ -5135,7 +4258,7 @@
           <a:p>
             <a:r>
               <a:rPr lang="en-US" dirty="0" smtClean="0"/>
-              <a:t>Lessons Learned</a:t>
+              <a:t>Demo</a:t>
             </a:r>
           </a:p>
         </p:txBody>
@@ -5338,91 +4461,10 @@
         <p:spPr/>
         <p:txBody>
           <a:bodyPr>
-            <a:normAutofit fontScale="92500" lnSpcReduction="10000"/>
+            <a:normAutofit/>
           </a:bodyPr>
           <a:lstStyle/>
           <a:p>
-            <a:r>
-              <a:rPr lang="en-US" sz="2400" dirty="0" smtClean="0"/>
-              <a:t>Each presentation should explicitly contain:</a:t>
-            </a:r>
-          </a:p>
-          <a:p>
-            <a:pPr lvl="1"/>
-            <a:r>
-              <a:rPr lang="en-US" sz="2000" dirty="0" smtClean="0"/>
-              <a:t>Aim of project</a:t>
-            </a:r>
-          </a:p>
-          <a:p>
-            <a:pPr lvl="1"/>
-            <a:r>
-              <a:rPr lang="en-US" sz="2000" dirty="0" smtClean="0"/>
-              <a:t>Motivation - Why is it an interesting problem? Why did you bother? Why should we care?</a:t>
-            </a:r>
-          </a:p>
-          <a:p>
-            <a:pPr lvl="1"/>
-            <a:r>
-              <a:rPr lang="en-US" sz="2000" dirty="0" smtClean="0"/>
-              <a:t>Main stories for the project</a:t>
-            </a:r>
-          </a:p>
-          <a:p>
-            <a:pPr lvl="1"/>
-            <a:r>
-              <a:rPr lang="en-US" sz="2000" dirty="0" smtClean="0"/>
-              <a:t>Software process – How did you breakup work? Who did what? How was management done? </a:t>
-            </a:r>
-          </a:p>
-          <a:p>
-            <a:pPr lvl="1"/>
-            <a:r>
-              <a:rPr lang="en-US" sz="2000" dirty="0" smtClean="0"/>
-              <a:t>Lead to the solution through your user stories/Use Cases</a:t>
-            </a:r>
-          </a:p>
-          <a:p>
-            <a:pPr lvl="1"/>
-            <a:r>
-              <a:rPr lang="en-US" sz="2000" dirty="0" smtClean="0"/>
-              <a:t>Data models</a:t>
-            </a:r>
-          </a:p>
-          <a:p>
-            <a:pPr lvl="1"/>
-            <a:r>
-              <a:rPr lang="en-US" sz="2000" dirty="0" smtClean="0"/>
-              <a:t>Show us any external resources used – web services, external servers, databases, APIs, Gems, etc.</a:t>
-            </a:r>
-          </a:p>
-          <a:p>
-            <a:pPr lvl="1"/>
-            <a:r>
-              <a:rPr lang="en-US" sz="2000" dirty="0" smtClean="0"/>
-              <a:t>Show working demos</a:t>
-            </a:r>
-          </a:p>
-          <a:p>
-            <a:pPr lvl="1"/>
-            <a:r>
-              <a:rPr lang="en-US" sz="2000" dirty="0" smtClean="0"/>
-              <a:t>Mention the lessons learned from the project</a:t>
-            </a:r>
-          </a:p>
-          <a:p>
-            <a:pPr lvl="1"/>
-            <a:r>
-              <a:rPr lang="en-US" sz="2000" b="1" dirty="0" smtClean="0"/>
-              <a:t>What did you not complete from the original stories?</a:t>
-            </a:r>
-          </a:p>
-          <a:p>
-            <a:pPr lvl="1"/>
-            <a:r>
-              <a:rPr lang="en-US" sz="2000" b="1" dirty="0" smtClean="0"/>
-              <a:t>How many new stories did you add?</a:t>
-            </a:r>
             <a:endParaRPr lang="en-US" sz="1700" b="1" dirty="0" smtClean="0"/>
           </a:p>
           <a:p>
@@ -5434,339 +4476,7 @@
     </p:spTree>
     <p:extLst>
       <p:ext uri="{BB962C8B-B14F-4D97-AF65-F5344CB8AC3E}">
-        <p14:creationId xmlns:p14="http://schemas.microsoft.com/office/powerpoint/2010/main" val="1210299799"/>
-      </p:ext>
-    </p:extLst>
-  </p:cSld>
-  <p:clrMapOvr>
-    <a:masterClrMapping/>
-  </p:clrMapOvr>
-  <mc:AlternateContent xmlns:mc="http://schemas.openxmlformats.org/markup-compatibility/2006" xmlns:p14="http://schemas.microsoft.com/office/powerpoint/2010/main">
-    <mc:Choice Requires="p14">
-      <p:transition spd="slow" p14:dur="2000"/>
-    </mc:Choice>
-    <mc:Fallback xmlns="">
-      <p:transition spd="slow"/>
-    </mc:Fallback>
-  </mc:AlternateContent>
-</p:sld>
-</file>
-
-<file path=ppt/slides/slide11.xml><?xml version="1.0" encoding="utf-8"?>
-<p:sld xmlns:a="http://schemas.openxmlformats.org/drawingml/2006/main" xmlns:r="http://schemas.openxmlformats.org/officeDocument/2006/relationships" xmlns:p="http://schemas.openxmlformats.org/presentationml/2006/main">
-  <p:cSld>
-    <p:spTree>
-      <p:nvGrpSpPr>
-        <p:cNvPr id="1" name=""/>
-        <p:cNvGrpSpPr/>
-        <p:nvPr/>
-      </p:nvGrpSpPr>
-      <p:grpSpPr>
-        <a:xfrm>
-          <a:off x="0" y="0"/>
-          <a:ext cx="0" cy="0"/>
-          <a:chOff x="0" y="0"/>
-          <a:chExt cx="0" cy="0"/>
-        </a:xfrm>
-      </p:grpSpPr>
-      <p:sp>
-        <p:nvSpPr>
-          <p:cNvPr id="3074" name="Title 1"/>
-          <p:cNvSpPr>
-            <a:spLocks noGrp="1"/>
-          </p:cNvSpPr>
-          <p:nvPr>
-            <p:ph type="title"/>
-          </p:nvPr>
-        </p:nvSpPr>
-        <p:spPr/>
-        <p:txBody>
-          <a:bodyPr/>
-          <a:lstStyle/>
-          <a:p>
-            <a:r>
-              <a:rPr lang="en-US" dirty="0" smtClean="0"/>
-              <a:t>Project presentation</a:t>
-            </a:r>
-          </a:p>
-        </p:txBody>
-      </p:sp>
-      <p:sp>
-        <p:nvSpPr>
-          <p:cNvPr id="3075" name="Slide Number Placeholder 2"/>
-          <p:cNvSpPr>
-            <a:spLocks noGrp="1"/>
-          </p:cNvSpPr>
-          <p:nvPr>
-            <p:ph type="sldNum" sz="quarter" idx="12"/>
-          </p:nvPr>
-        </p:nvSpPr>
-        <p:spPr>
-          <a:xfrm>
-            <a:off x="612775" y="6356350"/>
-            <a:ext cx="1981200" cy="365125"/>
-          </a:xfrm>
-          <a:noFill/>
-          <a:ln w="9525"/>
-          <a:extLst>
-            <a:ext uri="{909E8E84-426E-40DD-AFC4-6F175D3DCCD1}">
-              <a14:hiddenFill xmlns:a14="http://schemas.microsoft.com/office/drawing/2010/main">
-                <a:solidFill>
-                  <a:srgbClr val="FFFFFF"/>
-                </a:solidFill>
-              </a14:hiddenFill>
-            </a:ext>
-            <a:ext uri="{91240B29-F687-4F45-9708-019B960494DF}">
-              <a14:hiddenLine xmlns:a14="http://schemas.microsoft.com/office/drawing/2010/main" w="12700">
-                <a:solidFill>
-                  <a:srgbClr val="000000"/>
-                </a:solidFill>
-                <a:miter lim="800000"/>
-                <a:headEnd/>
-                <a:tailEnd/>
-              </a14:hiddenLine>
-            </a:ext>
-          </a:extLst>
-        </p:spPr>
-        <p:txBody>
-          <a:bodyPr/>
-          <a:lstStyle>
-            <a:lvl1pPr eaLnBrk="0" hangingPunct="0">
-              <a:defRPr>
-                <a:solidFill>
-                  <a:srgbClr val="000000"/>
-                </a:solidFill>
-                <a:latin typeface="Arial Bold" charset="0"/>
-                <a:ea typeface="ヒラギノ角ゴ ProN W6" charset="0"/>
-                <a:cs typeface="ヒラギノ角ゴ ProN W6" charset="0"/>
-                <a:sym typeface="Arial Bold" charset="0"/>
-              </a:defRPr>
-            </a:lvl1pPr>
-            <a:lvl2pPr marL="742950" indent="-285750" eaLnBrk="0" hangingPunct="0">
-              <a:defRPr>
-                <a:solidFill>
-                  <a:srgbClr val="000000"/>
-                </a:solidFill>
-                <a:latin typeface="Arial Bold" charset="0"/>
-                <a:ea typeface="ヒラギノ角ゴ ProN W6" charset="0"/>
-                <a:cs typeface="ヒラギノ角ゴ ProN W6" charset="0"/>
-                <a:sym typeface="Arial Bold" charset="0"/>
-              </a:defRPr>
-            </a:lvl2pPr>
-            <a:lvl3pPr marL="1143000" indent="-228600" eaLnBrk="0" hangingPunct="0">
-              <a:defRPr>
-                <a:solidFill>
-                  <a:srgbClr val="000000"/>
-                </a:solidFill>
-                <a:latin typeface="Arial Bold" charset="0"/>
-                <a:ea typeface="ヒラギノ角ゴ ProN W6" charset="0"/>
-                <a:cs typeface="ヒラギノ角ゴ ProN W6" charset="0"/>
-                <a:sym typeface="Arial Bold" charset="0"/>
-              </a:defRPr>
-            </a:lvl3pPr>
-            <a:lvl4pPr marL="1600200" indent="-228600" eaLnBrk="0" hangingPunct="0">
-              <a:defRPr>
-                <a:solidFill>
-                  <a:srgbClr val="000000"/>
-                </a:solidFill>
-                <a:latin typeface="Arial Bold" charset="0"/>
-                <a:ea typeface="ヒラギノ角ゴ ProN W6" charset="0"/>
-                <a:cs typeface="ヒラギノ角ゴ ProN W6" charset="0"/>
-                <a:sym typeface="Arial Bold" charset="0"/>
-              </a:defRPr>
-            </a:lvl4pPr>
-            <a:lvl5pPr marL="2057400" indent="-228600" eaLnBrk="0" hangingPunct="0">
-              <a:defRPr>
-                <a:solidFill>
-                  <a:srgbClr val="000000"/>
-                </a:solidFill>
-                <a:latin typeface="Arial Bold" charset="0"/>
-                <a:ea typeface="ヒラギノ角ゴ ProN W6" charset="0"/>
-                <a:cs typeface="ヒラギノ角ゴ ProN W6" charset="0"/>
-                <a:sym typeface="Arial Bold" charset="0"/>
-              </a:defRPr>
-            </a:lvl5pPr>
-            <a:lvl6pPr marL="2514600" indent="-228600" eaLnBrk="0" fontAlgn="base" hangingPunct="0">
-              <a:spcBef>
-                <a:spcPct val="0"/>
-              </a:spcBef>
-              <a:spcAft>
-                <a:spcPct val="0"/>
-              </a:spcAft>
-              <a:defRPr>
-                <a:solidFill>
-                  <a:srgbClr val="000000"/>
-                </a:solidFill>
-                <a:latin typeface="Arial Bold" charset="0"/>
-                <a:ea typeface="ヒラギノ角ゴ ProN W6" charset="0"/>
-                <a:cs typeface="ヒラギノ角ゴ ProN W6" charset="0"/>
-                <a:sym typeface="Arial Bold" charset="0"/>
-              </a:defRPr>
-            </a:lvl6pPr>
-            <a:lvl7pPr marL="2971800" indent="-228600" eaLnBrk="0" fontAlgn="base" hangingPunct="0">
-              <a:spcBef>
-                <a:spcPct val="0"/>
-              </a:spcBef>
-              <a:spcAft>
-                <a:spcPct val="0"/>
-              </a:spcAft>
-              <a:defRPr>
-                <a:solidFill>
-                  <a:srgbClr val="000000"/>
-                </a:solidFill>
-                <a:latin typeface="Arial Bold" charset="0"/>
-                <a:ea typeface="ヒラギノ角ゴ ProN W6" charset="0"/>
-                <a:cs typeface="ヒラギノ角ゴ ProN W6" charset="0"/>
-                <a:sym typeface="Arial Bold" charset="0"/>
-              </a:defRPr>
-            </a:lvl7pPr>
-            <a:lvl8pPr marL="3429000" indent="-228600" eaLnBrk="0" fontAlgn="base" hangingPunct="0">
-              <a:spcBef>
-                <a:spcPct val="0"/>
-              </a:spcBef>
-              <a:spcAft>
-                <a:spcPct val="0"/>
-              </a:spcAft>
-              <a:defRPr>
-                <a:solidFill>
-                  <a:srgbClr val="000000"/>
-                </a:solidFill>
-                <a:latin typeface="Arial Bold" charset="0"/>
-                <a:ea typeface="ヒラギノ角ゴ ProN W6" charset="0"/>
-                <a:cs typeface="ヒラギノ角ゴ ProN W6" charset="0"/>
-                <a:sym typeface="Arial Bold" charset="0"/>
-              </a:defRPr>
-            </a:lvl8pPr>
-            <a:lvl9pPr marL="3886200" indent="-228600" eaLnBrk="0" fontAlgn="base" hangingPunct="0">
-              <a:spcBef>
-                <a:spcPct val="0"/>
-              </a:spcBef>
-              <a:spcAft>
-                <a:spcPct val="0"/>
-              </a:spcAft>
-              <a:defRPr>
-                <a:solidFill>
-                  <a:srgbClr val="000000"/>
-                </a:solidFill>
-                <a:latin typeface="Arial Bold" charset="0"/>
-                <a:ea typeface="ヒラギノ角ゴ ProN W6" charset="0"/>
-                <a:cs typeface="ヒラギノ角ゴ ProN W6" charset="0"/>
-                <a:sym typeface="Arial Bold" charset="0"/>
-              </a:defRPr>
-            </a:lvl9pPr>
-          </a:lstStyle>
-          <a:p>
-            <a:pPr eaLnBrk="1" hangingPunct="1"/>
-            <a:fld id="{45C1956F-D052-49EA-A0EB-DEB2CB7BECB3}" type="slidenum">
-              <a:rPr lang="en-US" smtClean="0">
-                <a:solidFill>
-                  <a:schemeClr val="tx1"/>
-                </a:solidFill>
-                <a:latin typeface="Arial" charset="0"/>
-                <a:cs typeface="Arial" charset="0"/>
-                <a:sym typeface="Arial" charset="0"/>
-              </a:rPr>
-              <a:pPr eaLnBrk="1" hangingPunct="1"/>
-              <a:t>11</a:t>
-            </a:fld>
-            <a:endParaRPr lang="en-US" smtClean="0">
-              <a:solidFill>
-                <a:schemeClr val="tx1"/>
-              </a:solidFill>
-              <a:latin typeface="Arial" charset="0"/>
-              <a:cs typeface="Arial" charset="0"/>
-              <a:sym typeface="Arial" charset="0"/>
-            </a:endParaRPr>
-          </a:p>
-        </p:txBody>
-      </p:sp>
-      <p:sp>
-        <p:nvSpPr>
-          <p:cNvPr id="4" name="Content Placeholder 3"/>
-          <p:cNvSpPr>
-            <a:spLocks noGrp="1"/>
-          </p:cNvSpPr>
-          <p:nvPr>
-            <p:ph sz="quarter" idx="1"/>
-          </p:nvPr>
-        </p:nvSpPr>
-        <p:spPr/>
-        <p:txBody>
-          <a:bodyPr>
-            <a:normAutofit/>
-          </a:bodyPr>
-          <a:lstStyle/>
-          <a:p>
-            <a:pPr lvl="1">
-              <a:defRPr/>
-            </a:pPr>
-            <a:r>
-              <a:rPr lang="en-US" dirty="0" smtClean="0"/>
-              <a:t>15 minutes per group</a:t>
-            </a:r>
-          </a:p>
-          <a:p>
-            <a:pPr lvl="2">
-              <a:defRPr/>
-            </a:pPr>
-            <a:r>
-              <a:rPr lang="en-US" dirty="0" smtClean="0"/>
-              <a:t>Everybody in the group presents</a:t>
-            </a:r>
-          </a:p>
-          <a:p>
-            <a:pPr lvl="2">
-              <a:defRPr/>
-            </a:pPr>
-            <a:r>
-              <a:rPr lang="en-US" dirty="0" smtClean="0"/>
-              <a:t>The audience will ask questions in between and make you work your code</a:t>
-            </a:r>
-          </a:p>
-          <a:p>
-            <a:pPr lvl="1">
-              <a:defRPr/>
-            </a:pPr>
-            <a:endParaRPr lang="en-US" dirty="0" smtClean="0"/>
-          </a:p>
-          <a:p>
-            <a:pPr lvl="1">
-              <a:defRPr/>
-            </a:pPr>
-            <a:r>
-              <a:rPr lang="en-US" dirty="0" smtClean="0"/>
-              <a:t>Set up beforehand. Check your devices. Check demos. Always have screen shots. </a:t>
-            </a:r>
-          </a:p>
-          <a:p>
-            <a:pPr lvl="1">
-              <a:defRPr/>
-            </a:pPr>
-            <a:endParaRPr lang="en-US" dirty="0" smtClean="0"/>
-          </a:p>
-          <a:p>
-            <a:pPr lvl="1">
-              <a:defRPr/>
-            </a:pPr>
-            <a:r>
-              <a:rPr lang="en-US" dirty="0" smtClean="0"/>
-              <a:t>Professionalism in the presentation will be graded. </a:t>
-            </a:r>
-          </a:p>
-          <a:p>
-            <a:pPr marL="333375" lvl="1" indent="0">
-              <a:buFont typeface="Wingdings" pitchFamily="2" charset="2"/>
-              <a:buNone/>
-              <a:defRPr/>
-            </a:pPr>
-            <a:endParaRPr lang="en-US" dirty="0" smtClean="0"/>
-          </a:p>
-        </p:txBody>
-      </p:sp>
-    </p:spTree>
-    <p:extLst>
-      <p:ext uri="{BB962C8B-B14F-4D97-AF65-F5344CB8AC3E}">
-        <p14:creationId xmlns:p14="http://schemas.microsoft.com/office/powerpoint/2010/main" val="3735935321"/>
+        <p14:creationId xmlns:p14="http://schemas.microsoft.com/office/powerpoint/2010/main" val="2351425049"/>
       </p:ext>
     </p:extLst>
   </p:cSld>
@@ -5791,7 +4501,7 @@
 </p:sld>
 </file>
 
-<file path=ppt/slides/slide12.xml><?xml version="1.0" encoding="utf-8"?>
+<file path=ppt/slides/slide11.xml><?xml version="1.0" encoding="utf-8"?>
 <p:sld xmlns:a="http://schemas.openxmlformats.org/drawingml/2006/main" xmlns:r="http://schemas.openxmlformats.org/officeDocument/2006/relationships" xmlns:p="http://schemas.openxmlformats.org/presentationml/2006/main">
   <p:cSld>
     <p:spTree>
@@ -5825,7 +4535,7 @@
           <a:p>
             <a:r>
               <a:rPr lang="en-US" dirty="0" smtClean="0"/>
-              <a:t>Presentation outline</a:t>
+              <a:t>Lessons Learned</a:t>
             </a:r>
           </a:p>
         </p:txBody>
@@ -6002,7 +4712,7 @@
                 <a:sym typeface="Arial" charset="0"/>
               </a:rPr>
               <a:pPr eaLnBrk="1" hangingPunct="1"/>
-              <a:t>12</a:t>
+              <a:t>11</a:t>
             </a:fld>
             <a:endParaRPr lang="en-US" smtClean="0">
               <a:solidFill>
@@ -6028,99 +4738,22 @@
         <p:spPr/>
         <p:txBody>
           <a:bodyPr>
-            <a:normAutofit fontScale="92500" lnSpcReduction="10000"/>
+            <a:normAutofit/>
           </a:bodyPr>
           <a:lstStyle/>
           <a:p>
-            <a:r>
-              <a:rPr lang="en-US" sz="2400" dirty="0" smtClean="0"/>
-              <a:t>Each presentation should explicitly contain:</a:t>
-            </a:r>
-          </a:p>
-          <a:p>
             <a:pPr lvl="1"/>
             <a:r>
               <a:rPr lang="en-US" sz="2000" dirty="0" smtClean="0"/>
-              <a:t>Aim of project</a:t>
+              <a:t>Gems don’t always make things easier – particularly simple functionality</a:t>
             </a:r>
           </a:p>
           <a:p>
             <a:pPr lvl="1"/>
             <a:r>
               <a:rPr lang="en-US" sz="2000" dirty="0" smtClean="0"/>
-              <a:t>Motivation - Why is it an interesting problem? Why did you bother? Why should we care?</a:t>
-            </a:r>
-          </a:p>
-          <a:p>
-            <a:pPr lvl="1"/>
-            <a:r>
-              <a:rPr lang="en-US" sz="2000" dirty="0" smtClean="0"/>
-              <a:t>Main stories for the project</a:t>
-            </a:r>
-          </a:p>
-          <a:p>
-            <a:pPr lvl="1"/>
-            <a:r>
-              <a:rPr lang="en-US" sz="2000" dirty="0" smtClean="0"/>
-              <a:t>Software process – How did you breakup work? Who did what? How was management done? </a:t>
-            </a:r>
-          </a:p>
-          <a:p>
-            <a:pPr lvl="1"/>
-            <a:r>
-              <a:rPr lang="en-US" sz="2000" dirty="0" smtClean="0"/>
-              <a:t>Lead to the solution through your user stories/Use Cases</a:t>
-            </a:r>
-          </a:p>
-          <a:p>
-            <a:pPr lvl="1"/>
-            <a:r>
-              <a:rPr lang="en-US" sz="2000" dirty="0" smtClean="0"/>
-              <a:t>Data models</a:t>
-            </a:r>
-          </a:p>
-          <a:p>
-            <a:pPr lvl="1"/>
-            <a:r>
-              <a:rPr lang="en-US" sz="2000" dirty="0" smtClean="0"/>
-              <a:t>Show us any external resources used – web services, external servers, databases, APIs, Gems, etc.</a:t>
-            </a:r>
-          </a:p>
-          <a:p>
-            <a:pPr lvl="1"/>
-            <a:r>
-              <a:rPr lang="en-US" sz="2000" dirty="0" smtClean="0"/>
-              <a:t>Show working demos</a:t>
-            </a:r>
-          </a:p>
-          <a:p>
-            <a:pPr lvl="1"/>
-            <a:r>
-              <a:rPr lang="en-US" sz="2000" dirty="0" smtClean="0"/>
-              <a:t>Mention the lessons learned from the project</a:t>
-            </a:r>
-          </a:p>
-          <a:p>
-            <a:pPr lvl="1"/>
-            <a:r>
-              <a:rPr lang="en-US" sz="2000" b="1" dirty="0" smtClean="0"/>
-              <a:t>What did you not complete from the original stories?</a:t>
-            </a:r>
-          </a:p>
-          <a:p>
-            <a:pPr lvl="1"/>
-            <a:r>
-              <a:rPr lang="en-US" sz="2000" b="1" dirty="0" smtClean="0"/>
-              <a:t>How many new stories </a:t>
-            </a:r>
-            <a:r>
-              <a:rPr lang="en-US" sz="2000" b="1" smtClean="0"/>
-              <a:t>did you add?</a:t>
-            </a:r>
-            <a:endParaRPr lang="en-US" sz="1700" b="1" dirty="0" smtClean="0"/>
-          </a:p>
-          <a:p>
-            <a:pPr lvl="1"/>
+              <a:t>Adding functionality broke existing features.  Importance of full thread/system testing in addition to unit testing.</a:t>
+            </a:r>
             <a:endParaRPr lang="en-US" sz="2000" dirty="0" smtClean="0"/>
           </a:p>
         </p:txBody>
@@ -6128,814 +4761,7 @@
     </p:spTree>
     <p:extLst>
       <p:ext uri="{BB962C8B-B14F-4D97-AF65-F5344CB8AC3E}">
-        <p14:creationId xmlns:p14="http://schemas.microsoft.com/office/powerpoint/2010/main" val="849640523"/>
-      </p:ext>
-    </p:extLst>
-  </p:cSld>
-  <p:clrMapOvr>
-    <a:masterClrMapping/>
-  </p:clrMapOvr>
-  <mc:AlternateContent xmlns:mc="http://schemas.openxmlformats.org/markup-compatibility/2006" xmlns:p14="http://schemas.microsoft.com/office/powerpoint/2010/main">
-    <mc:Choice Requires="p14">
-      <p:transition spd="slow" p14:dur="2000"/>
-    </mc:Choice>
-    <mc:Fallback xmlns="">
-      <p:transition spd="slow"/>
-    </mc:Fallback>
-  </mc:AlternateContent>
-</p:sld>
-</file>
-
-<file path=ppt/slides/slide13.xml><?xml version="1.0" encoding="utf-8"?>
-<p:sld xmlns:a="http://schemas.openxmlformats.org/drawingml/2006/main" xmlns:r="http://schemas.openxmlformats.org/officeDocument/2006/relationships" xmlns:p="http://schemas.openxmlformats.org/presentationml/2006/main">
-  <p:cSld>
-    <p:spTree>
-      <p:nvGrpSpPr>
-        <p:cNvPr id="1" name=""/>
-        <p:cNvGrpSpPr/>
-        <p:nvPr/>
-      </p:nvGrpSpPr>
-      <p:grpSpPr>
-        <a:xfrm>
-          <a:off x="0" y="0"/>
-          <a:ext cx="0" cy="0"/>
-          <a:chOff x="0" y="0"/>
-          <a:chExt cx="0" cy="0"/>
-        </a:xfrm>
-      </p:grpSpPr>
-      <p:sp>
-        <p:nvSpPr>
-          <p:cNvPr id="5122" name="Title 1"/>
-          <p:cNvSpPr>
-            <a:spLocks noGrp="1"/>
-          </p:cNvSpPr>
-          <p:nvPr>
-            <p:ph type="title"/>
-          </p:nvPr>
-        </p:nvSpPr>
-        <p:spPr/>
-        <p:txBody>
-          <a:bodyPr/>
-          <a:lstStyle/>
-          <a:p>
-            <a:r>
-              <a:rPr lang="en-US" smtClean="0"/>
-              <a:t>More details – presentation (cont.)</a:t>
-            </a:r>
-          </a:p>
-        </p:txBody>
-      </p:sp>
-      <p:sp>
-        <p:nvSpPr>
-          <p:cNvPr id="5123" name="Slide Number Placeholder 2"/>
-          <p:cNvSpPr>
-            <a:spLocks noGrp="1"/>
-          </p:cNvSpPr>
-          <p:nvPr>
-            <p:ph type="sldNum" sz="quarter" idx="12"/>
-          </p:nvPr>
-        </p:nvSpPr>
-        <p:spPr>
-          <a:xfrm>
-            <a:off x="612775" y="6356350"/>
-            <a:ext cx="1981200" cy="365125"/>
-          </a:xfrm>
-          <a:noFill/>
-          <a:ln w="9525"/>
-          <a:extLst>
-            <a:ext uri="{909E8E84-426E-40DD-AFC4-6F175D3DCCD1}">
-              <a14:hiddenFill xmlns:a14="http://schemas.microsoft.com/office/drawing/2010/main">
-                <a:solidFill>
-                  <a:srgbClr val="FFFFFF"/>
-                </a:solidFill>
-              </a14:hiddenFill>
-            </a:ext>
-            <a:ext uri="{91240B29-F687-4F45-9708-019B960494DF}">
-              <a14:hiddenLine xmlns:a14="http://schemas.microsoft.com/office/drawing/2010/main" w="12700">
-                <a:solidFill>
-                  <a:srgbClr val="000000"/>
-                </a:solidFill>
-                <a:miter lim="800000"/>
-                <a:headEnd/>
-                <a:tailEnd/>
-              </a14:hiddenLine>
-            </a:ext>
-          </a:extLst>
-        </p:spPr>
-        <p:txBody>
-          <a:bodyPr/>
-          <a:lstStyle>
-            <a:lvl1pPr eaLnBrk="0" hangingPunct="0">
-              <a:defRPr>
-                <a:solidFill>
-                  <a:srgbClr val="000000"/>
-                </a:solidFill>
-                <a:latin typeface="Arial Bold" charset="0"/>
-                <a:ea typeface="ヒラギノ角ゴ ProN W6" charset="0"/>
-                <a:cs typeface="ヒラギノ角ゴ ProN W6" charset="0"/>
-                <a:sym typeface="Arial Bold" charset="0"/>
-              </a:defRPr>
-            </a:lvl1pPr>
-            <a:lvl2pPr marL="742950" indent="-285750" eaLnBrk="0" hangingPunct="0">
-              <a:defRPr>
-                <a:solidFill>
-                  <a:srgbClr val="000000"/>
-                </a:solidFill>
-                <a:latin typeface="Arial Bold" charset="0"/>
-                <a:ea typeface="ヒラギノ角ゴ ProN W6" charset="0"/>
-                <a:cs typeface="ヒラギノ角ゴ ProN W6" charset="0"/>
-                <a:sym typeface="Arial Bold" charset="0"/>
-              </a:defRPr>
-            </a:lvl2pPr>
-            <a:lvl3pPr marL="1143000" indent="-228600" eaLnBrk="0" hangingPunct="0">
-              <a:defRPr>
-                <a:solidFill>
-                  <a:srgbClr val="000000"/>
-                </a:solidFill>
-                <a:latin typeface="Arial Bold" charset="0"/>
-                <a:ea typeface="ヒラギノ角ゴ ProN W6" charset="0"/>
-                <a:cs typeface="ヒラギノ角ゴ ProN W6" charset="0"/>
-                <a:sym typeface="Arial Bold" charset="0"/>
-              </a:defRPr>
-            </a:lvl3pPr>
-            <a:lvl4pPr marL="1600200" indent="-228600" eaLnBrk="0" hangingPunct="0">
-              <a:defRPr>
-                <a:solidFill>
-                  <a:srgbClr val="000000"/>
-                </a:solidFill>
-                <a:latin typeface="Arial Bold" charset="0"/>
-                <a:ea typeface="ヒラギノ角ゴ ProN W6" charset="0"/>
-                <a:cs typeface="ヒラギノ角ゴ ProN W6" charset="0"/>
-                <a:sym typeface="Arial Bold" charset="0"/>
-              </a:defRPr>
-            </a:lvl4pPr>
-            <a:lvl5pPr marL="2057400" indent="-228600" eaLnBrk="0" hangingPunct="0">
-              <a:defRPr>
-                <a:solidFill>
-                  <a:srgbClr val="000000"/>
-                </a:solidFill>
-                <a:latin typeface="Arial Bold" charset="0"/>
-                <a:ea typeface="ヒラギノ角ゴ ProN W6" charset="0"/>
-                <a:cs typeface="ヒラギノ角ゴ ProN W6" charset="0"/>
-                <a:sym typeface="Arial Bold" charset="0"/>
-              </a:defRPr>
-            </a:lvl5pPr>
-            <a:lvl6pPr marL="2514600" indent="-228600" eaLnBrk="0" fontAlgn="base" hangingPunct="0">
-              <a:spcBef>
-                <a:spcPct val="0"/>
-              </a:spcBef>
-              <a:spcAft>
-                <a:spcPct val="0"/>
-              </a:spcAft>
-              <a:defRPr>
-                <a:solidFill>
-                  <a:srgbClr val="000000"/>
-                </a:solidFill>
-                <a:latin typeface="Arial Bold" charset="0"/>
-                <a:ea typeface="ヒラギノ角ゴ ProN W6" charset="0"/>
-                <a:cs typeface="ヒラギノ角ゴ ProN W6" charset="0"/>
-                <a:sym typeface="Arial Bold" charset="0"/>
-              </a:defRPr>
-            </a:lvl6pPr>
-            <a:lvl7pPr marL="2971800" indent="-228600" eaLnBrk="0" fontAlgn="base" hangingPunct="0">
-              <a:spcBef>
-                <a:spcPct val="0"/>
-              </a:spcBef>
-              <a:spcAft>
-                <a:spcPct val="0"/>
-              </a:spcAft>
-              <a:defRPr>
-                <a:solidFill>
-                  <a:srgbClr val="000000"/>
-                </a:solidFill>
-                <a:latin typeface="Arial Bold" charset="0"/>
-                <a:ea typeface="ヒラギノ角ゴ ProN W6" charset="0"/>
-                <a:cs typeface="ヒラギノ角ゴ ProN W6" charset="0"/>
-                <a:sym typeface="Arial Bold" charset="0"/>
-              </a:defRPr>
-            </a:lvl7pPr>
-            <a:lvl8pPr marL="3429000" indent="-228600" eaLnBrk="0" fontAlgn="base" hangingPunct="0">
-              <a:spcBef>
-                <a:spcPct val="0"/>
-              </a:spcBef>
-              <a:spcAft>
-                <a:spcPct val="0"/>
-              </a:spcAft>
-              <a:defRPr>
-                <a:solidFill>
-                  <a:srgbClr val="000000"/>
-                </a:solidFill>
-                <a:latin typeface="Arial Bold" charset="0"/>
-                <a:ea typeface="ヒラギノ角ゴ ProN W6" charset="0"/>
-                <a:cs typeface="ヒラギノ角ゴ ProN W6" charset="0"/>
-                <a:sym typeface="Arial Bold" charset="0"/>
-              </a:defRPr>
-            </a:lvl8pPr>
-            <a:lvl9pPr marL="3886200" indent="-228600" eaLnBrk="0" fontAlgn="base" hangingPunct="0">
-              <a:spcBef>
-                <a:spcPct val="0"/>
-              </a:spcBef>
-              <a:spcAft>
-                <a:spcPct val="0"/>
-              </a:spcAft>
-              <a:defRPr>
-                <a:solidFill>
-                  <a:srgbClr val="000000"/>
-                </a:solidFill>
-                <a:latin typeface="Arial Bold" charset="0"/>
-                <a:ea typeface="ヒラギノ角ゴ ProN W6" charset="0"/>
-                <a:cs typeface="ヒラギノ角ゴ ProN W6" charset="0"/>
-                <a:sym typeface="Arial Bold" charset="0"/>
-              </a:defRPr>
-            </a:lvl9pPr>
-          </a:lstStyle>
-          <a:p>
-            <a:pPr eaLnBrk="1" hangingPunct="1"/>
-            <a:fld id="{844C1F13-1DE0-4C83-9F21-72FE14CEF5A9}" type="slidenum">
-              <a:rPr lang="en-US" smtClean="0">
-                <a:solidFill>
-                  <a:schemeClr val="tx1"/>
-                </a:solidFill>
-                <a:latin typeface="Arial" charset="0"/>
-                <a:cs typeface="Arial" charset="0"/>
-                <a:sym typeface="Arial" charset="0"/>
-              </a:rPr>
-              <a:pPr eaLnBrk="1" hangingPunct="1"/>
-              <a:t>13</a:t>
-            </a:fld>
-            <a:endParaRPr lang="en-US" smtClean="0">
-              <a:solidFill>
-                <a:schemeClr val="tx1"/>
-              </a:solidFill>
-              <a:latin typeface="Arial" charset="0"/>
-              <a:cs typeface="Arial" charset="0"/>
-              <a:sym typeface="Arial" charset="0"/>
-            </a:endParaRPr>
-          </a:p>
-        </p:txBody>
-      </p:sp>
-      <p:sp>
-        <p:nvSpPr>
-          <p:cNvPr id="4" name="Content Placeholder 3"/>
-          <p:cNvSpPr>
-            <a:spLocks noGrp="1"/>
-          </p:cNvSpPr>
-          <p:nvPr>
-            <p:ph sz="quarter" idx="1"/>
-          </p:nvPr>
-        </p:nvSpPr>
-        <p:spPr/>
-        <p:txBody>
-          <a:bodyPr>
-            <a:normAutofit fontScale="92500" lnSpcReduction="10000"/>
-          </a:bodyPr>
-          <a:lstStyle/>
-          <a:p>
-            <a:pPr marL="39688" indent="0">
-              <a:buFont typeface="Wingdings" pitchFamily="2" charset="2"/>
-              <a:buNone/>
-              <a:defRPr/>
-            </a:pPr>
-            <a:endParaRPr lang="en-US" dirty="0" smtClean="0"/>
-          </a:p>
-          <a:p>
-            <a:pPr>
-              <a:defRPr/>
-            </a:pPr>
-            <a:r>
-              <a:rPr lang="en-US" dirty="0" smtClean="0"/>
-              <a:t>Tell people about what you've done, at a level they can use</a:t>
-            </a:r>
-          </a:p>
-          <a:p>
-            <a:pPr lvl="1">
-              <a:defRPr/>
-            </a:pPr>
-            <a:r>
-              <a:rPr lang="en-US" dirty="0" smtClean="0"/>
-              <a:t>Tools, technologies, approaches</a:t>
-            </a:r>
-          </a:p>
-          <a:p>
-            <a:pPr lvl="1">
-              <a:defRPr/>
-            </a:pPr>
-            <a:r>
-              <a:rPr lang="en-US" dirty="0" smtClean="0"/>
-              <a:t>“Implemented </a:t>
-            </a:r>
-            <a:r>
-              <a:rPr lang="en-US" dirty="0" err="1" smtClean="0"/>
-              <a:t>GoogleMaps</a:t>
-            </a:r>
-            <a:r>
-              <a:rPr lang="en-US" dirty="0" smtClean="0"/>
-              <a:t> using the </a:t>
-            </a:r>
-            <a:r>
-              <a:rPr lang="en-US" dirty="0" err="1" smtClean="0"/>
-              <a:t>GeoKit</a:t>
-            </a:r>
-            <a:r>
-              <a:rPr lang="en-US" dirty="0" smtClean="0"/>
-              <a:t> gem..”</a:t>
-            </a:r>
-          </a:p>
-          <a:p>
-            <a:pPr lvl="1">
-              <a:defRPr/>
-            </a:pPr>
-            <a:endParaRPr lang="en-US" dirty="0" smtClean="0"/>
-          </a:p>
-          <a:p>
-            <a:pPr>
-              <a:defRPr/>
-            </a:pPr>
-            <a:r>
-              <a:rPr lang="en-US" dirty="0" smtClean="0"/>
-              <a:t>Not</a:t>
-            </a:r>
-          </a:p>
-          <a:p>
-            <a:pPr lvl="1">
-              <a:defRPr/>
-            </a:pPr>
-            <a:r>
-              <a:rPr lang="en-US" dirty="0" smtClean="0"/>
-              <a:t>Source code examples</a:t>
-            </a:r>
-          </a:p>
-          <a:p>
-            <a:pPr>
-              <a:defRPr/>
-            </a:pPr>
-            <a:endParaRPr lang="en-US" dirty="0" smtClean="0"/>
-          </a:p>
-          <a:p>
-            <a:pPr>
-              <a:defRPr/>
-            </a:pPr>
-            <a:r>
-              <a:rPr lang="en-US" dirty="0" smtClean="0"/>
-              <a:t>Figures - system diagrams – can be more useful than text</a:t>
-            </a:r>
-          </a:p>
-          <a:p>
-            <a:pPr>
-              <a:defRPr/>
-            </a:pPr>
-            <a:endParaRPr lang="en-US" dirty="0" smtClean="0"/>
-          </a:p>
-          <a:p>
-            <a:pPr>
-              <a:defRPr/>
-            </a:pPr>
-            <a:r>
-              <a:rPr lang="en-US" dirty="0" smtClean="0"/>
-              <a:t>Exception: if you've done something technically snazzy, say more about it.</a:t>
-            </a:r>
-            <a:endParaRPr lang="en-US" dirty="0"/>
-          </a:p>
-        </p:txBody>
-      </p:sp>
-    </p:spTree>
-    <p:extLst>
-      <p:ext uri="{BB962C8B-B14F-4D97-AF65-F5344CB8AC3E}">
-        <p14:creationId xmlns:p14="http://schemas.microsoft.com/office/powerpoint/2010/main" val="2134435350"/>
-      </p:ext>
-    </p:extLst>
-  </p:cSld>
-  <p:clrMapOvr>
-    <a:masterClrMapping/>
-  </p:clrMapOvr>
-  <mc:AlternateContent xmlns:mc="http://schemas.openxmlformats.org/markup-compatibility/2006" xmlns:p14="http://schemas.microsoft.com/office/powerpoint/2010/main">
-    <mc:Choice Requires="p14">
-      <p:transition spd="slow" p14:dur="2000"/>
-    </mc:Choice>
-    <mc:Fallback xmlns="">
-      <p:transition spd="slow"/>
-    </mc:Fallback>
-  </mc:AlternateContent>
-  <p:timing>
-    <p:tnLst>
-      <p:par>
-        <p:cTn id="1" dur="indefinite" restart="never" nodeType="tmRoot"/>
-      </p:par>
-    </p:tnLst>
-  </p:timing>
-</p:sld>
-</file>
-
-<file path=ppt/slides/slide14.xml><?xml version="1.0" encoding="utf-8"?>
-<p:sld xmlns:a="http://schemas.openxmlformats.org/drawingml/2006/main" xmlns:r="http://schemas.openxmlformats.org/officeDocument/2006/relationships" xmlns:p="http://schemas.openxmlformats.org/presentationml/2006/main">
-  <p:cSld>
-    <p:spTree>
-      <p:nvGrpSpPr>
-        <p:cNvPr id="1" name=""/>
-        <p:cNvGrpSpPr/>
-        <p:nvPr/>
-      </p:nvGrpSpPr>
-      <p:grpSpPr>
-        <a:xfrm>
-          <a:off x="0" y="0"/>
-          <a:ext cx="0" cy="0"/>
-          <a:chOff x="0" y="0"/>
-          <a:chExt cx="0" cy="0"/>
-        </a:xfrm>
-      </p:grpSpPr>
-      <p:sp>
-        <p:nvSpPr>
-          <p:cNvPr id="2" name="Title 1"/>
-          <p:cNvSpPr>
-            <a:spLocks noGrp="1"/>
-          </p:cNvSpPr>
-          <p:nvPr>
-            <p:ph type="title"/>
-          </p:nvPr>
-        </p:nvSpPr>
-        <p:spPr/>
-        <p:txBody>
-          <a:bodyPr>
-            <a:normAutofit/>
-          </a:bodyPr>
-          <a:lstStyle/>
-          <a:p>
-            <a:r>
-              <a:rPr lang="en-US" dirty="0" smtClean="0"/>
-              <a:t>More details – presentation (cont.)</a:t>
-            </a:r>
-            <a:endParaRPr lang="en-US" dirty="0"/>
-          </a:p>
-        </p:txBody>
-      </p:sp>
-      <p:sp>
-        <p:nvSpPr>
-          <p:cNvPr id="3" name="Slide Number Placeholder 2"/>
-          <p:cNvSpPr>
-            <a:spLocks noGrp="1"/>
-          </p:cNvSpPr>
-          <p:nvPr>
-            <p:ph type="sldNum" sz="quarter" idx="12"/>
-          </p:nvPr>
-        </p:nvSpPr>
-        <p:spPr/>
-        <p:txBody>
-          <a:bodyPr/>
-          <a:lstStyle/>
-          <a:p>
-            <a:fld id="{4AC3FDBB-A0DD-4E03-9C6C-F05383EA2CAC}" type="slidenum">
-              <a:rPr lang="en-US" smtClean="0"/>
-              <a:pPr/>
-              <a:t>14</a:t>
-            </a:fld>
-            <a:endParaRPr lang="en-US"/>
-          </a:p>
-        </p:txBody>
-      </p:sp>
-      <p:sp>
-        <p:nvSpPr>
-          <p:cNvPr id="4" name="Content Placeholder 3"/>
-          <p:cNvSpPr>
-            <a:spLocks noGrp="1"/>
-          </p:cNvSpPr>
-          <p:nvPr>
-            <p:ph sz="quarter" idx="1"/>
-          </p:nvPr>
-        </p:nvSpPr>
-        <p:spPr/>
-        <p:txBody>
-          <a:bodyPr>
-            <a:normAutofit/>
-          </a:bodyPr>
-          <a:lstStyle/>
-          <a:p>
-            <a:r>
-              <a:rPr lang="en-US" dirty="0" smtClean="0"/>
-              <a:t>Lots of examples</a:t>
-            </a:r>
-          </a:p>
-          <a:p>
-            <a:pPr lvl="1"/>
-            <a:r>
-              <a:rPr lang="en-US" dirty="0" smtClean="0"/>
-              <a:t>Keep things specific and interesting</a:t>
-            </a:r>
-          </a:p>
-          <a:p>
-            <a:endParaRPr lang="en-US" dirty="0" smtClean="0"/>
-          </a:p>
-          <a:p>
-            <a:pPr>
-              <a:buNone/>
-            </a:pPr>
-            <a:endParaRPr lang="en-US" dirty="0" smtClean="0"/>
-          </a:p>
-          <a:p>
-            <a:r>
-              <a:rPr lang="en-US" dirty="0" smtClean="0"/>
-              <a:t>Scenarios</a:t>
-            </a:r>
-          </a:p>
-          <a:p>
-            <a:pPr lvl="1"/>
-            <a:r>
-              <a:rPr lang="en-US" dirty="0" smtClean="0"/>
-              <a:t>Stories of tools in action</a:t>
-            </a:r>
-          </a:p>
-          <a:p>
-            <a:pPr lvl="1"/>
-            <a:r>
-              <a:rPr lang="en-US" dirty="0" smtClean="0"/>
-              <a:t>“Jane wants to compare flight and hotel alternatives for her vacation. She starts by ....”</a:t>
-            </a:r>
-          </a:p>
-          <a:p>
-            <a:endParaRPr lang="en-US" dirty="0" smtClean="0"/>
-          </a:p>
-          <a:p>
-            <a:r>
-              <a:rPr lang="en-US" dirty="0" smtClean="0"/>
-              <a:t>DEMOS! Even if they don't work, are buggy, etc.</a:t>
-            </a:r>
-            <a:endParaRPr lang="en-US" dirty="0"/>
-          </a:p>
-        </p:txBody>
-      </p:sp>
-    </p:spTree>
-    <p:extLst>
-      <p:ext uri="{BB962C8B-B14F-4D97-AF65-F5344CB8AC3E}">
-        <p14:creationId xmlns:p14="http://schemas.microsoft.com/office/powerpoint/2010/main" val="3760699009"/>
-      </p:ext>
-    </p:extLst>
-  </p:cSld>
-  <p:clrMapOvr>
-    <a:masterClrMapping/>
-  </p:clrMapOvr>
-  <p:timing>
-    <p:tnLst>
-      <p:par>
-        <p:cTn id="1" dur="indefinite" restart="never" nodeType="tmRoot"/>
-      </p:par>
-    </p:tnLst>
-  </p:timing>
-</p:sld>
-</file>
-
-<file path=ppt/slides/slide15.xml><?xml version="1.0" encoding="utf-8"?>
-<p:sld xmlns:a="http://schemas.openxmlformats.org/drawingml/2006/main" xmlns:r="http://schemas.openxmlformats.org/officeDocument/2006/relationships" xmlns:p="http://schemas.openxmlformats.org/presentationml/2006/main">
-  <p:cSld>
-    <p:spTree>
-      <p:nvGrpSpPr>
-        <p:cNvPr id="1" name=""/>
-        <p:cNvGrpSpPr/>
-        <p:nvPr/>
-      </p:nvGrpSpPr>
-      <p:grpSpPr>
-        <a:xfrm>
-          <a:off x="0" y="0"/>
-          <a:ext cx="0" cy="0"/>
-          <a:chOff x="0" y="0"/>
-          <a:chExt cx="0" cy="0"/>
-        </a:xfrm>
-      </p:grpSpPr>
-      <p:sp>
-        <p:nvSpPr>
-          <p:cNvPr id="6146" name="Title 1"/>
-          <p:cNvSpPr>
-            <a:spLocks noGrp="1"/>
-          </p:cNvSpPr>
-          <p:nvPr>
-            <p:ph type="title"/>
-          </p:nvPr>
-        </p:nvSpPr>
-        <p:spPr/>
-        <p:txBody>
-          <a:bodyPr/>
-          <a:lstStyle/>
-          <a:p>
-            <a:r>
-              <a:rPr lang="en-US" smtClean="0"/>
-              <a:t>Keep in mind the grading rubric</a:t>
-            </a:r>
-          </a:p>
-        </p:txBody>
-      </p:sp>
-      <p:sp>
-        <p:nvSpPr>
-          <p:cNvPr id="6147" name="Slide Number Placeholder 2"/>
-          <p:cNvSpPr>
-            <a:spLocks noGrp="1"/>
-          </p:cNvSpPr>
-          <p:nvPr>
-            <p:ph type="sldNum" sz="quarter" idx="12"/>
-          </p:nvPr>
-        </p:nvSpPr>
-        <p:spPr>
-          <a:xfrm>
-            <a:off x="612775" y="6356350"/>
-            <a:ext cx="1981200" cy="365125"/>
-          </a:xfrm>
-          <a:noFill/>
-          <a:ln w="9525"/>
-          <a:extLst>
-            <a:ext uri="{909E8E84-426E-40DD-AFC4-6F175D3DCCD1}">
-              <a14:hiddenFill xmlns:a14="http://schemas.microsoft.com/office/drawing/2010/main">
-                <a:solidFill>
-                  <a:srgbClr val="FFFFFF"/>
-                </a:solidFill>
-              </a14:hiddenFill>
-            </a:ext>
-            <a:ext uri="{91240B29-F687-4F45-9708-019B960494DF}">
-              <a14:hiddenLine xmlns:a14="http://schemas.microsoft.com/office/drawing/2010/main" w="12700">
-                <a:solidFill>
-                  <a:srgbClr val="000000"/>
-                </a:solidFill>
-                <a:miter lim="800000"/>
-                <a:headEnd/>
-                <a:tailEnd/>
-              </a14:hiddenLine>
-            </a:ext>
-          </a:extLst>
-        </p:spPr>
-        <p:txBody>
-          <a:bodyPr/>
-          <a:lstStyle>
-            <a:lvl1pPr eaLnBrk="0" hangingPunct="0">
-              <a:defRPr>
-                <a:solidFill>
-                  <a:srgbClr val="000000"/>
-                </a:solidFill>
-                <a:latin typeface="Arial Bold" charset="0"/>
-                <a:ea typeface="ヒラギノ角ゴ ProN W6" charset="0"/>
-                <a:cs typeface="ヒラギノ角ゴ ProN W6" charset="0"/>
-                <a:sym typeface="Arial Bold" charset="0"/>
-              </a:defRPr>
-            </a:lvl1pPr>
-            <a:lvl2pPr marL="742950" indent="-285750" eaLnBrk="0" hangingPunct="0">
-              <a:defRPr>
-                <a:solidFill>
-                  <a:srgbClr val="000000"/>
-                </a:solidFill>
-                <a:latin typeface="Arial Bold" charset="0"/>
-                <a:ea typeface="ヒラギノ角ゴ ProN W6" charset="0"/>
-                <a:cs typeface="ヒラギノ角ゴ ProN W6" charset="0"/>
-                <a:sym typeface="Arial Bold" charset="0"/>
-              </a:defRPr>
-            </a:lvl2pPr>
-            <a:lvl3pPr marL="1143000" indent="-228600" eaLnBrk="0" hangingPunct="0">
-              <a:defRPr>
-                <a:solidFill>
-                  <a:srgbClr val="000000"/>
-                </a:solidFill>
-                <a:latin typeface="Arial Bold" charset="0"/>
-                <a:ea typeface="ヒラギノ角ゴ ProN W6" charset="0"/>
-                <a:cs typeface="ヒラギノ角ゴ ProN W6" charset="0"/>
-                <a:sym typeface="Arial Bold" charset="0"/>
-              </a:defRPr>
-            </a:lvl3pPr>
-            <a:lvl4pPr marL="1600200" indent="-228600" eaLnBrk="0" hangingPunct="0">
-              <a:defRPr>
-                <a:solidFill>
-                  <a:srgbClr val="000000"/>
-                </a:solidFill>
-                <a:latin typeface="Arial Bold" charset="0"/>
-                <a:ea typeface="ヒラギノ角ゴ ProN W6" charset="0"/>
-                <a:cs typeface="ヒラギノ角ゴ ProN W6" charset="0"/>
-                <a:sym typeface="Arial Bold" charset="0"/>
-              </a:defRPr>
-            </a:lvl4pPr>
-            <a:lvl5pPr marL="2057400" indent="-228600" eaLnBrk="0" hangingPunct="0">
-              <a:defRPr>
-                <a:solidFill>
-                  <a:srgbClr val="000000"/>
-                </a:solidFill>
-                <a:latin typeface="Arial Bold" charset="0"/>
-                <a:ea typeface="ヒラギノ角ゴ ProN W6" charset="0"/>
-                <a:cs typeface="ヒラギノ角ゴ ProN W6" charset="0"/>
-                <a:sym typeface="Arial Bold" charset="0"/>
-              </a:defRPr>
-            </a:lvl5pPr>
-            <a:lvl6pPr marL="2514600" indent="-228600" eaLnBrk="0" fontAlgn="base" hangingPunct="0">
-              <a:spcBef>
-                <a:spcPct val="0"/>
-              </a:spcBef>
-              <a:spcAft>
-                <a:spcPct val="0"/>
-              </a:spcAft>
-              <a:defRPr>
-                <a:solidFill>
-                  <a:srgbClr val="000000"/>
-                </a:solidFill>
-                <a:latin typeface="Arial Bold" charset="0"/>
-                <a:ea typeface="ヒラギノ角ゴ ProN W6" charset="0"/>
-                <a:cs typeface="ヒラギノ角ゴ ProN W6" charset="0"/>
-                <a:sym typeface="Arial Bold" charset="0"/>
-              </a:defRPr>
-            </a:lvl6pPr>
-            <a:lvl7pPr marL="2971800" indent="-228600" eaLnBrk="0" fontAlgn="base" hangingPunct="0">
-              <a:spcBef>
-                <a:spcPct val="0"/>
-              </a:spcBef>
-              <a:spcAft>
-                <a:spcPct val="0"/>
-              </a:spcAft>
-              <a:defRPr>
-                <a:solidFill>
-                  <a:srgbClr val="000000"/>
-                </a:solidFill>
-                <a:latin typeface="Arial Bold" charset="0"/>
-                <a:ea typeface="ヒラギノ角ゴ ProN W6" charset="0"/>
-                <a:cs typeface="ヒラギノ角ゴ ProN W6" charset="0"/>
-                <a:sym typeface="Arial Bold" charset="0"/>
-              </a:defRPr>
-            </a:lvl7pPr>
-            <a:lvl8pPr marL="3429000" indent="-228600" eaLnBrk="0" fontAlgn="base" hangingPunct="0">
-              <a:spcBef>
-                <a:spcPct val="0"/>
-              </a:spcBef>
-              <a:spcAft>
-                <a:spcPct val="0"/>
-              </a:spcAft>
-              <a:defRPr>
-                <a:solidFill>
-                  <a:srgbClr val="000000"/>
-                </a:solidFill>
-                <a:latin typeface="Arial Bold" charset="0"/>
-                <a:ea typeface="ヒラギノ角ゴ ProN W6" charset="0"/>
-                <a:cs typeface="ヒラギノ角ゴ ProN W6" charset="0"/>
-                <a:sym typeface="Arial Bold" charset="0"/>
-              </a:defRPr>
-            </a:lvl8pPr>
-            <a:lvl9pPr marL="3886200" indent="-228600" eaLnBrk="0" fontAlgn="base" hangingPunct="0">
-              <a:spcBef>
-                <a:spcPct val="0"/>
-              </a:spcBef>
-              <a:spcAft>
-                <a:spcPct val="0"/>
-              </a:spcAft>
-              <a:defRPr>
-                <a:solidFill>
-                  <a:srgbClr val="000000"/>
-                </a:solidFill>
-                <a:latin typeface="Arial Bold" charset="0"/>
-                <a:ea typeface="ヒラギノ角ゴ ProN W6" charset="0"/>
-                <a:cs typeface="ヒラギノ角ゴ ProN W6" charset="0"/>
-                <a:sym typeface="Arial Bold" charset="0"/>
-              </a:defRPr>
-            </a:lvl9pPr>
-          </a:lstStyle>
-          <a:p>
-            <a:pPr eaLnBrk="1" hangingPunct="1"/>
-            <a:fld id="{2F9FA2DA-42F7-45E4-B768-1F6C6F229AEA}" type="slidenum">
-              <a:rPr lang="en-US" smtClean="0">
-                <a:solidFill>
-                  <a:schemeClr val="tx1"/>
-                </a:solidFill>
-                <a:latin typeface="Arial" charset="0"/>
-                <a:cs typeface="Arial" charset="0"/>
-                <a:sym typeface="Arial" charset="0"/>
-              </a:rPr>
-              <a:pPr eaLnBrk="1" hangingPunct="1"/>
-              <a:t>15</a:t>
-            </a:fld>
-            <a:endParaRPr lang="en-US" smtClean="0">
-              <a:solidFill>
-                <a:schemeClr val="tx1"/>
-              </a:solidFill>
-              <a:latin typeface="Arial" charset="0"/>
-              <a:cs typeface="Arial" charset="0"/>
-              <a:sym typeface="Arial" charset="0"/>
-            </a:endParaRPr>
-          </a:p>
-        </p:txBody>
-      </p:sp>
-      <p:sp>
-        <p:nvSpPr>
-          <p:cNvPr id="6148" name="Content Placeholder 3"/>
-          <p:cNvSpPr>
-            <a:spLocks noGrp="1"/>
-          </p:cNvSpPr>
-          <p:nvPr>
-            <p:ph sz="quarter" idx="1"/>
-          </p:nvPr>
-        </p:nvSpPr>
-        <p:spPr/>
-        <p:txBody>
-          <a:bodyPr/>
-          <a:lstStyle/>
-          <a:p>
-            <a:r>
-              <a:rPr lang="en-US" smtClean="0"/>
-              <a:t>on blackboard</a:t>
-            </a:r>
-          </a:p>
-        </p:txBody>
-      </p:sp>
-    </p:spTree>
-    <p:extLst>
-      <p:ext uri="{BB962C8B-B14F-4D97-AF65-F5344CB8AC3E}">
-        <p14:creationId xmlns:p14="http://schemas.microsoft.com/office/powerpoint/2010/main" val="1175643071"/>
+        <p14:creationId xmlns:p14="http://schemas.microsoft.com/office/powerpoint/2010/main" val="1210299799"/>
       </p:ext>
     </p:extLst>
   </p:cSld>
@@ -7206,23 +5032,23 @@
           <a:p>
             <a:r>
               <a:rPr lang="en-US" sz="2400" dirty="0" smtClean="0"/>
-              <a:t>Build </a:t>
+              <a:t>Build an interactive course scheduling web application that would serve as an interface </a:t>
             </a:r>
             <a:r>
               <a:rPr lang="en-US" sz="2400" dirty="0" smtClean="0"/>
-              <a:t>an interactive course scheduling web application that would serve as an interface between a institution's </a:t>
-            </a:r>
-            <a:r>
-              <a:rPr lang="en-US" sz="2400" dirty="0" err="1" smtClean="0"/>
-              <a:t>registar</a:t>
+              <a:t>among an </a:t>
             </a:r>
             <a:r>
               <a:rPr lang="en-US" sz="2400" dirty="0" smtClean="0"/>
-              <a:t> and </a:t>
+              <a:t>institution's </a:t>
             </a:r>
             <a:r>
               <a:rPr lang="en-US" sz="2400" dirty="0" smtClean="0"/>
-              <a:t>students</a:t>
+              <a:t>registrar, instructors/faculty, </a:t>
+            </a:r>
+            <a:r>
+              <a:rPr lang="en-US" sz="2400" dirty="0" smtClean="0"/>
+              <a:t>and students</a:t>
             </a:r>
           </a:p>
           <a:p>
@@ -7522,8 +5348,13 @@
             </a:r>
             <a:r>
               <a:rPr lang="en-US" sz="2400" dirty="0" smtClean="0"/>
-              <a:t>Add/Delete Course from Schedule</a:t>
-            </a:r>
+              <a:t>Add/Delete Course from </a:t>
+            </a:r>
+            <a:r>
+              <a:rPr lang="en-US" sz="2400" dirty="0" smtClean="0"/>
+              <a:t>Schedule</a:t>
+            </a:r>
+            <a:endParaRPr lang="en-US" sz="2100" dirty="0" smtClean="0"/>
           </a:p>
           <a:p>
             <a:endParaRPr lang="en-US" sz="2400" dirty="0"/>
@@ -7620,7 +5451,6 @@
               <a:rPr lang="en-US" dirty="0" smtClean="0"/>
               <a:t>Stories/Software Process</a:t>
             </a:r>
-            <a:endParaRPr lang="en-US" dirty="0" smtClean="0"/>
           </a:p>
         </p:txBody>
       </p:sp>
@@ -8238,8 +6068,8 @@
         </p:nvSpPr>
         <p:spPr>
           <a:xfrm>
-            <a:off x="1442923" y="3182412"/>
-            <a:ext cx="990600" cy="369332"/>
+            <a:off x="1442922" y="3182412"/>
+            <a:ext cx="1452677" cy="369332"/>
           </a:xfrm>
           <a:prstGeom prst="rect">
             <a:avLst/>
@@ -8254,7 +6084,7 @@
           <a:p>
             <a:r>
               <a:rPr lang="en-US" dirty="0" smtClean="0"/>
-              <a:t>Backend</a:t>
+              <a:t>GUI/Backend</a:t>
             </a:r>
             <a:endParaRPr lang="en-US" dirty="0"/>
           </a:p>
@@ -8433,8 +6263,8 @@
           <a:lstStyle/>
           <a:p>
             <a:r>
-              <a:rPr lang="en-US" dirty="0" smtClean="0"/>
-              <a:t>Backend</a:t>
+              <a:rPr lang="en-US" dirty="0"/>
+              <a:t>GUI/Backend</a:t>
             </a:r>
             <a:endParaRPr lang="en-US" dirty="0"/>
           </a:p>
@@ -8633,8 +6463,8 @@
           <a:lstStyle/>
           <a:p>
             <a:r>
-              <a:rPr lang="en-US" dirty="0" smtClean="0"/>
-              <a:t>Backend</a:t>
+              <a:rPr lang="en-US" dirty="0"/>
+              <a:t>GUI/Backend</a:t>
             </a:r>
             <a:endParaRPr lang="en-US" dirty="0"/>
           </a:p>
@@ -8928,96 +6758,100 @@
         <p:spPr/>
         <p:txBody>
           <a:bodyPr>
-            <a:normAutofit fontScale="92500" lnSpcReduction="10000"/>
+            <a:normAutofit/>
           </a:bodyPr>
           <a:lstStyle/>
           <a:p>
             <a:r>
               <a:rPr lang="en-US" sz="2400" dirty="0" smtClean="0"/>
-              <a:t>Each presentation should explicitly contain:</a:t>
-            </a:r>
-          </a:p>
-          <a:p>
-            <a:pPr lvl="1"/>
-            <a:r>
-              <a:rPr lang="en-US" sz="2000" dirty="0" smtClean="0"/>
-              <a:t>Aim of project</a:t>
-            </a:r>
-          </a:p>
-          <a:p>
-            <a:pPr lvl="1"/>
-            <a:r>
-              <a:rPr lang="en-US" sz="2000" dirty="0" smtClean="0"/>
-              <a:t>Motivation - Why is it an interesting problem? Why did you bother? Why should we care?</a:t>
-            </a:r>
-          </a:p>
-          <a:p>
-            <a:pPr lvl="1"/>
-            <a:r>
-              <a:rPr lang="en-US" sz="2000" dirty="0" smtClean="0"/>
-              <a:t>Main stories for the project</a:t>
-            </a:r>
-          </a:p>
-          <a:p>
-            <a:pPr lvl="1"/>
-            <a:r>
-              <a:rPr lang="en-US" sz="2000" dirty="0" smtClean="0"/>
-              <a:t>Software process – How did you breakup work? Who did what? How was management done? </a:t>
-            </a:r>
-          </a:p>
-          <a:p>
-            <a:pPr lvl="1"/>
-            <a:r>
-              <a:rPr lang="en-US" sz="2000" dirty="0" smtClean="0"/>
-              <a:t>Lead to the solution through your user stories/Use Cases</a:t>
-            </a:r>
-          </a:p>
-          <a:p>
-            <a:pPr lvl="1"/>
-            <a:r>
-              <a:rPr lang="en-US" sz="2000" dirty="0" smtClean="0"/>
-              <a:t>Data models</a:t>
-            </a:r>
-          </a:p>
-          <a:p>
-            <a:pPr lvl="1"/>
-            <a:r>
-              <a:rPr lang="en-US" sz="2000" dirty="0" smtClean="0"/>
-              <a:t>Show us any external resources used – web services, external servers, databases, APIs, Gems, etc.</a:t>
-            </a:r>
-          </a:p>
-          <a:p>
-            <a:pPr lvl="1"/>
-            <a:r>
-              <a:rPr lang="en-US" sz="2000" dirty="0" smtClean="0"/>
-              <a:t>Show working demos</a:t>
-            </a:r>
-          </a:p>
-          <a:p>
-            <a:pPr lvl="1"/>
-            <a:r>
-              <a:rPr lang="en-US" sz="2000" dirty="0" smtClean="0"/>
-              <a:t>Mention the lessons learned from the project</a:t>
-            </a:r>
-          </a:p>
-          <a:p>
-            <a:pPr lvl="1"/>
-            <a:r>
-              <a:rPr lang="en-US" sz="2000" b="1" dirty="0" smtClean="0"/>
-              <a:t>What did you not complete from the original stories?</a:t>
-            </a:r>
-          </a:p>
-          <a:p>
-            <a:pPr lvl="1"/>
-            <a:r>
-              <a:rPr lang="en-US" sz="2000" b="1" dirty="0" smtClean="0"/>
-              <a:t>How many new stories did you add?</a:t>
-            </a:r>
-            <a:endParaRPr lang="en-US" sz="1700" b="1" dirty="0" smtClean="0"/>
-          </a:p>
-          <a:p>
-            <a:pPr lvl="1"/>
-            <a:endParaRPr lang="en-US" sz="2000" dirty="0" smtClean="0"/>
+              <a:t>Student</a:t>
+            </a:r>
+          </a:p>
+          <a:p>
+            <a:pPr marL="731520" lvl="1" indent="-457200">
+              <a:buFont typeface="+mj-lt"/>
+              <a:buAutoNum type="arabicPeriod"/>
+            </a:pPr>
+            <a:r>
+              <a:rPr lang="en-US" sz="2100" dirty="0" smtClean="0"/>
+              <a:t>Logs in</a:t>
+            </a:r>
+          </a:p>
+          <a:p>
+            <a:pPr marL="731520" lvl="1" indent="-457200">
+              <a:buFont typeface="+mj-lt"/>
+              <a:buAutoNum type="arabicPeriod"/>
+            </a:pPr>
+            <a:r>
+              <a:rPr lang="en-US" sz="2100" dirty="0" smtClean="0"/>
+              <a:t>Edits user information</a:t>
+            </a:r>
+          </a:p>
+          <a:p>
+            <a:pPr marL="731520" lvl="1" indent="-457200">
+              <a:buFont typeface="+mj-lt"/>
+              <a:buAutoNum type="arabicPeriod"/>
+            </a:pPr>
+            <a:r>
+              <a:rPr lang="en-US" sz="2100" dirty="0"/>
+              <a:t>Views available </a:t>
+            </a:r>
+            <a:r>
+              <a:rPr lang="en-US" sz="2100" dirty="0" smtClean="0"/>
+              <a:t>courses</a:t>
+            </a:r>
+          </a:p>
+          <a:p>
+            <a:pPr marL="731520" lvl="1" indent="-457200">
+              <a:buFont typeface="+mj-lt"/>
+              <a:buAutoNum type="arabicPeriod"/>
+            </a:pPr>
+            <a:r>
+              <a:rPr lang="en-US" sz="2100" dirty="0" smtClean="0"/>
+              <a:t>Adds course(s) to schedule</a:t>
+            </a:r>
+          </a:p>
+          <a:p>
+            <a:pPr marL="274320" lvl="1" indent="0">
+              <a:buNone/>
+            </a:pPr>
+            <a:endParaRPr lang="en-US" sz="2100" dirty="0" smtClean="0"/>
+          </a:p>
+          <a:p>
+            <a:r>
+              <a:rPr lang="en-US" sz="2400" dirty="0" smtClean="0"/>
+              <a:t>Instructor</a:t>
+            </a:r>
+          </a:p>
+          <a:p>
+            <a:pPr marL="731520" lvl="1" indent="-457200">
+              <a:buFont typeface="+mj-lt"/>
+              <a:buAutoNum type="arabicPeriod"/>
+            </a:pPr>
+            <a:r>
+              <a:rPr lang="en-US" sz="2100" dirty="0" smtClean="0"/>
+              <a:t>Logs in</a:t>
+            </a:r>
+          </a:p>
+          <a:p>
+            <a:pPr marL="731520" lvl="1" indent="-457200">
+              <a:buFont typeface="+mj-lt"/>
+              <a:buAutoNum type="arabicPeriod"/>
+            </a:pPr>
+            <a:r>
+              <a:rPr lang="en-US" sz="2100" dirty="0" smtClean="0"/>
+              <a:t>Views students taking his/her course(s)</a:t>
+            </a:r>
+          </a:p>
+          <a:p>
+            <a:pPr marL="731520" lvl="1" indent="-457200">
+              <a:buFont typeface="+mj-lt"/>
+              <a:buAutoNum type="arabicPeriod"/>
+            </a:pPr>
+            <a:r>
+              <a:rPr lang="en-US" sz="2100" dirty="0" smtClean="0"/>
+              <a:t>Edits course information</a:t>
+            </a:r>
           </a:p>
         </p:txBody>
       </p:sp>
@@ -9076,8 +6910,13 @@
           <a:p>
             <a:r>
               <a:rPr lang="en-US" dirty="0" smtClean="0"/>
-              <a:t>Data Models</a:t>
-            </a:r>
+              <a:t>Use </a:t>
+            </a:r>
+            <a:r>
+              <a:rPr lang="en-US" dirty="0" smtClean="0"/>
+              <a:t>Cases (cont’d)</a:t>
+            </a:r>
+            <a:endParaRPr lang="en-US" dirty="0" smtClean="0"/>
           </a:p>
         </p:txBody>
       </p:sp>
@@ -9283,28 +7122,84 @@
           </a:bodyPr>
           <a:lstStyle/>
           <a:p>
-            <a:pPr lvl="1"/>
-            <a:r>
-              <a:rPr lang="en-US" sz="2000" dirty="0" smtClean="0"/>
-              <a:t>Data </a:t>
-            </a:r>
-            <a:r>
-              <a:rPr lang="en-US" sz="2000" dirty="0" smtClean="0"/>
-              <a:t>models</a:t>
-            </a:r>
-          </a:p>
-          <a:p>
-            <a:pPr marL="274320" lvl="1" indent="0">
-              <a:buNone/>
+            <a:r>
+              <a:rPr lang="en-US" sz="2400" dirty="0" smtClean="0"/>
+              <a:t>Admin</a:t>
+            </a:r>
+          </a:p>
+          <a:p>
+            <a:pPr marL="731520" lvl="1" indent="-457200">
+              <a:buFont typeface="+mj-lt"/>
+              <a:buAutoNum type="arabicPeriod"/>
             </a:pPr>
-            <a:endParaRPr lang="en-US" sz="2000" dirty="0" smtClean="0"/>
+            <a:r>
+              <a:rPr lang="en-US" sz="2100" dirty="0" smtClean="0"/>
+              <a:t>Logs in</a:t>
+            </a:r>
+          </a:p>
+          <a:p>
+            <a:pPr marL="731520" lvl="1" indent="-457200">
+              <a:buFont typeface="+mj-lt"/>
+              <a:buAutoNum type="arabicPeriod"/>
+            </a:pPr>
+            <a:r>
+              <a:rPr lang="en-US" sz="2100" dirty="0" smtClean="0"/>
+              <a:t>Edit other user’s information</a:t>
+            </a:r>
+          </a:p>
+          <a:p>
+            <a:pPr marL="731520" lvl="1" indent="-457200">
+              <a:buFont typeface="+mj-lt"/>
+              <a:buAutoNum type="arabicPeriod"/>
+            </a:pPr>
+            <a:r>
+              <a:rPr lang="en-US" sz="2100" dirty="0" smtClean="0"/>
+              <a:t>Edit schedules for any user</a:t>
+            </a:r>
+          </a:p>
+          <a:p>
+            <a:pPr marL="731520" lvl="1" indent="-457200">
+              <a:buFont typeface="+mj-lt"/>
+              <a:buAutoNum type="arabicPeriod"/>
+            </a:pPr>
+            <a:r>
+              <a:rPr lang="en-US" sz="2100" dirty="0" smtClean="0"/>
+              <a:t>Add/delete/edit courses</a:t>
+            </a:r>
+          </a:p>
+          <a:p>
+            <a:pPr marL="731520" lvl="1" indent="-457200">
+              <a:buFont typeface="+mj-lt"/>
+              <a:buAutoNum type="arabicPeriod"/>
+            </a:pPr>
+            <a:r>
+              <a:rPr lang="en-US" sz="2100" dirty="0" smtClean="0"/>
+              <a:t>Edit/delete users</a:t>
+            </a:r>
+          </a:p>
+          <a:p>
+            <a:pPr marL="731520" lvl="1" indent="-457200">
+              <a:buFont typeface="+mj-lt"/>
+              <a:buAutoNum type="arabicPeriod"/>
+            </a:pPr>
+            <a:r>
+              <a:rPr lang="en-US" sz="2100" dirty="0" smtClean="0"/>
+              <a:t>Add/delete/edit schedules</a:t>
+            </a:r>
+          </a:p>
+          <a:p>
+            <a:pPr marL="457200" indent="-457200">
+              <a:buFont typeface="+mj-lt"/>
+              <a:buAutoNum type="arabicPeriod"/>
+            </a:pPr>
+            <a:endParaRPr lang="en-US" sz="2400" dirty="0" smtClean="0"/>
           </a:p>
         </p:txBody>
       </p:sp>
     </p:spTree>
     <p:extLst>
       <p:ext uri="{BB962C8B-B14F-4D97-AF65-F5344CB8AC3E}">
-        <p14:creationId xmlns:p14="http://schemas.microsoft.com/office/powerpoint/2010/main" val="4160903435"/>
+        <p14:creationId xmlns:p14="http://schemas.microsoft.com/office/powerpoint/2010/main" val="75004743"/>
       </p:ext>
     </p:extLst>
   </p:cSld>
@@ -9319,6 +7214,13 @@
       <p:transition spd="slow"/>
     </mc:Fallback>
   </mc:AlternateContent>
+  <p:timing>
+    <p:tnLst>
+      <p:par>
+        <p:cTn id="1" dur="indefinite" restart="never" nodeType="tmRoot"/>
+      </p:par>
+    </p:tnLst>
+  </p:timing>
 </p:sld>
 </file>
 
@@ -9356,7 +7258,7 @@
           <a:p>
             <a:r>
               <a:rPr lang="en-US" dirty="0" smtClean="0"/>
-              <a:t>External Resources Used</a:t>
+              <a:t>Data Models</a:t>
             </a:r>
           </a:p>
         </p:txBody>
@@ -9546,116 +7448,34 @@
           </a:p>
         </p:txBody>
       </p:sp>
-      <p:sp>
-        <p:nvSpPr>
-          <p:cNvPr id="4099" name="Content Placeholder 2"/>
-          <p:cNvSpPr>
-            <a:spLocks noGrp="1"/>
-          </p:cNvSpPr>
-          <p:nvPr>
-            <p:ph sz="quarter" idx="1"/>
-          </p:nvPr>
-        </p:nvSpPr>
-        <p:spPr/>
-        <p:txBody>
-          <a:bodyPr>
-            <a:normAutofit fontScale="92500" lnSpcReduction="10000"/>
-          </a:bodyPr>
-          <a:lstStyle/>
-          <a:p>
-            <a:r>
-              <a:rPr lang="en-US" sz="2400" dirty="0" smtClean="0"/>
-              <a:t>Each presentation should explicitly contain:</a:t>
-            </a:r>
-          </a:p>
-          <a:p>
-            <a:pPr lvl="1"/>
-            <a:r>
-              <a:rPr lang="en-US" sz="2000" dirty="0" smtClean="0"/>
-              <a:t>Aim of project</a:t>
-            </a:r>
-          </a:p>
-          <a:p>
-            <a:pPr lvl="1"/>
-            <a:r>
-              <a:rPr lang="en-US" sz="2000" dirty="0" smtClean="0"/>
-              <a:t>Motivation - Why is it an interesting problem? Why did you bother? Why should we care?</a:t>
-            </a:r>
-          </a:p>
-          <a:p>
-            <a:pPr lvl="1"/>
-            <a:r>
-              <a:rPr lang="en-US" sz="2000" dirty="0" smtClean="0"/>
-              <a:t>Main stories for the project</a:t>
-            </a:r>
-          </a:p>
-          <a:p>
-            <a:pPr lvl="1"/>
-            <a:r>
-              <a:rPr lang="en-US" sz="2000" dirty="0" smtClean="0"/>
-              <a:t>Software process – How did you breakup work? Who did what? How was management done? </a:t>
-            </a:r>
-          </a:p>
-          <a:p>
-            <a:pPr lvl="1"/>
-            <a:r>
-              <a:rPr lang="en-US" sz="2000" dirty="0" smtClean="0"/>
-              <a:t>Lead to the solution through your user stories/Use Cases</a:t>
-            </a:r>
-          </a:p>
-          <a:p>
-            <a:pPr lvl="1"/>
-            <a:r>
-              <a:rPr lang="en-US" sz="2000" dirty="0" smtClean="0"/>
-              <a:t>Data models</a:t>
-            </a:r>
-          </a:p>
-          <a:p>
-            <a:pPr lvl="1"/>
-            <a:r>
-              <a:rPr lang="en-US" sz="2000" dirty="0" smtClean="0"/>
-              <a:t>Show us any external resources used – web services, external servers, databases, APIs, Gems, etc.</a:t>
-            </a:r>
-          </a:p>
-          <a:p>
-            <a:pPr lvl="1"/>
-            <a:r>
-              <a:rPr lang="en-US" sz="2000" dirty="0" smtClean="0"/>
-              <a:t>Show working demos</a:t>
-            </a:r>
-          </a:p>
-          <a:p>
-            <a:pPr lvl="1"/>
-            <a:r>
-              <a:rPr lang="en-US" sz="2000" dirty="0" smtClean="0"/>
-              <a:t>Mention the lessons learned from the project</a:t>
-            </a:r>
-          </a:p>
-          <a:p>
-            <a:pPr lvl="1"/>
-            <a:r>
-              <a:rPr lang="en-US" sz="2000" b="1" dirty="0" smtClean="0"/>
-              <a:t>What did you not complete from the original stories?</a:t>
-            </a:r>
-          </a:p>
-          <a:p>
-            <a:pPr lvl="1"/>
-            <a:r>
-              <a:rPr lang="en-US" sz="2000" b="1" dirty="0" smtClean="0"/>
-              <a:t>How many new stories did you add?</a:t>
-            </a:r>
-            <a:endParaRPr lang="en-US" sz="1700" b="1" dirty="0" smtClean="0"/>
-          </a:p>
-          <a:p>
-            <a:pPr lvl="1"/>
-            <a:endParaRPr lang="en-US" sz="2000" dirty="0" smtClean="0"/>
-          </a:p>
-        </p:txBody>
-      </p:sp>
+      <p:pic>
+        <p:nvPicPr>
+          <p:cNvPr id="2" name="Picture 1"/>
+          <p:cNvPicPr>
+            <a:picLocks noChangeAspect="1"/>
+          </p:cNvPicPr>
+          <p:nvPr/>
+        </p:nvPicPr>
+        <p:blipFill>
+          <a:blip r:embed="rId2"/>
+          <a:stretch>
+            <a:fillRect/>
+          </a:stretch>
+        </p:blipFill>
+        <p:spPr>
+          <a:xfrm>
+            <a:off x="838200" y="1274836"/>
+            <a:ext cx="5805182" cy="4981575"/>
+          </a:xfrm>
+          <a:prstGeom prst="rect">
+            <a:avLst/>
+          </a:prstGeom>
+        </p:spPr>
+      </p:pic>
     </p:spTree>
     <p:extLst>
       <p:ext uri="{BB962C8B-B14F-4D97-AF65-F5344CB8AC3E}">
-        <p14:creationId xmlns:p14="http://schemas.microsoft.com/office/powerpoint/2010/main" val="224262293"/>
+        <p14:creationId xmlns:p14="http://schemas.microsoft.com/office/powerpoint/2010/main" val="4160903435"/>
       </p:ext>
     </p:extLst>
   </p:cSld>
@@ -9670,6 +7490,13 @@
       <p:transition spd="slow"/>
     </mc:Fallback>
   </mc:AlternateContent>
+  <p:timing>
+    <p:tnLst>
+      <p:par>
+        <p:cTn id="1" dur="indefinite" restart="never" nodeType="tmRoot"/>
+      </p:par>
+    </p:tnLst>
+  </p:timing>
 </p:sld>
 </file>
 
@@ -9707,7 +7534,7 @@
           <a:p>
             <a:r>
               <a:rPr lang="en-US" dirty="0" smtClean="0"/>
-              <a:t>Demo</a:t>
+              <a:t>External Resources Used</a:t>
             </a:r>
           </a:p>
         </p:txBody>
@@ -9910,103 +7737,107 @@
         <p:spPr/>
         <p:txBody>
           <a:bodyPr>
-            <a:normAutofit fontScale="92500" lnSpcReduction="10000"/>
+            <a:normAutofit/>
           </a:bodyPr>
           <a:lstStyle/>
           <a:p>
+            <a:pPr lvl="1"/>
             <a:r>
               <a:rPr lang="en-US" sz="2400" dirty="0" smtClean="0"/>
-              <a:t>Each presentation should explicitly contain:</a:t>
-            </a:r>
+              <a:t>Gems</a:t>
+            </a:r>
+          </a:p>
+          <a:p>
+            <a:pPr lvl="2"/>
+            <a:r>
+              <a:rPr lang="en-US" sz="1800" dirty="0" err="1" smtClean="0"/>
+              <a:t>Omniauth</a:t>
+            </a:r>
+            <a:endParaRPr lang="en-US" sz="1800" dirty="0" smtClean="0"/>
+          </a:p>
+          <a:p>
+            <a:pPr lvl="2"/>
+            <a:r>
+              <a:rPr lang="en-US" sz="1800" dirty="0" smtClean="0"/>
+              <a:t>Devise/</a:t>
+            </a:r>
+            <a:r>
+              <a:rPr lang="en-US" sz="1800" dirty="0" err="1" smtClean="0"/>
+              <a:t>CanCan</a:t>
+            </a:r>
+            <a:endParaRPr lang="en-US" sz="1800" dirty="0" smtClean="0"/>
           </a:p>
           <a:p>
             <a:pPr lvl="1"/>
             <a:r>
-              <a:rPr lang="en-US" sz="2000" dirty="0" smtClean="0"/>
-              <a:t>Aim of project</a:t>
+              <a:rPr lang="en-US" sz="2400" dirty="0" smtClean="0"/>
+              <a:t>Bootstrap</a:t>
+            </a:r>
+          </a:p>
+          <a:p>
+            <a:pPr lvl="2"/>
+            <a:r>
+              <a:rPr lang="en-US" sz="1800" dirty="0" smtClean="0"/>
+              <a:t>Twitter</a:t>
+            </a:r>
+          </a:p>
+          <a:p>
+            <a:pPr lvl="2"/>
+            <a:r>
+              <a:rPr lang="en-US" sz="1800" dirty="0" smtClean="0"/>
+              <a:t>Less Rails</a:t>
             </a:r>
           </a:p>
           <a:p>
             <a:pPr lvl="1"/>
             <a:r>
-              <a:rPr lang="en-US" sz="2000" dirty="0" smtClean="0"/>
-              <a:t>Motivation - Why is it an interesting problem? Why did you bother? Why should we care?</a:t>
+              <a:rPr lang="en-US" sz="2400" dirty="0" smtClean="0"/>
+              <a:t>DB</a:t>
+            </a:r>
+          </a:p>
+          <a:p>
+            <a:pPr lvl="2"/>
+            <a:r>
+              <a:rPr lang="en-US" sz="1800" dirty="0" smtClean="0"/>
+              <a:t>SQLite</a:t>
             </a:r>
           </a:p>
           <a:p>
             <a:pPr lvl="1"/>
             <a:r>
-              <a:rPr lang="en-US" sz="2000" dirty="0" smtClean="0"/>
-              <a:t>Main stories for the project</a:t>
+              <a:rPr lang="en-US" sz="2400" dirty="0" smtClean="0"/>
+              <a:t>Version Control</a:t>
+            </a:r>
+          </a:p>
+          <a:p>
+            <a:pPr lvl="2"/>
+            <a:r>
+              <a:rPr lang="en-US" sz="1800" dirty="0" err="1" smtClean="0"/>
+              <a:t>Github</a:t>
+            </a:r>
+            <a:r>
+              <a:rPr lang="en-US" sz="1800" dirty="0"/>
+              <a:t>: https://</a:t>
+            </a:r>
+            <a:r>
+              <a:rPr lang="en-US" sz="1800" dirty="0" smtClean="0"/>
+              <a:t>github.com/Polo08816/AdWebDevProjectRepo.git</a:t>
             </a:r>
           </a:p>
           <a:p>
             <a:pPr lvl="1"/>
             <a:r>
-              <a:rPr lang="en-US" sz="2000" dirty="0" smtClean="0"/>
-              <a:t>Software process – How did you breakup work? Who did what? How was management done? </a:t>
-            </a:r>
-          </a:p>
-          <a:p>
-            <a:pPr lvl="1"/>
-            <a:r>
-              <a:rPr lang="en-US" sz="2000" dirty="0" smtClean="0"/>
-              <a:t>Lead to the solution through your user stories/Use Cases</a:t>
-            </a:r>
-          </a:p>
-          <a:p>
-            <a:pPr lvl="1"/>
-            <a:r>
-              <a:rPr lang="en-US" sz="2000" dirty="0" smtClean="0"/>
-              <a:t>Data models</a:t>
-            </a:r>
-          </a:p>
-          <a:p>
-            <a:pPr lvl="1"/>
-            <a:r>
-              <a:rPr lang="en-US" sz="2000" dirty="0" smtClean="0"/>
-              <a:t>Show us any external resources used – web services, external servers, databases, APIs, Gems, etc.</a:t>
-            </a:r>
-          </a:p>
-          <a:p>
-            <a:pPr lvl="1"/>
-            <a:r>
-              <a:rPr lang="en-US" sz="2000" dirty="0" smtClean="0"/>
-              <a:t>Show working demos</a:t>
-            </a:r>
-          </a:p>
-          <a:p>
-            <a:pPr lvl="1"/>
-            <a:r>
-              <a:rPr lang="en-US" sz="2000" dirty="0" smtClean="0"/>
-              <a:t>Mention the lessons learned from the project</a:t>
-            </a:r>
-          </a:p>
-          <a:p>
-            <a:pPr lvl="1"/>
-            <a:r>
-              <a:rPr lang="en-US" sz="2000" b="1" dirty="0" smtClean="0"/>
-              <a:t>What did you not complete from the original stories?</a:t>
-            </a:r>
-          </a:p>
-          <a:p>
-            <a:pPr lvl="1"/>
-            <a:r>
-              <a:rPr lang="en-US" sz="2000" b="1" dirty="0" smtClean="0"/>
-              <a:t>How many new stories did you add?</a:t>
-            </a:r>
-            <a:endParaRPr lang="en-US" sz="1700" b="1" dirty="0" smtClean="0"/>
-          </a:p>
-          <a:p>
-            <a:pPr lvl="1"/>
-            <a:endParaRPr lang="en-US" sz="2000" dirty="0" smtClean="0"/>
+              <a:rPr lang="en-US" sz="2400" dirty="0" smtClean="0"/>
+              <a:t>AJAX</a:t>
+            </a:r>
+            <a:endParaRPr lang="en-US" sz="2400" dirty="0"/>
           </a:p>
         </p:txBody>
       </p:sp>
     </p:spTree>
     <p:extLst>
       <p:ext uri="{BB962C8B-B14F-4D97-AF65-F5344CB8AC3E}">
-        <p14:creationId xmlns:p14="http://schemas.microsoft.com/office/powerpoint/2010/main" val="2351425049"/>
+        <p14:creationId xmlns:p14="http://schemas.microsoft.com/office/powerpoint/2010/main" val="224262293"/>
       </p:ext>
     </p:extLst>
   </p:cSld>
@@ -10021,6 +7852,13 @@
       <p:transition spd="slow"/>
     </mc:Fallback>
   </mc:AlternateContent>
+  <p:timing>
+    <p:tnLst>
+      <p:par>
+        <p:cTn id="1" dur="indefinite" restart="never" nodeType="tmRoot"/>
+      </p:par>
+    </p:tnLst>
+  </p:timing>
 </p:sld>
 </file>
 

--- a/Documents/Presentation.pptx
+++ b/Documents/Presentation.pptx
@@ -484,6 +484,112 @@
     </a:lvl9pPr>
   </p:notesStyle>
 </p:notesMaster>
+</file>
+
+<file path=ppt/notesSlides/notesSlide1.xml><?xml version="1.0" encoding="utf-8"?>
+<p:notes xmlns:a="http://schemas.openxmlformats.org/drawingml/2006/main" xmlns:r="http://schemas.openxmlformats.org/officeDocument/2006/relationships" xmlns:p="http://schemas.openxmlformats.org/presentationml/2006/main">
+  <p:cSld>
+    <p:spTree>
+      <p:nvGrpSpPr>
+        <p:cNvPr id="1" name=""/>
+        <p:cNvGrpSpPr/>
+        <p:nvPr/>
+      </p:nvGrpSpPr>
+      <p:grpSpPr>
+        <a:xfrm>
+          <a:off x="0" y="0"/>
+          <a:ext cx="0" cy="0"/>
+          <a:chOff x="0" y="0"/>
+          <a:chExt cx="0" cy="0"/>
+        </a:xfrm>
+      </p:grpSpPr>
+      <p:sp>
+        <p:nvSpPr>
+          <p:cNvPr id="2" name="Slide Image Placeholder 1"/>
+          <p:cNvSpPr>
+            <a:spLocks noGrp="1" noRot="1" noChangeAspect="1"/>
+          </p:cNvSpPr>
+          <p:nvPr>
+            <p:ph type="sldImg"/>
+          </p:nvPr>
+        </p:nvSpPr>
+        <p:spPr/>
+      </p:sp>
+      <p:sp>
+        <p:nvSpPr>
+          <p:cNvPr id="3" name="Notes Placeholder 2"/>
+          <p:cNvSpPr>
+            <a:spLocks noGrp="1"/>
+          </p:cNvSpPr>
+          <p:nvPr>
+            <p:ph type="body" idx="1"/>
+          </p:nvPr>
+        </p:nvSpPr>
+        <p:spPr/>
+        <p:txBody>
+          <a:bodyPr/>
+          <a:lstStyle/>
+          <a:p>
+            <a:r>
+              <a:rPr lang="en-US" dirty="0" smtClean="0"/>
+              <a:t>Student</a:t>
+            </a:r>
+          </a:p>
+          <a:p>
+            <a:endParaRPr lang="en-US" dirty="0" smtClean="0"/>
+          </a:p>
+          <a:p>
+            <a:r>
+              <a:rPr lang="en-US" dirty="0" smtClean="0"/>
+              <a:t>Instructor</a:t>
+            </a:r>
+          </a:p>
+          <a:p>
+            <a:endParaRPr lang="en-US" dirty="0" smtClean="0"/>
+          </a:p>
+          <a:p>
+            <a:r>
+              <a:rPr lang="en-US" dirty="0" smtClean="0"/>
+              <a:t>Admin</a:t>
+            </a:r>
+            <a:endParaRPr lang="en-US" dirty="0"/>
+          </a:p>
+        </p:txBody>
+      </p:sp>
+      <p:sp>
+        <p:nvSpPr>
+          <p:cNvPr id="4" name="Slide Number Placeholder 3"/>
+          <p:cNvSpPr>
+            <a:spLocks noGrp="1"/>
+          </p:cNvSpPr>
+          <p:nvPr>
+            <p:ph type="sldNum" sz="quarter" idx="10"/>
+          </p:nvPr>
+        </p:nvSpPr>
+        <p:spPr/>
+        <p:txBody>
+          <a:bodyPr/>
+          <a:lstStyle/>
+          <a:p>
+            <a:fld id="{E5F7F355-DF31-44BD-ACE7-02B125FE48B2}" type="slidenum">
+              <a:rPr lang="en-US" smtClean="0"/>
+              <a:t>10</a:t>
+            </a:fld>
+            <a:endParaRPr lang="en-US"/>
+          </a:p>
+        </p:txBody>
+      </p:sp>
+    </p:spTree>
+    <p:extLst>
+      <p:ext uri="{BB962C8B-B14F-4D97-AF65-F5344CB8AC3E}">
+        <p14:creationId xmlns:p14="http://schemas.microsoft.com/office/powerpoint/2010/main" val="1162741827"/>
+      </p:ext>
+    </p:extLst>
+  </p:cSld>
+  <p:clrMapOvr>
+    <a:masterClrMapping/>
+  </p:clrMapOvr>
+</p:notes>
 </file>
 
 <file path=ppt/slideLayouts/slideLayout1.xml><?xml version="1.0" encoding="utf-8"?>
@@ -4743,10 +4849,28 @@
           <a:lstStyle/>
           <a:p>
             <a:pPr lvl="1"/>
+            <a:endParaRPr lang="en-US" sz="2000" dirty="0" smtClean="0"/>
+          </a:p>
+          <a:p>
+            <a:pPr lvl="1"/>
             <a:r>
               <a:rPr lang="en-US" sz="2000" dirty="0" smtClean="0"/>
-              <a:t>Gems don’t always make things easier – particularly simple functionality</a:t>
-            </a:r>
+              <a:t>Gems </a:t>
+            </a:r>
+            <a:r>
+              <a:rPr lang="en-US" sz="2000" dirty="0" smtClean="0"/>
+              <a:t>don’t always make things easier – particularly simple </a:t>
+            </a:r>
+            <a:r>
+              <a:rPr lang="en-US" sz="2000" dirty="0" smtClean="0"/>
+              <a:t>functionality</a:t>
+            </a:r>
+          </a:p>
+          <a:p>
+            <a:pPr marL="274320" lvl="1" indent="0">
+              <a:buNone/>
+            </a:pPr>
+            <a:endParaRPr lang="en-US" sz="2000" dirty="0" smtClean="0"/>
           </a:p>
           <a:p>
             <a:pPr lvl="1"/>
@@ -4754,7 +4878,6 @@
               <a:rPr lang="en-US" sz="2000" dirty="0" smtClean="0"/>
               <a:t>Adding functionality broke existing features.  Importance of full thread/system testing in addition to unit testing.</a:t>
             </a:r>
-            <a:endParaRPr lang="en-US" sz="2000" dirty="0" smtClean="0"/>
           </a:p>
         </p:txBody>
       </p:sp>
@@ -5032,23 +5155,7 @@
           <a:p>
             <a:r>
               <a:rPr lang="en-US" sz="2400" dirty="0" smtClean="0"/>
-              <a:t>Build an interactive course scheduling web application that would serve as an interface </a:t>
-            </a:r>
-            <a:r>
-              <a:rPr lang="en-US" sz="2400" dirty="0" smtClean="0"/>
-              <a:t>among an </a:t>
-            </a:r>
-            <a:r>
-              <a:rPr lang="en-US" sz="2400" dirty="0" smtClean="0"/>
-              <a:t>institution's </a:t>
-            </a:r>
-            <a:r>
-              <a:rPr lang="en-US" sz="2400" dirty="0" smtClean="0"/>
-              <a:t>registrar, instructors/faculty, </a:t>
-            </a:r>
-            <a:r>
-              <a:rPr lang="en-US" sz="2400" dirty="0" smtClean="0"/>
-              <a:t>and students</a:t>
+              <a:t>Build an interactive course scheduling web application that would serve as an interface among an institution's registrar, instructors/faculty, and students</a:t>
             </a:r>
           </a:p>
           <a:p>
@@ -5348,11 +5455,7 @@
             </a:r>
             <a:r>
               <a:rPr lang="en-US" sz="2400" dirty="0" smtClean="0"/>
-              <a:t>Add/Delete Course from </a:t>
-            </a:r>
-            <a:r>
-              <a:rPr lang="en-US" sz="2400" dirty="0" smtClean="0"/>
-              <a:t>Schedule</a:t>
+              <a:t>Add/Delete Course from Schedule</a:t>
             </a:r>
             <a:endParaRPr lang="en-US" sz="2100" dirty="0" smtClean="0"/>
           </a:p>
@@ -5917,8 +6020,8 @@
           <p:nvPr/>
         </p:nvSpPr>
         <p:spPr>
-          <a:xfrm>
-            <a:off x="1442923" y="1893887"/>
+          <a:xfrm rot="2196159">
+            <a:off x="1054908" y="3176761"/>
             <a:ext cx="990600" cy="152400"/>
           </a:xfrm>
           <a:prstGeom prst="rightArrow">
@@ -5952,13 +6055,13 @@
       </p:sp>
       <p:sp>
         <p:nvSpPr>
-          <p:cNvPr id="8" name="Right Arrow 7"/>
+          <p:cNvPr id="9" name="Right Arrow 8"/>
           <p:cNvSpPr/>
           <p:nvPr/>
         </p:nvSpPr>
         <p:spPr>
           <a:xfrm>
-            <a:off x="1442923" y="3674517"/>
+            <a:off x="443089" y="3662611"/>
             <a:ext cx="990600" cy="152400"/>
           </a:xfrm>
           <a:prstGeom prst="rightArrow">
@@ -5992,13 +6095,103 @@
       </p:sp>
       <p:sp>
         <p:nvSpPr>
-          <p:cNvPr id="9" name="Right Arrow 8"/>
+          <p:cNvPr id="5" name="TextBox 4"/>
+          <p:cNvSpPr txBox="1"/>
+          <p:nvPr/>
+        </p:nvSpPr>
+        <p:spPr>
+          <a:xfrm>
+            <a:off x="723711" y="2572806"/>
+            <a:ext cx="766878" cy="369332"/>
+          </a:xfrm>
+          <a:prstGeom prst="rect">
+            <a:avLst/>
+          </a:prstGeom>
+          <a:noFill/>
+        </p:spPr>
+        <p:txBody>
+          <a:bodyPr wrap="square" rtlCol="0">
+            <a:spAutoFit/>
+          </a:bodyPr>
+          <a:lstStyle/>
+          <a:p>
+            <a:r>
+              <a:rPr lang="en-US" dirty="0" smtClean="0"/>
+              <a:t>Gems</a:t>
+            </a:r>
+            <a:endParaRPr lang="en-US" dirty="0"/>
+          </a:p>
+        </p:txBody>
+      </p:sp>
+      <p:sp>
+        <p:nvSpPr>
+          <p:cNvPr id="11" name="TextBox 10"/>
+          <p:cNvSpPr txBox="1"/>
+          <p:nvPr/>
+        </p:nvSpPr>
+        <p:spPr>
+          <a:xfrm>
+            <a:off x="1239258" y="4705965"/>
+            <a:ext cx="1270198" cy="369332"/>
+          </a:xfrm>
+          <a:prstGeom prst="rect">
+            <a:avLst/>
+          </a:prstGeom>
+          <a:noFill/>
+        </p:spPr>
+        <p:txBody>
+          <a:bodyPr wrap="square" rtlCol="0">
+            <a:spAutoFit/>
+          </a:bodyPr>
+          <a:lstStyle/>
+          <a:p>
+            <a:r>
+              <a:rPr lang="en-US" dirty="0" smtClean="0"/>
+              <a:t>DB/Schema</a:t>
+            </a:r>
+            <a:endParaRPr lang="en-US" dirty="0"/>
+          </a:p>
+        </p:txBody>
+      </p:sp>
+      <p:sp>
+        <p:nvSpPr>
+          <p:cNvPr id="12" name="TextBox 11"/>
+          <p:cNvSpPr txBox="1"/>
+          <p:nvPr/>
+        </p:nvSpPr>
+        <p:spPr>
+          <a:xfrm>
+            <a:off x="669250" y="3236716"/>
+            <a:ext cx="538278" cy="369332"/>
+          </a:xfrm>
+          <a:prstGeom prst="rect">
+            <a:avLst/>
+          </a:prstGeom>
+          <a:noFill/>
+        </p:spPr>
+        <p:txBody>
+          <a:bodyPr wrap="square" rtlCol="0">
+            <a:spAutoFit/>
+          </a:bodyPr>
+          <a:lstStyle/>
+          <a:p>
+            <a:r>
+              <a:rPr lang="en-US" dirty="0" err="1" smtClean="0"/>
+              <a:t>Git</a:t>
+            </a:r>
+            <a:endParaRPr lang="en-US" dirty="0"/>
+          </a:p>
+        </p:txBody>
+      </p:sp>
+      <p:sp>
+        <p:nvSpPr>
+          <p:cNvPr id="13" name="Right Arrow 12"/>
           <p:cNvSpPr/>
           <p:nvPr/>
         </p:nvSpPr>
         <p:spPr>
-          <a:xfrm>
-            <a:off x="1442923" y="5376863"/>
+          <a:xfrm rot="19073066">
+            <a:off x="2192055" y="4212350"/>
             <a:ext cx="990600" cy="152400"/>
           </a:xfrm>
           <a:prstGeom prst="rightArrow">
@@ -6032,103 +6225,13 @@
       </p:sp>
       <p:sp>
         <p:nvSpPr>
-          <p:cNvPr id="5" name="TextBox 4"/>
-          <p:cNvSpPr txBox="1"/>
-          <p:nvPr/>
-        </p:nvSpPr>
-        <p:spPr>
-          <a:xfrm>
-            <a:off x="1442922" y="1447800"/>
-            <a:ext cx="1833677" cy="369332"/>
-          </a:xfrm>
-          <a:prstGeom prst="rect">
-            <a:avLst/>
-          </a:prstGeom>
-          <a:noFill/>
-        </p:spPr>
-        <p:txBody>
-          <a:bodyPr wrap="square" rtlCol="0">
-            <a:spAutoFit/>
-          </a:bodyPr>
-          <a:lstStyle/>
-          <a:p>
-            <a:r>
-              <a:rPr lang="en-US" dirty="0" smtClean="0"/>
-              <a:t>Gems</a:t>
-            </a:r>
-            <a:endParaRPr lang="en-US" dirty="0"/>
-          </a:p>
-        </p:txBody>
-      </p:sp>
-      <p:sp>
-        <p:nvSpPr>
-          <p:cNvPr id="11" name="TextBox 10"/>
-          <p:cNvSpPr txBox="1"/>
-          <p:nvPr/>
-        </p:nvSpPr>
-        <p:spPr>
-          <a:xfrm>
-            <a:off x="1442922" y="3182412"/>
-            <a:ext cx="1452677" cy="369332"/>
-          </a:xfrm>
-          <a:prstGeom prst="rect">
-            <a:avLst/>
-          </a:prstGeom>
-          <a:noFill/>
-        </p:spPr>
-        <p:txBody>
-          <a:bodyPr wrap="square" rtlCol="0">
-            <a:spAutoFit/>
-          </a:bodyPr>
-          <a:lstStyle/>
-          <a:p>
-            <a:r>
-              <a:rPr lang="en-US" dirty="0" smtClean="0"/>
-              <a:t>GUI/Backend</a:t>
-            </a:r>
-            <a:endParaRPr lang="en-US" dirty="0"/>
-          </a:p>
-        </p:txBody>
-      </p:sp>
-      <p:sp>
-        <p:nvSpPr>
-          <p:cNvPr id="12" name="TextBox 11"/>
-          <p:cNvSpPr txBox="1"/>
-          <p:nvPr/>
-        </p:nvSpPr>
-        <p:spPr>
-          <a:xfrm>
-            <a:off x="1442922" y="4906968"/>
-            <a:ext cx="1452678" cy="369332"/>
-          </a:xfrm>
-          <a:prstGeom prst="rect">
-            <a:avLst/>
-          </a:prstGeom>
-          <a:noFill/>
-        </p:spPr>
-        <p:txBody>
-          <a:bodyPr wrap="square" rtlCol="0">
-            <a:spAutoFit/>
-          </a:bodyPr>
-          <a:lstStyle/>
-          <a:p>
-            <a:r>
-              <a:rPr lang="en-US" dirty="0" err="1" smtClean="0"/>
-              <a:t>Git</a:t>
-            </a:r>
-            <a:endParaRPr lang="en-US" dirty="0"/>
-          </a:p>
-        </p:txBody>
-      </p:sp>
-      <p:sp>
-        <p:nvSpPr>
-          <p:cNvPr id="13" name="Right Arrow 12"/>
+          <p:cNvPr id="14" name="Right Arrow 13"/>
           <p:cNvSpPr/>
           <p:nvPr/>
         </p:nvSpPr>
         <p:spPr>
-          <a:xfrm rot="1645522">
-            <a:off x="2875031" y="3889614"/>
+          <a:xfrm rot="19260074">
+            <a:off x="3142571" y="4194576"/>
             <a:ext cx="990600" cy="152400"/>
           </a:xfrm>
           <a:prstGeom prst="rightArrow">
@@ -6162,14 +6265,14 @@
       </p:sp>
       <p:sp>
         <p:nvSpPr>
-          <p:cNvPr id="14" name="Right Arrow 13"/>
+          <p:cNvPr id="7" name="Right Arrow 6"/>
           <p:cNvSpPr/>
           <p:nvPr/>
         </p:nvSpPr>
         <p:spPr>
-          <a:xfrm rot="19260074">
-            <a:off x="2916882" y="5082149"/>
-            <a:ext cx="990600" cy="152400"/>
+          <a:xfrm>
+            <a:off x="1638671" y="3583850"/>
+            <a:ext cx="6268970" cy="264312"/>
           </a:xfrm>
           <a:prstGeom prst="rightArrow">
             <a:avLst/>
@@ -6202,14 +6305,163 @@
       </p:sp>
       <p:sp>
         <p:nvSpPr>
-          <p:cNvPr id="6" name="Right Arrow 5"/>
+          <p:cNvPr id="18" name="TextBox 17"/>
+          <p:cNvSpPr txBox="1"/>
+          <p:nvPr/>
+        </p:nvSpPr>
+        <p:spPr>
+          <a:xfrm>
+            <a:off x="2675241" y="4705965"/>
+            <a:ext cx="1676400" cy="369332"/>
+          </a:xfrm>
+          <a:prstGeom prst="rect">
+            <a:avLst/>
+          </a:prstGeom>
+          <a:noFill/>
+        </p:spPr>
+        <p:txBody>
+          <a:bodyPr wrap="square" rtlCol="0">
+            <a:spAutoFit/>
+          </a:bodyPr>
+          <a:lstStyle/>
+          <a:p>
+            <a:r>
+              <a:rPr lang="en-US" dirty="0" smtClean="0"/>
+              <a:t>DB/Seed Data</a:t>
+            </a:r>
+            <a:endParaRPr lang="en-US" dirty="0"/>
+          </a:p>
+        </p:txBody>
+      </p:sp>
+      <p:sp>
+        <p:nvSpPr>
+          <p:cNvPr id="19" name="TextBox 18"/>
+          <p:cNvSpPr txBox="1"/>
+          <p:nvPr/>
+        </p:nvSpPr>
+        <p:spPr>
+          <a:xfrm>
+            <a:off x="1629458" y="2565465"/>
+            <a:ext cx="690678" cy="369332"/>
+          </a:xfrm>
+          <a:prstGeom prst="rect">
+            <a:avLst/>
+          </a:prstGeom>
+          <a:noFill/>
+        </p:spPr>
+        <p:txBody>
+          <a:bodyPr wrap="square" rtlCol="0">
+            <a:spAutoFit/>
+          </a:bodyPr>
+          <a:lstStyle/>
+          <a:p>
+            <a:r>
+              <a:rPr lang="en-US" dirty="0" smtClean="0"/>
+              <a:t>Login</a:t>
+            </a:r>
+            <a:endParaRPr lang="en-US" dirty="0"/>
+          </a:p>
+        </p:txBody>
+      </p:sp>
+      <p:sp>
+        <p:nvSpPr>
+          <p:cNvPr id="21" name="TextBox 20"/>
+          <p:cNvSpPr txBox="1"/>
+          <p:nvPr/>
+        </p:nvSpPr>
+        <p:spPr>
+          <a:xfrm>
+            <a:off x="3637871" y="2572806"/>
+            <a:ext cx="2076482" cy="369332"/>
+          </a:xfrm>
+          <a:prstGeom prst="rect">
+            <a:avLst/>
+          </a:prstGeom>
+          <a:noFill/>
+        </p:spPr>
+        <p:txBody>
+          <a:bodyPr wrap="square" rtlCol="0">
+            <a:spAutoFit/>
+          </a:bodyPr>
+          <a:lstStyle/>
+          <a:p>
+            <a:r>
+              <a:rPr lang="en-US" dirty="0" smtClean="0"/>
+              <a:t>User Permissions</a:t>
+            </a:r>
+            <a:endParaRPr lang="en-US" dirty="0"/>
+          </a:p>
+        </p:txBody>
+      </p:sp>
+      <p:sp>
+        <p:nvSpPr>
+          <p:cNvPr id="22" name="TextBox 21"/>
+          <p:cNvSpPr txBox="1"/>
+          <p:nvPr/>
+        </p:nvSpPr>
+        <p:spPr>
+          <a:xfrm>
+            <a:off x="3806213" y="3352800"/>
+            <a:ext cx="1452678" cy="369332"/>
+          </a:xfrm>
+          <a:prstGeom prst="rect">
+            <a:avLst/>
+          </a:prstGeom>
+          <a:noFill/>
+        </p:spPr>
+        <p:txBody>
+          <a:bodyPr wrap="square" rtlCol="0">
+            <a:spAutoFit/>
+          </a:bodyPr>
+          <a:lstStyle/>
+          <a:p>
+            <a:r>
+              <a:rPr lang="en-US" dirty="0"/>
+              <a:t>GUI/Backend</a:t>
+            </a:r>
+          </a:p>
+        </p:txBody>
+      </p:sp>
+      <p:sp>
+        <p:nvSpPr>
+          <p:cNvPr id="23" name="TextBox 22"/>
+          <p:cNvSpPr txBox="1"/>
+          <p:nvPr/>
+        </p:nvSpPr>
+        <p:spPr>
+          <a:xfrm>
+            <a:off x="6840841" y="3793286"/>
+            <a:ext cx="1676400" cy="369332"/>
+          </a:xfrm>
+          <a:prstGeom prst="rect">
+            <a:avLst/>
+          </a:prstGeom>
+          <a:noFill/>
+        </p:spPr>
+        <p:txBody>
+          <a:bodyPr wrap="square" rtlCol="0">
+            <a:spAutoFit/>
+          </a:bodyPr>
+          <a:lstStyle/>
+          <a:p>
+            <a:r>
+              <a:rPr lang="en-US" dirty="0" smtClean="0"/>
+              <a:t>Testing</a:t>
+            </a:r>
+            <a:endParaRPr lang="en-US" dirty="0"/>
+          </a:p>
+        </p:txBody>
+      </p:sp>
+      <p:sp>
+        <p:nvSpPr>
+          <p:cNvPr id="24" name="Right Arrow 23"/>
           <p:cNvSpPr/>
           <p:nvPr/>
         </p:nvSpPr>
         <p:spPr>
-          <a:xfrm>
-            <a:off x="4343400" y="4343400"/>
-            <a:ext cx="1524000" cy="386618"/>
+          <a:xfrm rot="2196159">
+            <a:off x="1935866" y="3176760"/>
+            <a:ext cx="990600" cy="152400"/>
           </a:xfrm>
           <a:prstGeom prst="rightArrow">
             <a:avLst/>
@@ -6242,44 +6494,14 @@
       </p:sp>
       <p:sp>
         <p:nvSpPr>
-          <p:cNvPr id="16" name="TextBox 15"/>
-          <p:cNvSpPr txBox="1"/>
-          <p:nvPr/>
-        </p:nvSpPr>
-        <p:spPr>
-          <a:xfrm>
-            <a:off x="6457918" y="3900187"/>
-            <a:ext cx="1452678" cy="369332"/>
-          </a:xfrm>
-          <a:prstGeom prst="rect">
-            <a:avLst/>
-          </a:prstGeom>
-          <a:noFill/>
-        </p:spPr>
-        <p:txBody>
-          <a:bodyPr wrap="square" rtlCol="0">
-            <a:spAutoFit/>
-          </a:bodyPr>
-          <a:lstStyle/>
-          <a:p>
-            <a:r>
-              <a:rPr lang="en-US" dirty="0"/>
-              <a:t>GUI/Backend</a:t>
-            </a:r>
-            <a:endParaRPr lang="en-US" dirty="0"/>
-          </a:p>
-        </p:txBody>
-      </p:sp>
-      <p:sp>
-        <p:nvSpPr>
-          <p:cNvPr id="7" name="Right Arrow 6"/>
+          <p:cNvPr id="25" name="Right Arrow 24"/>
           <p:cNvSpPr/>
           <p:nvPr/>
         </p:nvSpPr>
         <p:spPr>
-          <a:xfrm rot="2121883">
-            <a:off x="2883620" y="2748212"/>
-            <a:ext cx="3124201" cy="264312"/>
+          <a:xfrm rot="2196159">
+            <a:off x="4546466" y="3165830"/>
+            <a:ext cx="990600" cy="152400"/>
           </a:xfrm>
           <a:prstGeom prst="rightArrow">
             <a:avLst/>
@@ -6307,196 +6529,6 @@
           <a:p>
             <a:pPr algn="ctr"/>
             <a:endParaRPr lang="en-US"/>
-          </a:p>
-        </p:txBody>
-      </p:sp>
-      <p:sp>
-        <p:nvSpPr>
-          <p:cNvPr id="18" name="TextBox 17"/>
-          <p:cNvSpPr txBox="1"/>
-          <p:nvPr/>
-        </p:nvSpPr>
-        <p:spPr>
-          <a:xfrm>
-            <a:off x="4343400" y="4761628"/>
-            <a:ext cx="1676400" cy="369332"/>
-          </a:xfrm>
-          <a:prstGeom prst="rect">
-            <a:avLst/>
-          </a:prstGeom>
-          <a:noFill/>
-        </p:spPr>
-        <p:txBody>
-          <a:bodyPr wrap="square" rtlCol="0">
-            <a:spAutoFit/>
-          </a:bodyPr>
-          <a:lstStyle/>
-          <a:p>
-            <a:r>
-              <a:rPr lang="en-US" dirty="0" smtClean="0"/>
-              <a:t>DB/Seed Data</a:t>
-            </a:r>
-            <a:endParaRPr lang="en-US" dirty="0"/>
-          </a:p>
-        </p:txBody>
-      </p:sp>
-      <p:sp>
-        <p:nvSpPr>
-          <p:cNvPr id="19" name="TextBox 18"/>
-          <p:cNvSpPr txBox="1"/>
-          <p:nvPr/>
-        </p:nvSpPr>
-        <p:spPr>
-          <a:xfrm>
-            <a:off x="4445720" y="2398316"/>
-            <a:ext cx="1452678" cy="369332"/>
-          </a:xfrm>
-          <a:prstGeom prst="rect">
-            <a:avLst/>
-          </a:prstGeom>
-          <a:noFill/>
-        </p:spPr>
-        <p:txBody>
-          <a:bodyPr wrap="square" rtlCol="0">
-            <a:spAutoFit/>
-          </a:bodyPr>
-          <a:lstStyle/>
-          <a:p>
-            <a:r>
-              <a:rPr lang="en-US" dirty="0" smtClean="0"/>
-              <a:t>Login</a:t>
-            </a:r>
-            <a:endParaRPr lang="en-US" dirty="0"/>
-          </a:p>
-        </p:txBody>
-      </p:sp>
-      <p:sp>
-        <p:nvSpPr>
-          <p:cNvPr id="20" name="Right Arrow 19"/>
-          <p:cNvSpPr/>
-          <p:nvPr/>
-        </p:nvSpPr>
-        <p:spPr>
-          <a:xfrm>
-            <a:off x="6400800" y="4343400"/>
-            <a:ext cx="2133600" cy="386618"/>
-          </a:xfrm>
-          <a:prstGeom prst="rightArrow">
-            <a:avLst/>
-          </a:prstGeom>
-        </p:spPr>
-        <p:style>
-          <a:lnRef idx="2">
-            <a:schemeClr val="accent1">
-              <a:shade val="50000"/>
-            </a:schemeClr>
-          </a:lnRef>
-          <a:fillRef idx="1">
-            <a:schemeClr val="accent1"/>
-          </a:fillRef>
-          <a:effectRef idx="0">
-            <a:schemeClr val="accent1"/>
-          </a:effectRef>
-          <a:fontRef idx="minor">
-            <a:schemeClr val="lt1"/>
-          </a:fontRef>
-        </p:style>
-        <p:txBody>
-          <a:bodyPr rtlCol="0" anchor="ctr"/>
-          <a:lstStyle/>
-          <a:p>
-            <a:pPr algn="ctr"/>
-            <a:endParaRPr lang="en-US"/>
-          </a:p>
-        </p:txBody>
-      </p:sp>
-      <p:sp>
-        <p:nvSpPr>
-          <p:cNvPr id="21" name="TextBox 20"/>
-          <p:cNvSpPr txBox="1"/>
-          <p:nvPr/>
-        </p:nvSpPr>
-        <p:spPr>
-          <a:xfrm>
-            <a:off x="6457918" y="3397235"/>
-            <a:ext cx="2076482" cy="369332"/>
-          </a:xfrm>
-          <a:prstGeom prst="rect">
-            <a:avLst/>
-          </a:prstGeom>
-          <a:noFill/>
-        </p:spPr>
-        <p:txBody>
-          <a:bodyPr wrap="square" rtlCol="0">
-            <a:spAutoFit/>
-          </a:bodyPr>
-          <a:lstStyle/>
-          <a:p>
-            <a:r>
-              <a:rPr lang="en-US" dirty="0" smtClean="0"/>
-              <a:t>User Permissions</a:t>
-            </a:r>
-            <a:endParaRPr lang="en-US" dirty="0"/>
-          </a:p>
-        </p:txBody>
-      </p:sp>
-      <p:sp>
-        <p:nvSpPr>
-          <p:cNvPr id="22" name="TextBox 21"/>
-          <p:cNvSpPr txBox="1"/>
-          <p:nvPr/>
-        </p:nvSpPr>
-        <p:spPr>
-          <a:xfrm>
-            <a:off x="4495800" y="4044650"/>
-            <a:ext cx="1452678" cy="369332"/>
-          </a:xfrm>
-          <a:prstGeom prst="rect">
-            <a:avLst/>
-          </a:prstGeom>
-          <a:noFill/>
-        </p:spPr>
-        <p:txBody>
-          <a:bodyPr wrap="square" rtlCol="0">
-            <a:spAutoFit/>
-          </a:bodyPr>
-          <a:lstStyle/>
-          <a:p>
-            <a:r>
-              <a:rPr lang="en-US" dirty="0"/>
-              <a:t>GUI/Backend</a:t>
-            </a:r>
-            <a:endParaRPr lang="en-US" dirty="0"/>
-          </a:p>
-        </p:txBody>
-      </p:sp>
-      <p:sp>
-        <p:nvSpPr>
-          <p:cNvPr id="23" name="TextBox 22"/>
-          <p:cNvSpPr txBox="1"/>
-          <p:nvPr/>
-        </p:nvSpPr>
-        <p:spPr>
-          <a:xfrm>
-            <a:off x="6457918" y="4770617"/>
-            <a:ext cx="1676400" cy="369332"/>
-          </a:xfrm>
-          <a:prstGeom prst="rect">
-            <a:avLst/>
-          </a:prstGeom>
-          <a:noFill/>
-        </p:spPr>
-        <p:txBody>
-          <a:bodyPr wrap="square" rtlCol="0">
-            <a:spAutoFit/>
-          </a:bodyPr>
-          <a:lstStyle/>
-          <a:p>
-            <a:r>
-              <a:rPr lang="en-US" dirty="0" smtClean="0"/>
-              <a:t>Testing</a:t>
-            </a:r>
-            <a:endParaRPr lang="en-US" dirty="0"/>
           </a:p>
         </p:txBody>
       </p:sp>
@@ -6784,7 +6816,15 @@
             </a:pPr>
             <a:r>
               <a:rPr lang="en-US" sz="2100" dirty="0" smtClean="0"/>
-              <a:t>Edits user information</a:t>
+              <a:t>Edits </a:t>
+            </a:r>
+            <a:r>
+              <a:rPr lang="en-US" sz="2100" dirty="0" smtClean="0"/>
+              <a:t>his/her </a:t>
+            </a:r>
+            <a:r>
+              <a:rPr lang="en-US" sz="2100" dirty="0" smtClean="0"/>
+              <a:t>information</a:t>
             </a:r>
           </a:p>
           <a:p>
@@ -6808,7 +6848,15 @@
             </a:pPr>
             <a:r>
               <a:rPr lang="en-US" sz="2100" dirty="0" smtClean="0"/>
-              <a:t>Adds course(s) to schedule</a:t>
+              <a:t>Adds </a:t>
+            </a:r>
+            <a:r>
+              <a:rPr lang="en-US" sz="2100" dirty="0" smtClean="0"/>
+              <a:t>course </a:t>
+            </a:r>
+            <a:r>
+              <a:rPr lang="en-US" sz="2100" dirty="0" smtClean="0"/>
+              <a:t>to schedule</a:t>
             </a:r>
           </a:p>
           <a:p>
@@ -6910,13 +6958,8 @@
           <a:p>
             <a:r>
               <a:rPr lang="en-US" dirty="0" smtClean="0"/>
-              <a:t>Use </a:t>
-            </a:r>
-            <a:r>
-              <a:rPr lang="en-US" dirty="0" smtClean="0"/>
-              <a:t>Cases (cont’d)</a:t>
-            </a:r>
-            <a:endParaRPr lang="en-US" dirty="0" smtClean="0"/>
+              <a:t>Use Cases (cont’d)</a:t>
+            </a:r>
           </a:p>
         </p:txBody>
       </p:sp>
@@ -7144,7 +7187,19 @@
             </a:pPr>
             <a:r>
               <a:rPr lang="en-US" sz="2100" dirty="0" smtClean="0"/>
-              <a:t>Edit other user’s information</a:t>
+              <a:t>Edit </a:t>
+            </a:r>
+            <a:r>
+              <a:rPr lang="en-US" sz="2100" dirty="0" smtClean="0"/>
+              <a:t>all</a:t>
+            </a:r>
+            <a:r>
+              <a:rPr lang="en-US" sz="2100" dirty="0" smtClean="0"/>
+              <a:t> </a:t>
+            </a:r>
+            <a:r>
+              <a:rPr lang="en-US" sz="2100" dirty="0" smtClean="0"/>
+              <a:t>user’s information</a:t>
             </a:r>
           </a:p>
           <a:p>
@@ -7534,8 +7589,9 @@
           <a:p>
             <a:r>
               <a:rPr lang="en-US" dirty="0" smtClean="0"/>
-              <a:t>External Resources Used</a:t>
-            </a:r>
+              <a:t>Resources</a:t>
+            </a:r>
+            <a:endParaRPr lang="en-US" dirty="0" smtClean="0"/>
           </a:p>
         </p:txBody>
       </p:sp>
@@ -7759,8 +7815,11 @@
             <a:pPr lvl="2"/>
             <a:r>
               <a:rPr lang="en-US" sz="1800" dirty="0" smtClean="0"/>
-              <a:t>Devise/</a:t>
-            </a:r>
+              <a:t>Devise</a:t>
+            </a:r>
+          </a:p>
+          <a:p>
+            <a:pPr lvl="2"/>
             <a:r>
               <a:rPr lang="en-US" sz="1800" dirty="0" err="1" smtClean="0"/>
               <a:t>CanCan</a:t>
@@ -7780,13 +7839,7 @@
               <a:rPr lang="en-US" sz="1800" dirty="0" smtClean="0"/>
               <a:t>Twitter</a:t>
             </a:r>
-          </a:p>
-          <a:p>
-            <a:pPr lvl="2"/>
-            <a:r>
-              <a:rPr lang="en-US" sz="1800" dirty="0" smtClean="0"/>
-              <a:t>Less Rails</a:t>
-            </a:r>
+            <a:endParaRPr lang="en-US" sz="1800" dirty="0" smtClean="0"/>
           </a:p>
           <a:p>
             <a:pPr lvl="1"/>
@@ -7794,6 +7847,7 @@
               <a:rPr lang="en-US" sz="2400" dirty="0" smtClean="0"/>
               <a:t>DB</a:t>
             </a:r>
+            <a:endParaRPr lang="en-US" sz="2400" dirty="0" smtClean="0"/>
           </a:p>
           <a:p>
             <a:pPr lvl="2"/>

--- a/Documents/Presentation.pptx
+++ b/Documents/Presentation.pptx
@@ -536,6 +536,29 @@
             </a:r>
           </a:p>
           <a:p>
+            <a:r>
+              <a:rPr lang="en-US" dirty="0" smtClean="0"/>
+              <a:t>	Log in as Facebook</a:t>
+            </a:r>
+          </a:p>
+          <a:p>
+            <a:r>
+              <a:rPr lang="en-US" dirty="0" smtClean="0"/>
+              <a:t>	Add </a:t>
+            </a:r>
+            <a:r>
+              <a:rPr lang="en-US" dirty="0" smtClean="0"/>
+              <a:t>course *</a:t>
+            </a:r>
+            <a:endParaRPr lang="en-US" dirty="0" smtClean="0"/>
+          </a:p>
+          <a:p>
+            <a:r>
+              <a:rPr lang="en-US" dirty="0" smtClean="0"/>
+              <a:t>	Add course with a pre-requisite</a:t>
+            </a:r>
+          </a:p>
+          <a:p>
             <a:endParaRPr lang="en-US" dirty="0" smtClean="0"/>
           </a:p>
           <a:p>
@@ -545,12 +568,57 @@
             </a:r>
           </a:p>
           <a:p>
+            <a:r>
+              <a:rPr lang="en-US" dirty="0" smtClean="0"/>
+              <a:t>	Standard</a:t>
+            </a:r>
+            <a:r>
+              <a:rPr lang="en-US" baseline="0" dirty="0" smtClean="0"/>
+              <a:t> login at same time as student</a:t>
+            </a:r>
+          </a:p>
+          <a:p>
+            <a:r>
+              <a:rPr lang="en-US" baseline="0" dirty="0" smtClean="0"/>
+              <a:t>	See student’s </a:t>
+            </a:r>
+            <a:r>
+              <a:rPr lang="en-US" i="1" baseline="0" dirty="0" smtClean="0"/>
+              <a:t>partial </a:t>
+            </a:r>
+            <a:r>
+              <a:rPr lang="en-US" baseline="0" dirty="0" smtClean="0"/>
+              <a:t>update (AJAX</a:t>
+            </a:r>
+            <a:r>
+              <a:rPr lang="en-US" baseline="0" dirty="0" smtClean="0"/>
+              <a:t>) *</a:t>
+            </a:r>
+            <a:endParaRPr lang="en-US" dirty="0" smtClean="0"/>
+          </a:p>
+          <a:p>
             <a:endParaRPr lang="en-US" dirty="0" smtClean="0"/>
           </a:p>
           <a:p>
             <a:r>
               <a:rPr lang="en-US" dirty="0" smtClean="0"/>
               <a:t>Admin</a:t>
+            </a:r>
+          </a:p>
+          <a:p>
+            <a:r>
+              <a:rPr lang="en-US" dirty="0" smtClean="0"/>
+              <a:t>	Log in</a:t>
+            </a:r>
+          </a:p>
+          <a:p>
+            <a:r>
+              <a:rPr lang="en-US" dirty="0" smtClean="0"/>
+              <a:t>	edit</a:t>
+            </a:r>
+            <a:r>
+              <a:rPr lang="en-US" baseline="0" dirty="0" smtClean="0"/>
+              <a:t> all values</a:t>
             </a:r>
             <a:endParaRPr lang="en-US" dirty="0"/>
           </a:p>
@@ -583,6 +651,112 @@
     <p:extLst>
       <p:ext uri="{BB962C8B-B14F-4D97-AF65-F5344CB8AC3E}">
         <p14:creationId xmlns:p14="http://schemas.microsoft.com/office/powerpoint/2010/main" val="1162741827"/>
+      </p:ext>
+    </p:extLst>
+  </p:cSld>
+  <p:clrMapOvr>
+    <a:masterClrMapping/>
+  </p:clrMapOvr>
+</p:notes>
+</file>
+
+<file path=ppt/notesSlides/notesSlide2.xml><?xml version="1.0" encoding="utf-8"?>
+<p:notes xmlns:a="http://schemas.openxmlformats.org/drawingml/2006/main" xmlns:r="http://schemas.openxmlformats.org/officeDocument/2006/relationships" xmlns:p="http://schemas.openxmlformats.org/presentationml/2006/main">
+  <p:cSld>
+    <p:spTree>
+      <p:nvGrpSpPr>
+        <p:cNvPr id="1" name=""/>
+        <p:cNvGrpSpPr/>
+        <p:nvPr/>
+      </p:nvGrpSpPr>
+      <p:grpSpPr>
+        <a:xfrm>
+          <a:off x="0" y="0"/>
+          <a:ext cx="0" cy="0"/>
+          <a:chOff x="0" y="0"/>
+          <a:chExt cx="0" cy="0"/>
+        </a:xfrm>
+      </p:grpSpPr>
+      <p:sp>
+        <p:nvSpPr>
+          <p:cNvPr id="2" name="Slide Image Placeholder 1"/>
+          <p:cNvSpPr>
+            <a:spLocks noGrp="1" noRot="1" noChangeAspect="1"/>
+          </p:cNvSpPr>
+          <p:nvPr>
+            <p:ph type="sldImg"/>
+          </p:nvPr>
+        </p:nvSpPr>
+        <p:spPr/>
+      </p:sp>
+      <p:sp>
+        <p:nvSpPr>
+          <p:cNvPr id="3" name="Notes Placeholder 2"/>
+          <p:cNvSpPr>
+            <a:spLocks noGrp="1"/>
+          </p:cNvSpPr>
+          <p:nvPr>
+            <p:ph type="body" idx="1"/>
+          </p:nvPr>
+        </p:nvSpPr>
+        <p:spPr/>
+        <p:txBody>
+          <a:bodyPr/>
+          <a:lstStyle/>
+          <a:p>
+            <a:pPr marL="171450" indent="-171450">
+              <a:buFont typeface="Arial" panose="020B0604020202020204" pitchFamily="34" charset="0"/>
+              <a:buChar char="•"/>
+            </a:pPr>
+            <a:r>
+              <a:rPr lang="en-US" dirty="0" smtClean="0"/>
+              <a:t>Which stories we did not complete</a:t>
+            </a:r>
+          </a:p>
+          <a:p>
+            <a:pPr marL="171450" indent="-171450">
+              <a:buFont typeface="Arial" panose="020B0604020202020204" pitchFamily="34" charset="0"/>
+              <a:buChar char="•"/>
+            </a:pPr>
+            <a:r>
+              <a:rPr lang="en-US" dirty="0" smtClean="0"/>
+              <a:t>How many new stories did we add? - </a:t>
+            </a:r>
+            <a:r>
+              <a:rPr lang="en-US" smtClean="0"/>
+              <a:t>CanCan</a:t>
+            </a:r>
+            <a:endParaRPr lang="en-US" dirty="0"/>
+          </a:p>
+        </p:txBody>
+      </p:sp>
+      <p:sp>
+        <p:nvSpPr>
+          <p:cNvPr id="4" name="Slide Number Placeholder 3"/>
+          <p:cNvSpPr>
+            <a:spLocks noGrp="1"/>
+          </p:cNvSpPr>
+          <p:nvPr>
+            <p:ph type="sldNum" sz="quarter" idx="10"/>
+          </p:nvPr>
+        </p:nvSpPr>
+        <p:spPr/>
+        <p:txBody>
+          <a:bodyPr/>
+          <a:lstStyle/>
+          <a:p>
+            <a:fld id="{E5F7F355-DF31-44BD-ACE7-02B125FE48B2}" type="slidenum">
+              <a:rPr lang="en-US" smtClean="0"/>
+              <a:t>11</a:t>
+            </a:fld>
+            <a:endParaRPr lang="en-US"/>
+          </a:p>
+        </p:txBody>
+      </p:sp>
+    </p:spTree>
+    <p:extLst>
+      <p:ext uri="{BB962C8B-B14F-4D97-AF65-F5344CB8AC3E}">
+        <p14:creationId xmlns:p14="http://schemas.microsoft.com/office/powerpoint/2010/main" val="1520417990"/>
       </p:ext>
     </p:extLst>
   </p:cSld>
@@ -4855,15 +5029,7 @@
             <a:pPr lvl="1"/>
             <a:r>
               <a:rPr lang="en-US" sz="2000" dirty="0" smtClean="0"/>
-              <a:t>Gems </a:t>
-            </a:r>
-            <a:r>
-              <a:rPr lang="en-US" sz="2000" dirty="0" smtClean="0"/>
-              <a:t>don’t always make things easier – particularly simple </a:t>
-            </a:r>
-            <a:r>
-              <a:rPr lang="en-US" sz="2000" dirty="0" smtClean="0"/>
-              <a:t>functionality</a:t>
+              <a:t>Gems don’t always make things easier – particularly simple functionality</a:t>
             </a:r>
           </a:p>
           <a:p>
@@ -6816,15 +6982,7 @@
             </a:pPr>
             <a:r>
               <a:rPr lang="en-US" sz="2100" dirty="0" smtClean="0"/>
-              <a:t>Edits </a:t>
-            </a:r>
-            <a:r>
-              <a:rPr lang="en-US" sz="2100" dirty="0" smtClean="0"/>
-              <a:t>his/her </a:t>
-            </a:r>
-            <a:r>
-              <a:rPr lang="en-US" sz="2100" dirty="0" smtClean="0"/>
-              <a:t>information</a:t>
+              <a:t>Edits his/her information</a:t>
             </a:r>
           </a:p>
           <a:p>
@@ -6848,15 +7006,7 @@
             </a:pPr>
             <a:r>
               <a:rPr lang="en-US" sz="2100" dirty="0" smtClean="0"/>
-              <a:t>Adds </a:t>
-            </a:r>
-            <a:r>
-              <a:rPr lang="en-US" sz="2100" dirty="0" smtClean="0"/>
-              <a:t>course </a:t>
-            </a:r>
-            <a:r>
-              <a:rPr lang="en-US" sz="2100" dirty="0" smtClean="0"/>
-              <a:t>to schedule</a:t>
+              <a:t>Adds course to schedule</a:t>
             </a:r>
           </a:p>
           <a:p>
@@ -7187,19 +7337,7 @@
             </a:pPr>
             <a:r>
               <a:rPr lang="en-US" sz="2100" dirty="0" smtClean="0"/>
-              <a:t>Edit </a:t>
-            </a:r>
-            <a:r>
-              <a:rPr lang="en-US" sz="2100" dirty="0" smtClean="0"/>
-              <a:t>all</a:t>
-            </a:r>
-            <a:r>
-              <a:rPr lang="en-US" sz="2100" dirty="0" smtClean="0"/>
-              <a:t> </a:t>
-            </a:r>
-            <a:r>
-              <a:rPr lang="en-US" sz="2100" dirty="0" smtClean="0"/>
-              <a:t>user’s information</a:t>
+              <a:t>Edit all user’s information</a:t>
             </a:r>
           </a:p>
           <a:p>
@@ -7591,7 +7729,6 @@
               <a:rPr lang="en-US" dirty="0" smtClean="0"/>
               <a:t>Resources</a:t>
             </a:r>
-            <a:endParaRPr lang="en-US" dirty="0" smtClean="0"/>
           </a:p>
         </p:txBody>
       </p:sp>
@@ -7839,7 +7976,6 @@
               <a:rPr lang="en-US" sz="1800" dirty="0" smtClean="0"/>
               <a:t>Twitter</a:t>
             </a:r>
-            <a:endParaRPr lang="en-US" sz="1800" dirty="0" smtClean="0"/>
           </a:p>
           <a:p>
             <a:pPr lvl="1"/>
@@ -7847,7 +7983,6 @@
               <a:rPr lang="en-US" sz="2400" dirty="0" smtClean="0"/>
               <a:t>DB</a:t>
             </a:r>
-            <a:endParaRPr lang="en-US" sz="2400" dirty="0" smtClean="0"/>
           </a:p>
           <a:p>
             <a:pPr lvl="2"/>
